--- a/report/2014-11-04.pptx
+++ b/report/2014-11-04.pptx
@@ -5,10 +5,10 @@
     <p:sldMasterId id="2147483861" r:id="rId1"/>
   </p:sldMasterIdLst>
   <p:notesMasterIdLst>
-    <p:notesMasterId r:id="rId26"/>
+    <p:notesMasterId r:id="rId27"/>
   </p:notesMasterIdLst>
   <p:handoutMasterIdLst>
-    <p:handoutMasterId r:id="rId27"/>
+    <p:handoutMasterId r:id="rId28"/>
   </p:handoutMasterIdLst>
   <p:sldIdLst>
     <p:sldId id="256" r:id="rId2"/>
@@ -17,24 +17,25 @@
     <p:sldId id="264" r:id="rId5"/>
     <p:sldId id="270" r:id="rId6"/>
     <p:sldId id="362" r:id="rId7"/>
-    <p:sldId id="340" r:id="rId8"/>
-    <p:sldId id="357" r:id="rId9"/>
-    <p:sldId id="300" r:id="rId10"/>
-    <p:sldId id="351" r:id="rId11"/>
-    <p:sldId id="335" r:id="rId12"/>
-    <p:sldId id="363" r:id="rId13"/>
-    <p:sldId id="370" r:id="rId14"/>
-    <p:sldId id="371" r:id="rId15"/>
-    <p:sldId id="372" r:id="rId16"/>
-    <p:sldId id="373" r:id="rId17"/>
-    <p:sldId id="365" r:id="rId18"/>
-    <p:sldId id="366" r:id="rId19"/>
-    <p:sldId id="367" r:id="rId20"/>
-    <p:sldId id="350" r:id="rId21"/>
-    <p:sldId id="368" r:id="rId22"/>
-    <p:sldId id="369" r:id="rId23"/>
-    <p:sldId id="359" r:id="rId24"/>
-    <p:sldId id="349" r:id="rId25"/>
+    <p:sldId id="374" r:id="rId8"/>
+    <p:sldId id="340" r:id="rId9"/>
+    <p:sldId id="357" r:id="rId10"/>
+    <p:sldId id="300" r:id="rId11"/>
+    <p:sldId id="351" r:id="rId12"/>
+    <p:sldId id="335" r:id="rId13"/>
+    <p:sldId id="363" r:id="rId14"/>
+    <p:sldId id="370" r:id="rId15"/>
+    <p:sldId id="371" r:id="rId16"/>
+    <p:sldId id="372" r:id="rId17"/>
+    <p:sldId id="373" r:id="rId18"/>
+    <p:sldId id="365" r:id="rId19"/>
+    <p:sldId id="366" r:id="rId20"/>
+    <p:sldId id="367" r:id="rId21"/>
+    <p:sldId id="350" r:id="rId22"/>
+    <p:sldId id="368" r:id="rId23"/>
+    <p:sldId id="369" r:id="rId24"/>
+    <p:sldId id="359" r:id="rId25"/>
+    <p:sldId id="349" r:id="rId26"/>
   </p:sldIdLst>
   <p:sldSz cx="12192000" cy="6858000"/>
   <p:notesSz cx="6858000" cy="9144000"/>
@@ -246,7 +247,7 @@
           <a:p>
             <a:fld id="{53DF2DCF-DB06-4254-A49F-002D5F827FF4}" type="datetimeFigureOut">
               <a:rPr kumimoji="1" lang="ja-JP" altLang="en-US" smtClean="0"/>
-              <a:t>2014/11/12</a:t>
+              <a:t>2014/12/12</a:t>
             </a:fld>
             <a:endParaRPr kumimoji="1" lang="ja-JP" altLang="en-US"/>
           </a:p>
@@ -411,7 +412,7 @@
           <a:p>
             <a:fld id="{A7B3912A-A208-42D9-A720-8DE28239B8A7}" type="datetimeFigureOut">
               <a:rPr lang="en-US" smtClean="0"/>
-              <a:t>12/11/2014</a:t>
+              <a:t>12/12/2014</a:t>
             </a:fld>
             <a:endParaRPr lang="en-US"/>
           </a:p>
@@ -951,7 +952,7 @@
           <a:p>
             <a:fld id="{7FC51BC0-5CD8-4890-A623-D66634BB65F3}" type="datetime1">
               <a:rPr lang="en-US" smtClean="0"/>
-              <a:t>12/11/2014</a:t>
+              <a:t>12/12/2014</a:t>
             </a:fld>
             <a:endParaRPr lang="en-US"/>
           </a:p>
@@ -1289,7 +1290,7 @@
           <a:p>
             <a:fld id="{AE02F185-A3BE-472A-9684-02EC53B78E9C}" type="datetime1">
               <a:rPr lang="en-US" smtClean="0"/>
-              <a:t>12/11/2014</a:t>
+              <a:t>12/12/2014</a:t>
             </a:fld>
             <a:endParaRPr lang="en-US"/>
           </a:p>
@@ -1690,7 +1691,7 @@
           <a:p>
             <a:fld id="{5621C072-7611-44F1-8610-08EC694A07F0}" type="datetime1">
               <a:rPr lang="en-US" smtClean="0"/>
-              <a:t>12/11/2014</a:t>
+              <a:t>12/12/2014</a:t>
             </a:fld>
             <a:endParaRPr lang="en-US"/>
           </a:p>
@@ -2026,7 +2027,7 @@
           <a:p>
             <a:fld id="{6D7964BB-9B41-4DDB-8F12-C699973B51D9}" type="datetime1">
               <a:rPr lang="en-US" smtClean="0"/>
-              <a:t>12/11/2014</a:t>
+              <a:t>12/12/2014</a:t>
             </a:fld>
             <a:endParaRPr lang="en-US"/>
           </a:p>
@@ -2346,7 +2347,7 @@
           <a:p>
             <a:fld id="{32713E24-E9F9-4D7D-AA60-094D056CDCCC}" type="datetime1">
               <a:rPr lang="en-US" smtClean="0"/>
-              <a:t>12/11/2014</a:t>
+              <a:t>12/12/2014</a:t>
             </a:fld>
             <a:endParaRPr lang="en-US"/>
           </a:p>
@@ -2742,7 +2743,7 @@
           <a:p>
             <a:fld id="{E3DDF059-9ED2-4DE0-9CE9-79B3768F8997}" type="datetime1">
               <a:rPr lang="en-US" smtClean="0"/>
-              <a:t>12/11/2014</a:t>
+              <a:t>12/12/2014</a:t>
             </a:fld>
             <a:endParaRPr lang="en-US"/>
           </a:p>
@@ -2999,7 +3000,7 @@
           <a:p>
             <a:fld id="{97ABA458-ED39-4ADA-96F0-D6B8F204BA60}" type="datetime1">
               <a:rPr lang="en-US" smtClean="0"/>
-              <a:t>12/11/2014</a:t>
+              <a:t>12/12/2014</a:t>
             </a:fld>
             <a:endParaRPr lang="en-US"/>
           </a:p>
@@ -3261,7 +3262,7 @@
           <a:p>
             <a:fld id="{08444B18-DB90-41A6-9235-464ECA7F10A4}" type="datetime1">
               <a:rPr lang="en-US" smtClean="0"/>
-              <a:t>12/11/2014</a:t>
+              <a:t>12/12/2014</a:t>
             </a:fld>
             <a:endParaRPr lang="en-US"/>
           </a:p>
@@ -3523,7 +3524,7 @@
           <a:p>
             <a:fld id="{D375DF81-F5DA-44FE-9562-697A179B7B0A}" type="datetime1">
               <a:rPr lang="en-US" smtClean="0"/>
-              <a:t>12/11/2014</a:t>
+              <a:t>12/12/2014</a:t>
             </a:fld>
             <a:endParaRPr lang="en-US"/>
           </a:p>
@@ -3852,7 +3853,7 @@
           <a:p>
             <a:fld id="{574A4FCE-4BC4-48F1-BAFC-21B3F6D1AE28}" type="datetime1">
               <a:rPr lang="en-US" smtClean="0"/>
-              <a:t>12/11/2014</a:t>
+              <a:t>12/12/2014</a:t>
             </a:fld>
             <a:endParaRPr lang="en-US"/>
           </a:p>
@@ -4175,7 +4176,7 @@
           <a:p>
             <a:fld id="{E9A4F337-B4F3-41ED-A235-1EB8E27F4ADC}" type="datetime1">
               <a:rPr lang="en-US" smtClean="0"/>
-              <a:t>12/11/2014</a:t>
+              <a:t>12/12/2014</a:t>
             </a:fld>
             <a:endParaRPr lang="en-US"/>
           </a:p>
@@ -4632,7 +4633,7 @@
           <a:p>
             <a:fld id="{042D7D94-FFAA-495D-AC0F-ABD4E676F73C}" type="datetime1">
               <a:rPr lang="en-US" smtClean="0"/>
-              <a:t>12/11/2014</a:t>
+              <a:t>12/12/2014</a:t>
             </a:fld>
             <a:endParaRPr lang="en-US"/>
           </a:p>
@@ -4837,7 +4838,7 @@
           <a:p>
             <a:fld id="{446193CF-BB28-48CF-8B44-80D6F3490EEE}" type="datetime1">
               <a:rPr lang="en-US" smtClean="0"/>
-              <a:t>12/11/2014</a:t>
+              <a:t>12/12/2014</a:t>
             </a:fld>
             <a:endParaRPr lang="en-US"/>
           </a:p>
@@ -5014,7 +5015,7 @@
           <a:p>
             <a:fld id="{5F7300D2-0E83-4CFE-91DB-6D88FAA3DB5C}" type="datetime1">
               <a:rPr lang="en-US" smtClean="0"/>
-              <a:t>12/11/2014</a:t>
+              <a:t>12/12/2014</a:t>
             </a:fld>
             <a:endParaRPr lang="en-US"/>
           </a:p>
@@ -5347,7 +5348,7 @@
           <a:p>
             <a:fld id="{8CC331A5-A2E0-4093-B454-C6FF04ED1192}" type="datetime1">
               <a:rPr lang="en-US" smtClean="0"/>
-              <a:t>12/11/2014</a:t>
+              <a:t>12/12/2014</a:t>
             </a:fld>
             <a:endParaRPr lang="en-US"/>
           </a:p>
@@ -5692,7 +5693,7 @@
           <a:p>
             <a:fld id="{65369091-B738-4B29-8138-F2365DA6C833}" type="datetime1">
               <a:rPr lang="en-US" smtClean="0"/>
-              <a:t>12/11/2014</a:t>
+              <a:t>12/12/2014</a:t>
             </a:fld>
             <a:endParaRPr lang="en-US"/>
           </a:p>
@@ -7809,7 +7810,7 @@
           <a:p>
             <a:fld id="{0F7C4A8F-7631-40DF-9D95-F8A285B7E60E}" type="datetime1">
               <a:rPr lang="en-US" smtClean="0"/>
-              <a:t>12/11/2014</a:t>
+              <a:t>12/12/2014</a:t>
             </a:fld>
             <a:endParaRPr lang="en-US"/>
           </a:p>
@@ -8465,51 +8466,1291 @@
             <p:ph type="title"/>
           </p:nvPr>
         </p:nvSpPr>
-        <p:spPr/>
+        <p:spPr>
+          <a:xfrm>
+            <a:off x="2609409" y="563905"/>
+            <a:ext cx="10515600" cy="1325563"/>
+          </a:xfrm>
+        </p:spPr>
         <p:txBody>
           <a:bodyPr/>
           <a:lstStyle/>
           <a:p>
+            <a:endParaRPr lang="en-US" dirty="0"/>
+          </a:p>
+        </p:txBody>
+      </p:sp>
+      <p:sp>
+        <p:nvSpPr>
+          <p:cNvPr id="4" name="Rectangle 3"/>
+          <p:cNvSpPr/>
+          <p:nvPr/>
+        </p:nvSpPr>
+        <p:spPr>
+          <a:xfrm>
+            <a:off x="2968917" y="1157493"/>
+            <a:ext cx="7820808" cy="5251806"/>
+          </a:xfrm>
+          <a:prstGeom prst="rect">
+            <a:avLst/>
+          </a:prstGeom>
+          <a:ln w="76200">
+            <a:solidFill>
+              <a:srgbClr val="00B050"/>
+            </a:solidFill>
+          </a:ln>
+        </p:spPr>
+        <p:style>
+          <a:lnRef idx="2">
+            <a:schemeClr val="accent1"/>
+          </a:lnRef>
+          <a:fillRef idx="1">
+            <a:schemeClr val="lt1"/>
+          </a:fillRef>
+          <a:effectRef idx="0">
+            <a:schemeClr val="accent1"/>
+          </a:effectRef>
+          <a:fontRef idx="minor">
+            <a:schemeClr val="dk1"/>
+          </a:fontRef>
+        </p:style>
+        <p:txBody>
+          <a:bodyPr rtlCol="0" anchor="ctr"/>
+          <a:lstStyle/>
+          <a:p>
+            <a:pPr algn="ctr"/>
+            <a:r>
+              <a:rPr lang="en-US" dirty="0" err="1" smtClean="0"/>
+              <a:t>Yest</a:t>
+            </a:r>
+            <a:endParaRPr lang="en-US" dirty="0"/>
+          </a:p>
+        </p:txBody>
+      </p:sp>
+      <p:sp>
+        <p:nvSpPr>
+          <p:cNvPr id="7" name="TextBox 6"/>
+          <p:cNvSpPr txBox="1"/>
+          <p:nvPr/>
+        </p:nvSpPr>
+        <p:spPr>
+          <a:xfrm>
+            <a:off x="6133399" y="1580787"/>
+            <a:ext cx="1995602" cy="461665"/>
+          </a:xfrm>
+          <a:prstGeom prst="rect">
+            <a:avLst/>
+          </a:prstGeom>
+          <a:solidFill>
+            <a:srgbClr val="00B050"/>
+          </a:solidFill>
+        </p:spPr>
+        <p:txBody>
+          <a:bodyPr wrap="square" rtlCol="0">
+            <a:spAutoFit/>
+          </a:bodyPr>
+          <a:lstStyle/>
+          <a:p>
+            <a:pPr algn="ctr"/>
+            <a:r>
+              <a:rPr lang="en-US" sz="2400" dirty="0" smtClean="0"/>
+              <a:t>SAT solver</a:t>
+            </a:r>
+            <a:endParaRPr lang="en-US" sz="2400" dirty="0"/>
+          </a:p>
+        </p:txBody>
+      </p:sp>
+      <p:sp>
+        <p:nvSpPr>
+          <p:cNvPr id="8" name="TextBox 7"/>
+          <p:cNvSpPr txBox="1"/>
+          <p:nvPr/>
+        </p:nvSpPr>
+        <p:spPr>
+          <a:xfrm>
+            <a:off x="3037006" y="2565679"/>
+            <a:ext cx="7697648" cy="3760649"/>
+          </a:xfrm>
+          <a:prstGeom prst="rect">
+            <a:avLst/>
+          </a:prstGeom>
+          <a:solidFill>
+            <a:srgbClr val="FFC000"/>
+          </a:solidFill>
+        </p:spPr>
+        <p:txBody>
+          <a:bodyPr vert="horz" wrap="square" rtlCol="0" anchor="b" anchorCtr="0">
+            <a:noAutofit/>
+          </a:bodyPr>
+          <a:lstStyle/>
+          <a:p>
+            <a:pPr algn="r"/>
             <a:r>
               <a:rPr lang="en-US" dirty="0" smtClean="0"/>
-              <a:t>Completeness (strict inequality)</a:t>
+              <a:t>Theory solver</a:t>
             </a:r>
             <a:endParaRPr lang="en-US" dirty="0"/>
           </a:p>
         </p:txBody>
       </p:sp>
-      <p:pic>
-        <p:nvPicPr>
-          <p:cNvPr id="8" name="Content Placeholder 7"/>
-          <p:cNvPicPr>
-            <a:picLocks noGrp="1" noChangeAspect="1"/>
-          </p:cNvPicPr>
-          <p:nvPr>
-            <p:ph idx="1"/>
-          </p:nvPr>
-        </p:nvPicPr>
-        <p:blipFill>
-          <a:blip r:embed="rId2">
-            <a:extLst>
-              <a:ext uri="{28A0092B-C50C-407E-A947-70E740481C1C}">
-                <a14:useLocalDpi xmlns:a14="http://schemas.microsoft.com/office/drawing/2010/main" val="0"/>
-              </a:ext>
-            </a:extLst>
-          </a:blip>
-          <a:stretch>
-            <a:fillRect/>
-          </a:stretch>
-        </p:blipFill>
+      <p:sp>
+        <p:nvSpPr>
+          <p:cNvPr id="9" name="TextBox 8"/>
+          <p:cNvSpPr txBox="1"/>
+          <p:nvPr/>
+        </p:nvSpPr>
         <p:spPr>
           <a:xfrm>
-            <a:off x="5249372" y="2736734"/>
-            <a:ext cx="3209524" cy="2514286"/>
-          </a:xfrm>
-        </p:spPr>
-      </p:pic>
-      <p:sp>
-        <p:nvSpPr>
-          <p:cNvPr id="4" name="Slide Number Placeholder 3"/>
+            <a:off x="5979441" y="3535946"/>
+            <a:ext cx="2278886" cy="830997"/>
+          </a:xfrm>
+          <a:prstGeom prst="rect">
+            <a:avLst/>
+          </a:prstGeom>
+          <a:solidFill>
+            <a:srgbClr val="00B050"/>
+          </a:solidFill>
+        </p:spPr>
+        <p:txBody>
+          <a:bodyPr wrap="square" rtlCol="0">
+            <a:spAutoFit/>
+          </a:bodyPr>
+          <a:lstStyle/>
+          <a:p>
+            <a:pPr algn="ctr"/>
+            <a:r>
+              <a:rPr lang="en-US" sz="2400" dirty="0" smtClean="0"/>
+              <a:t>Interval Arithmetic</a:t>
+            </a:r>
+            <a:endParaRPr lang="en-US" sz="2400" dirty="0"/>
+          </a:p>
+        </p:txBody>
+      </p:sp>
+      <p:cxnSp>
+        <p:nvCxnSpPr>
+          <p:cNvPr id="29" name="Straight Arrow Connector 28"/>
+          <p:cNvCxnSpPr>
+            <a:stCxn id="7" idx="2"/>
+            <a:endCxn id="9" idx="0"/>
+          </p:cNvCxnSpPr>
+          <p:nvPr/>
+        </p:nvCxnSpPr>
+        <p:spPr>
+          <a:xfrm flipH="1">
+            <a:off x="7118884" y="2042452"/>
+            <a:ext cx="12316" cy="1493494"/>
+          </a:xfrm>
+          <a:prstGeom prst="straightConnector1">
+            <a:avLst/>
+          </a:prstGeom>
+          <a:ln w="28575">
+            <a:solidFill>
+              <a:srgbClr val="00B050"/>
+            </a:solidFill>
+            <a:tailEnd type="triangle"/>
+          </a:ln>
+        </p:spPr>
+        <p:style>
+          <a:lnRef idx="1">
+            <a:schemeClr val="accent1"/>
+          </a:lnRef>
+          <a:fillRef idx="0">
+            <a:schemeClr val="accent1"/>
+          </a:fillRef>
+          <a:effectRef idx="0">
+            <a:schemeClr val="accent1"/>
+          </a:effectRef>
+          <a:fontRef idx="minor">
+            <a:schemeClr val="tx1"/>
+          </a:fontRef>
+        </p:style>
+      </p:cxnSp>
+      <p:cxnSp>
+        <p:nvCxnSpPr>
+          <p:cNvPr id="36" name="Straight Arrow Connector 35"/>
+          <p:cNvCxnSpPr/>
+          <p:nvPr/>
+        </p:nvCxnSpPr>
+        <p:spPr>
+          <a:xfrm>
+            <a:off x="8129001" y="1800148"/>
+            <a:ext cx="2919805" cy="26981"/>
+          </a:xfrm>
+          <a:prstGeom prst="straightConnector1">
+            <a:avLst/>
+          </a:prstGeom>
+          <a:ln w="28575">
+            <a:solidFill>
+              <a:srgbClr val="C00000"/>
+            </a:solidFill>
+            <a:tailEnd type="triangle"/>
+          </a:ln>
+        </p:spPr>
+        <p:style>
+          <a:lnRef idx="1">
+            <a:schemeClr val="accent1"/>
+          </a:lnRef>
+          <a:fillRef idx="0">
+            <a:schemeClr val="accent1"/>
+          </a:fillRef>
+          <a:effectRef idx="0">
+            <a:schemeClr val="accent1"/>
+          </a:effectRef>
+          <a:fontRef idx="minor">
+            <a:schemeClr val="tx1"/>
+          </a:fontRef>
+        </p:style>
+      </p:cxnSp>
+      <p:sp>
+        <p:nvSpPr>
+          <p:cNvPr id="40" name="TextBox 39"/>
+          <p:cNvSpPr txBox="1"/>
+          <p:nvPr/>
+        </p:nvSpPr>
+        <p:spPr>
+          <a:xfrm>
+            <a:off x="11048806" y="1642463"/>
+            <a:ext cx="1217000" cy="646331"/>
+          </a:xfrm>
+          <a:prstGeom prst="rect">
+            <a:avLst/>
+          </a:prstGeom>
+          <a:noFill/>
+        </p:spPr>
+        <p:txBody>
+          <a:bodyPr wrap="none" rtlCol="0">
+            <a:spAutoFit/>
+          </a:bodyPr>
+          <a:lstStyle/>
+          <a:p>
+            <a:r>
+              <a:rPr lang="en-US" dirty="0" smtClean="0">
+                <a:solidFill>
+                  <a:srgbClr val="FF0000"/>
+                </a:solidFill>
+              </a:rPr>
+              <a:t>UNSAT</a:t>
+            </a:r>
+            <a:r>
+              <a:rPr lang="en-US" dirty="0" smtClean="0"/>
+              <a:t>/</a:t>
+            </a:r>
+          </a:p>
+          <a:p>
+            <a:r>
+              <a:rPr lang="en-US" dirty="0" smtClean="0"/>
+              <a:t>Unknown</a:t>
+            </a:r>
+            <a:endParaRPr lang="en-US" dirty="0"/>
+          </a:p>
+        </p:txBody>
+      </p:sp>
+      <p:sp>
+        <p:nvSpPr>
+          <p:cNvPr id="41" name="TextBox 40"/>
+          <p:cNvSpPr txBox="1"/>
+          <p:nvPr/>
+        </p:nvSpPr>
+        <p:spPr>
+          <a:xfrm>
+            <a:off x="8153146" y="1411509"/>
+            <a:ext cx="519694" cy="400110"/>
+          </a:xfrm>
+          <a:prstGeom prst="rect">
+            <a:avLst/>
+          </a:prstGeom>
+          <a:noFill/>
+        </p:spPr>
+        <p:txBody>
+          <a:bodyPr wrap="none" rtlCol="0">
+            <a:spAutoFit/>
+          </a:bodyPr>
+          <a:lstStyle/>
+          <a:p>
+            <a:r>
+              <a:rPr lang="en-US" sz="2000" dirty="0" smtClean="0">
+                <a:solidFill>
+                  <a:srgbClr val="C00000"/>
+                </a:solidFill>
+              </a:rPr>
+              <a:t>NO</a:t>
+            </a:r>
+            <a:endParaRPr lang="en-US" sz="2000" dirty="0">
+              <a:solidFill>
+                <a:srgbClr val="C00000"/>
+              </a:solidFill>
+            </a:endParaRPr>
+          </a:p>
+        </p:txBody>
+      </p:sp>
+      <p:sp>
+        <p:nvSpPr>
+          <p:cNvPr id="42" name="TextBox 41"/>
+          <p:cNvSpPr txBox="1"/>
+          <p:nvPr/>
+        </p:nvSpPr>
+        <p:spPr>
+          <a:xfrm>
+            <a:off x="7081060" y="2588410"/>
+            <a:ext cx="603050" cy="400110"/>
+          </a:xfrm>
+          <a:prstGeom prst="rect">
+            <a:avLst/>
+          </a:prstGeom>
+          <a:noFill/>
+        </p:spPr>
+        <p:txBody>
+          <a:bodyPr wrap="none" rtlCol="0">
+            <a:spAutoFit/>
+          </a:bodyPr>
+          <a:lstStyle/>
+          <a:p>
+            <a:r>
+              <a:rPr lang="en-US" sz="2000" dirty="0" smtClean="0">
+                <a:solidFill>
+                  <a:srgbClr val="00B050"/>
+                </a:solidFill>
+              </a:rPr>
+              <a:t>YES</a:t>
+            </a:r>
+            <a:endParaRPr lang="en-US" dirty="0">
+              <a:solidFill>
+                <a:srgbClr val="00B050"/>
+              </a:solidFill>
+            </a:endParaRPr>
+          </a:p>
+        </p:txBody>
+      </p:sp>
+      <p:cxnSp>
+        <p:nvCxnSpPr>
+          <p:cNvPr id="43" name="Straight Arrow Connector 42"/>
+          <p:cNvCxnSpPr>
+            <a:endCxn id="110" idx="1"/>
+          </p:cNvCxnSpPr>
+          <p:nvPr/>
+        </p:nvCxnSpPr>
+        <p:spPr>
+          <a:xfrm flipV="1">
+            <a:off x="8265226" y="3736000"/>
+            <a:ext cx="1105007" cy="47396"/>
+          </a:xfrm>
+          <a:prstGeom prst="straightConnector1">
+            <a:avLst/>
+          </a:prstGeom>
+          <a:ln w="28575">
+            <a:solidFill>
+              <a:srgbClr val="C00000"/>
+            </a:solidFill>
+            <a:tailEnd type="triangle"/>
+          </a:ln>
+        </p:spPr>
+        <p:style>
+          <a:lnRef idx="1">
+            <a:schemeClr val="accent1"/>
+          </a:lnRef>
+          <a:fillRef idx="0">
+            <a:schemeClr val="accent1"/>
+          </a:fillRef>
+          <a:effectRef idx="0">
+            <a:schemeClr val="accent1"/>
+          </a:effectRef>
+          <a:fontRef idx="minor">
+            <a:schemeClr val="tx1"/>
+          </a:fontRef>
+        </p:style>
+      </p:cxnSp>
+      <p:cxnSp>
+        <p:nvCxnSpPr>
+          <p:cNvPr id="45" name="Straight Arrow Connector 44"/>
+          <p:cNvCxnSpPr>
+            <a:stCxn id="110" idx="0"/>
+          </p:cNvCxnSpPr>
+          <p:nvPr/>
+        </p:nvCxnSpPr>
+        <p:spPr>
+          <a:xfrm flipH="1" flipV="1">
+            <a:off x="7967638" y="2019473"/>
+            <a:ext cx="2060970" cy="1516472"/>
+          </a:xfrm>
+          <a:prstGeom prst="straightConnector1">
+            <a:avLst/>
+          </a:prstGeom>
+          <a:ln w="28575">
+            <a:solidFill>
+              <a:srgbClr val="C00000"/>
+            </a:solidFill>
+            <a:tailEnd type="triangle"/>
+          </a:ln>
+        </p:spPr>
+        <p:style>
+          <a:lnRef idx="1">
+            <a:schemeClr val="accent1"/>
+          </a:lnRef>
+          <a:fillRef idx="0">
+            <a:schemeClr val="accent1"/>
+          </a:fillRef>
+          <a:effectRef idx="0">
+            <a:schemeClr val="accent1"/>
+          </a:effectRef>
+          <a:fontRef idx="minor">
+            <a:schemeClr val="tx1"/>
+          </a:fontRef>
+        </p:style>
+      </p:cxnSp>
+      <p:sp>
+        <p:nvSpPr>
+          <p:cNvPr id="48" name="TextBox 47"/>
+          <p:cNvSpPr txBox="1"/>
+          <p:nvPr/>
+        </p:nvSpPr>
+        <p:spPr>
+          <a:xfrm rot="2256794">
+            <a:off x="8231650" y="2430494"/>
+            <a:ext cx="1694310" cy="400110"/>
+          </a:xfrm>
+          <a:prstGeom prst="rect">
+            <a:avLst/>
+          </a:prstGeom>
+          <a:noFill/>
+        </p:spPr>
+        <p:txBody>
+          <a:bodyPr wrap="none" rtlCol="0">
+            <a:spAutoFit/>
+          </a:bodyPr>
+          <a:lstStyle/>
+          <a:p>
+            <a:r>
+              <a:rPr lang="en-US" sz="2000" dirty="0" smtClean="0">
+                <a:solidFill>
+                  <a:srgbClr val="C00000"/>
+                </a:solidFill>
+              </a:rPr>
+              <a:t>Learn conflicts</a:t>
+            </a:r>
+            <a:endParaRPr lang="en-US" sz="2000" dirty="0">
+              <a:solidFill>
+                <a:srgbClr val="C00000"/>
+              </a:solidFill>
+            </a:endParaRPr>
+          </a:p>
+        </p:txBody>
+      </p:sp>
+      <p:sp>
+        <p:nvSpPr>
+          <p:cNvPr id="49" name="TextBox 48"/>
+          <p:cNvSpPr txBox="1"/>
+          <p:nvPr/>
+        </p:nvSpPr>
+        <p:spPr>
+          <a:xfrm>
+            <a:off x="8153146" y="3317163"/>
+            <a:ext cx="1300356" cy="400110"/>
+          </a:xfrm>
+          <a:prstGeom prst="rect">
+            <a:avLst/>
+          </a:prstGeom>
+          <a:noFill/>
+        </p:spPr>
+        <p:txBody>
+          <a:bodyPr wrap="none" rtlCol="0">
+            <a:spAutoFit/>
+          </a:bodyPr>
+          <a:lstStyle/>
+          <a:p>
+            <a:r>
+              <a:rPr lang="en-US" sz="2000" dirty="0" smtClean="0">
+                <a:solidFill>
+                  <a:srgbClr val="C00000"/>
+                </a:solidFill>
+              </a:rPr>
+              <a:t>IA-UNSAT</a:t>
+            </a:r>
+            <a:endParaRPr lang="en-US" dirty="0">
+              <a:solidFill>
+                <a:srgbClr val="C00000"/>
+              </a:solidFill>
+            </a:endParaRPr>
+          </a:p>
+        </p:txBody>
+      </p:sp>
+      <p:sp>
+        <p:nvSpPr>
+          <p:cNvPr id="51" name="TextBox 50"/>
+          <p:cNvSpPr txBox="1"/>
+          <p:nvPr/>
+        </p:nvSpPr>
+        <p:spPr>
+          <a:xfrm>
+            <a:off x="6133399" y="5223744"/>
+            <a:ext cx="1995602" cy="461665"/>
+          </a:xfrm>
+          <a:prstGeom prst="rect">
+            <a:avLst/>
+          </a:prstGeom>
+          <a:solidFill>
+            <a:srgbClr val="00B050"/>
+          </a:solidFill>
+        </p:spPr>
+        <p:txBody>
+          <a:bodyPr wrap="square" rtlCol="0">
+            <a:spAutoFit/>
+          </a:bodyPr>
+          <a:lstStyle/>
+          <a:p>
+            <a:pPr algn="ctr"/>
+            <a:r>
+              <a:rPr lang="en-US" sz="2400" dirty="0" smtClean="0"/>
+              <a:t>Testing</a:t>
+            </a:r>
+            <a:endParaRPr lang="en-US" sz="2400" dirty="0"/>
+          </a:p>
+        </p:txBody>
+      </p:sp>
+      <p:cxnSp>
+        <p:nvCxnSpPr>
+          <p:cNvPr id="52" name="Straight Arrow Connector 51"/>
+          <p:cNvCxnSpPr>
+            <a:stCxn id="9" idx="2"/>
+            <a:endCxn id="51" idx="0"/>
+          </p:cNvCxnSpPr>
+          <p:nvPr/>
+        </p:nvCxnSpPr>
+        <p:spPr>
+          <a:xfrm>
+            <a:off x="7118884" y="4366943"/>
+            <a:ext cx="12316" cy="856801"/>
+          </a:xfrm>
+          <a:prstGeom prst="straightConnector1">
+            <a:avLst/>
+          </a:prstGeom>
+          <a:ln w="28575">
+            <a:solidFill>
+              <a:schemeClr val="tx1"/>
+            </a:solidFill>
+            <a:tailEnd type="triangle"/>
+          </a:ln>
+        </p:spPr>
+        <p:style>
+          <a:lnRef idx="1">
+            <a:schemeClr val="accent1"/>
+          </a:lnRef>
+          <a:fillRef idx="0">
+            <a:schemeClr val="accent1"/>
+          </a:fillRef>
+          <a:effectRef idx="0">
+            <a:schemeClr val="accent1"/>
+          </a:effectRef>
+          <a:fontRef idx="minor">
+            <a:schemeClr val="tx1"/>
+          </a:fontRef>
+        </p:style>
+      </p:cxnSp>
+      <p:sp>
+        <p:nvSpPr>
+          <p:cNvPr id="54" name="TextBox 53"/>
+          <p:cNvSpPr txBox="1"/>
+          <p:nvPr/>
+        </p:nvSpPr>
+        <p:spPr>
+          <a:xfrm>
+            <a:off x="6219222" y="4537549"/>
+            <a:ext cx="1874231" cy="400110"/>
+          </a:xfrm>
+          <a:prstGeom prst="rect">
+            <a:avLst/>
+          </a:prstGeom>
+          <a:noFill/>
+        </p:spPr>
+        <p:txBody>
+          <a:bodyPr wrap="none" rtlCol="0">
+            <a:spAutoFit/>
+          </a:bodyPr>
+          <a:lstStyle/>
+          <a:p>
+            <a:r>
+              <a:rPr lang="en-US" sz="2000" dirty="0" smtClean="0"/>
+              <a:t>IA-UNKNOWN</a:t>
+            </a:r>
+            <a:endParaRPr lang="en-US" dirty="0"/>
+          </a:p>
+        </p:txBody>
+      </p:sp>
+      <p:cxnSp>
+        <p:nvCxnSpPr>
+          <p:cNvPr id="57" name="Straight Arrow Connector 56"/>
+          <p:cNvCxnSpPr/>
+          <p:nvPr/>
+        </p:nvCxnSpPr>
+        <p:spPr>
+          <a:xfrm>
+            <a:off x="7788882" y="3997611"/>
+            <a:ext cx="3434794" cy="1479987"/>
+          </a:xfrm>
+          <a:prstGeom prst="straightConnector1">
+            <a:avLst/>
+          </a:prstGeom>
+          <a:ln w="28575">
+            <a:solidFill>
+              <a:srgbClr val="00B050"/>
+            </a:solidFill>
+            <a:tailEnd type="triangle"/>
+          </a:ln>
+        </p:spPr>
+        <p:style>
+          <a:lnRef idx="1">
+            <a:schemeClr val="accent1"/>
+          </a:lnRef>
+          <a:fillRef idx="0">
+            <a:schemeClr val="accent1"/>
+          </a:fillRef>
+          <a:effectRef idx="0">
+            <a:schemeClr val="accent1"/>
+          </a:effectRef>
+          <a:fontRef idx="minor">
+            <a:schemeClr val="tx1"/>
+          </a:fontRef>
+        </p:style>
+      </p:cxnSp>
+      <p:sp>
+        <p:nvSpPr>
+          <p:cNvPr id="60" name="TextBox 59"/>
+          <p:cNvSpPr txBox="1"/>
+          <p:nvPr/>
+        </p:nvSpPr>
+        <p:spPr>
+          <a:xfrm>
+            <a:off x="11218960" y="5282573"/>
+            <a:ext cx="782587" cy="523220"/>
+          </a:xfrm>
+          <a:prstGeom prst="rect">
+            <a:avLst/>
+          </a:prstGeom>
+          <a:noFill/>
+        </p:spPr>
+        <p:txBody>
+          <a:bodyPr wrap="none" rtlCol="0">
+            <a:spAutoFit/>
+          </a:bodyPr>
+          <a:lstStyle/>
+          <a:p>
+            <a:r>
+              <a:rPr lang="en-US" sz="2800" dirty="0" smtClean="0">
+                <a:solidFill>
+                  <a:srgbClr val="00B050"/>
+                </a:solidFill>
+              </a:rPr>
+              <a:t>SAT</a:t>
+            </a:r>
+            <a:endParaRPr lang="en-US" dirty="0">
+              <a:solidFill>
+                <a:srgbClr val="00B050"/>
+              </a:solidFill>
+            </a:endParaRPr>
+          </a:p>
+        </p:txBody>
+      </p:sp>
+      <p:sp>
+        <p:nvSpPr>
+          <p:cNvPr id="61" name="TextBox 60"/>
+          <p:cNvSpPr txBox="1"/>
+          <p:nvPr/>
+        </p:nvSpPr>
+        <p:spPr>
+          <a:xfrm rot="1326222">
+            <a:off x="8942968" y="4428701"/>
+            <a:ext cx="1252266" cy="400110"/>
+          </a:xfrm>
+          <a:prstGeom prst="rect">
+            <a:avLst/>
+          </a:prstGeom>
+          <a:noFill/>
+        </p:spPr>
+        <p:txBody>
+          <a:bodyPr wrap="none" rtlCol="0">
+            <a:spAutoFit/>
+          </a:bodyPr>
+          <a:lstStyle/>
+          <a:p>
+            <a:r>
+              <a:rPr lang="en-US" sz="2000" dirty="0" smtClean="0">
+                <a:solidFill>
+                  <a:srgbClr val="00B050"/>
+                </a:solidFill>
+              </a:rPr>
+              <a:t>IA-VALID</a:t>
+            </a:r>
+            <a:endParaRPr lang="en-US" sz="2000" dirty="0">
+              <a:solidFill>
+                <a:srgbClr val="00B050"/>
+              </a:solidFill>
+            </a:endParaRPr>
+          </a:p>
+        </p:txBody>
+      </p:sp>
+      <p:cxnSp>
+        <p:nvCxnSpPr>
+          <p:cNvPr id="62" name="Straight Arrow Connector 61"/>
+          <p:cNvCxnSpPr/>
+          <p:nvPr/>
+        </p:nvCxnSpPr>
+        <p:spPr>
+          <a:xfrm flipV="1">
+            <a:off x="8118088" y="5544183"/>
+            <a:ext cx="3105588" cy="22186"/>
+          </a:xfrm>
+          <a:prstGeom prst="straightConnector1">
+            <a:avLst/>
+          </a:prstGeom>
+          <a:ln w="28575">
+            <a:solidFill>
+              <a:srgbClr val="00B050"/>
+            </a:solidFill>
+            <a:tailEnd type="triangle"/>
+          </a:ln>
+        </p:spPr>
+        <p:style>
+          <a:lnRef idx="1">
+            <a:schemeClr val="accent1"/>
+          </a:lnRef>
+          <a:fillRef idx="0">
+            <a:schemeClr val="accent1"/>
+          </a:fillRef>
+          <a:effectRef idx="0">
+            <a:schemeClr val="accent1"/>
+          </a:effectRef>
+          <a:fontRef idx="minor">
+            <a:schemeClr val="tx1"/>
+          </a:fontRef>
+        </p:style>
+      </p:cxnSp>
+      <p:sp>
+        <p:nvSpPr>
+          <p:cNvPr id="65" name="TextBox 64"/>
+          <p:cNvSpPr txBox="1"/>
+          <p:nvPr/>
+        </p:nvSpPr>
+        <p:spPr>
+          <a:xfrm>
+            <a:off x="8998122" y="5198436"/>
+            <a:ext cx="1180131" cy="400110"/>
+          </a:xfrm>
+          <a:prstGeom prst="rect">
+            <a:avLst/>
+          </a:prstGeom>
+          <a:noFill/>
+        </p:spPr>
+        <p:txBody>
+          <a:bodyPr wrap="none" rtlCol="0">
+            <a:spAutoFit/>
+          </a:bodyPr>
+          <a:lstStyle/>
+          <a:p>
+            <a:r>
+              <a:rPr lang="en-US" sz="2000" dirty="0" smtClean="0">
+                <a:solidFill>
+                  <a:srgbClr val="00B050"/>
+                </a:solidFill>
+              </a:rPr>
+              <a:t>TEST-SAT</a:t>
+            </a:r>
+            <a:endParaRPr lang="en-US" dirty="0">
+              <a:solidFill>
+                <a:srgbClr val="00B050"/>
+              </a:solidFill>
+            </a:endParaRPr>
+          </a:p>
+        </p:txBody>
+      </p:sp>
+      <p:sp>
+        <p:nvSpPr>
+          <p:cNvPr id="66" name="TextBox 65"/>
+          <p:cNvSpPr txBox="1"/>
+          <p:nvPr/>
+        </p:nvSpPr>
+        <p:spPr>
+          <a:xfrm>
+            <a:off x="3151080" y="4117504"/>
+            <a:ext cx="1995602" cy="461665"/>
+          </a:xfrm>
+          <a:prstGeom prst="rect">
+            <a:avLst/>
+          </a:prstGeom>
+          <a:solidFill>
+            <a:srgbClr val="00B050"/>
+          </a:solidFill>
+        </p:spPr>
+        <p:txBody>
+          <a:bodyPr wrap="square" rtlCol="0">
+            <a:spAutoFit/>
+          </a:bodyPr>
+          <a:lstStyle/>
+          <a:p>
+            <a:pPr algn="ctr"/>
+            <a:r>
+              <a:rPr lang="en-US" sz="2400" dirty="0" smtClean="0"/>
+              <a:t>Refinement</a:t>
+            </a:r>
+            <a:endParaRPr lang="en-US" sz="2400" dirty="0"/>
+          </a:p>
+        </p:txBody>
+      </p:sp>
+      <p:cxnSp>
+        <p:nvCxnSpPr>
+          <p:cNvPr id="67" name="Straight Arrow Connector 66"/>
+          <p:cNvCxnSpPr>
+            <a:stCxn id="51" idx="1"/>
+            <a:endCxn id="66" idx="2"/>
+          </p:cNvCxnSpPr>
+          <p:nvPr/>
+        </p:nvCxnSpPr>
+        <p:spPr>
+          <a:xfrm flipH="1" flipV="1">
+            <a:off x="4148881" y="4579169"/>
+            <a:ext cx="1984518" cy="875408"/>
+          </a:xfrm>
+          <a:prstGeom prst="straightConnector1">
+            <a:avLst/>
+          </a:prstGeom>
+          <a:ln w="28575">
+            <a:tailEnd type="triangle"/>
+          </a:ln>
+        </p:spPr>
+        <p:style>
+          <a:lnRef idx="1">
+            <a:schemeClr val="accent1"/>
+          </a:lnRef>
+          <a:fillRef idx="0">
+            <a:schemeClr val="accent1"/>
+          </a:fillRef>
+          <a:effectRef idx="0">
+            <a:schemeClr val="accent1"/>
+          </a:effectRef>
+          <a:fontRef idx="minor">
+            <a:schemeClr val="tx1"/>
+          </a:fontRef>
+        </p:style>
+      </p:cxnSp>
+      <p:sp>
+        <p:nvSpPr>
+          <p:cNvPr id="70" name="TextBox 69"/>
+          <p:cNvSpPr txBox="1"/>
+          <p:nvPr/>
+        </p:nvSpPr>
+        <p:spPr>
+          <a:xfrm rot="1586950">
+            <a:off x="4375451" y="5059542"/>
+            <a:ext cx="1515158" cy="400110"/>
+          </a:xfrm>
+          <a:prstGeom prst="rect">
+            <a:avLst/>
+          </a:prstGeom>
+          <a:noFill/>
+        </p:spPr>
+        <p:txBody>
+          <a:bodyPr wrap="none" rtlCol="0">
+            <a:spAutoFit/>
+          </a:bodyPr>
+          <a:lstStyle/>
+          <a:p>
+            <a:r>
+              <a:rPr lang="en-US" sz="2000" dirty="0" smtClean="0">
+                <a:solidFill>
+                  <a:schemeClr val="accent1"/>
+                </a:solidFill>
+              </a:rPr>
+              <a:t>Test-UNSAT</a:t>
+            </a:r>
+            <a:endParaRPr lang="en-US" sz="2000" dirty="0">
+              <a:solidFill>
+                <a:schemeClr val="accent1"/>
+              </a:solidFill>
+            </a:endParaRPr>
+          </a:p>
+        </p:txBody>
+      </p:sp>
+      <p:cxnSp>
+        <p:nvCxnSpPr>
+          <p:cNvPr id="71" name="Straight Arrow Connector 70"/>
+          <p:cNvCxnSpPr>
+            <a:stCxn id="66" idx="0"/>
+          </p:cNvCxnSpPr>
+          <p:nvPr/>
+        </p:nvCxnSpPr>
+        <p:spPr>
+          <a:xfrm flipV="1">
+            <a:off x="4148881" y="2057962"/>
+            <a:ext cx="2590736" cy="2059542"/>
+          </a:xfrm>
+          <a:prstGeom prst="straightConnector1">
+            <a:avLst/>
+          </a:prstGeom>
+          <a:ln w="28575">
+            <a:solidFill>
+              <a:srgbClr val="00B050"/>
+            </a:solidFill>
+            <a:tailEnd type="triangle"/>
+          </a:ln>
+        </p:spPr>
+        <p:style>
+          <a:lnRef idx="1">
+            <a:schemeClr val="accent1"/>
+          </a:lnRef>
+          <a:fillRef idx="0">
+            <a:schemeClr val="accent1"/>
+          </a:fillRef>
+          <a:effectRef idx="0">
+            <a:schemeClr val="accent1"/>
+          </a:effectRef>
+          <a:fontRef idx="minor">
+            <a:schemeClr val="tx1"/>
+          </a:fontRef>
+        </p:style>
+      </p:cxnSp>
+      <p:sp>
+        <p:nvSpPr>
+          <p:cNvPr id="74" name="TextBox 73"/>
+          <p:cNvSpPr txBox="1"/>
+          <p:nvPr/>
+        </p:nvSpPr>
+        <p:spPr>
+          <a:xfrm rot="19285774">
+            <a:off x="4313602" y="2606975"/>
+            <a:ext cx="2225721" cy="400110"/>
+          </a:xfrm>
+          <a:prstGeom prst="rect">
+            <a:avLst/>
+          </a:prstGeom>
+          <a:noFill/>
+        </p:spPr>
+        <p:txBody>
+          <a:bodyPr wrap="square" rtlCol="0">
+            <a:spAutoFit/>
+          </a:bodyPr>
+          <a:lstStyle/>
+          <a:p>
+            <a:r>
+              <a:rPr lang="en-US" sz="2000" dirty="0" smtClean="0">
+                <a:solidFill>
+                  <a:srgbClr val="00B050"/>
+                </a:solidFill>
+              </a:rPr>
+              <a:t>Refined clauses</a:t>
+            </a:r>
+            <a:endParaRPr lang="en-US" sz="2000" dirty="0">
+              <a:solidFill>
+                <a:srgbClr val="00B050"/>
+              </a:solidFill>
+            </a:endParaRPr>
+          </a:p>
+        </p:txBody>
+      </p:sp>
+      <p:cxnSp>
+        <p:nvCxnSpPr>
+          <p:cNvPr id="75" name="Straight Arrow Connector 74"/>
+          <p:cNvCxnSpPr>
+            <a:stCxn id="66" idx="0"/>
+          </p:cNvCxnSpPr>
+          <p:nvPr/>
+        </p:nvCxnSpPr>
+        <p:spPr>
+          <a:xfrm flipV="1">
+            <a:off x="4148881" y="1811619"/>
+            <a:ext cx="35807" cy="2305885"/>
+          </a:xfrm>
+          <a:prstGeom prst="straightConnector1">
+            <a:avLst/>
+          </a:prstGeom>
+          <a:ln w="28575">
+            <a:solidFill>
+              <a:srgbClr val="C00000"/>
+            </a:solidFill>
+            <a:tailEnd type="none"/>
+          </a:ln>
+        </p:spPr>
+        <p:style>
+          <a:lnRef idx="1">
+            <a:schemeClr val="accent1"/>
+          </a:lnRef>
+          <a:fillRef idx="0">
+            <a:schemeClr val="accent1"/>
+          </a:fillRef>
+          <a:effectRef idx="0">
+            <a:schemeClr val="accent1"/>
+          </a:effectRef>
+          <a:fontRef idx="minor">
+            <a:schemeClr val="tx1"/>
+          </a:fontRef>
+        </p:style>
+      </p:cxnSp>
+      <p:cxnSp>
+        <p:nvCxnSpPr>
+          <p:cNvPr id="78" name="Straight Arrow Connector 77"/>
+          <p:cNvCxnSpPr>
+            <a:endCxn id="7" idx="1"/>
+          </p:cNvCxnSpPr>
+          <p:nvPr/>
+        </p:nvCxnSpPr>
+        <p:spPr>
+          <a:xfrm>
+            <a:off x="4184688" y="1811619"/>
+            <a:ext cx="1948711" cy="1"/>
+          </a:xfrm>
+          <a:prstGeom prst="straightConnector1">
+            <a:avLst/>
+          </a:prstGeom>
+          <a:ln w="28575">
+            <a:solidFill>
+              <a:srgbClr val="C00000"/>
+            </a:solidFill>
+            <a:tailEnd type="triangle"/>
+          </a:ln>
+        </p:spPr>
+        <p:style>
+          <a:lnRef idx="1">
+            <a:schemeClr val="accent1"/>
+          </a:lnRef>
+          <a:fillRef idx="0">
+            <a:schemeClr val="accent1"/>
+          </a:fillRef>
+          <a:effectRef idx="0">
+            <a:schemeClr val="accent1"/>
+          </a:effectRef>
+          <a:fontRef idx="minor">
+            <a:schemeClr val="tx1"/>
+          </a:fontRef>
+        </p:style>
+      </p:cxnSp>
+      <p:sp>
+        <p:nvSpPr>
+          <p:cNvPr id="83" name="TextBox 82"/>
+          <p:cNvSpPr txBox="1"/>
+          <p:nvPr/>
+        </p:nvSpPr>
+        <p:spPr>
+          <a:xfrm>
+            <a:off x="3461916" y="1460220"/>
+            <a:ext cx="2419637" cy="400110"/>
+          </a:xfrm>
+          <a:prstGeom prst="rect">
+            <a:avLst/>
+          </a:prstGeom>
+          <a:noFill/>
+        </p:spPr>
+        <p:txBody>
+          <a:bodyPr wrap="none" rtlCol="0">
+            <a:spAutoFit/>
+          </a:bodyPr>
+          <a:lstStyle/>
+          <a:p>
+            <a:r>
+              <a:rPr lang="en-US" sz="2000" dirty="0" smtClean="0">
+                <a:solidFill>
+                  <a:srgbClr val="C00000"/>
+                </a:solidFill>
+              </a:rPr>
+              <a:t>Threshold - Unknown</a:t>
+            </a:r>
+            <a:endParaRPr lang="en-US" sz="2000" dirty="0">
+              <a:solidFill>
+                <a:srgbClr val="C00000"/>
+              </a:solidFill>
+            </a:endParaRPr>
+          </a:p>
+        </p:txBody>
+      </p:sp>
+      <p:sp>
+        <p:nvSpPr>
+          <p:cNvPr id="110" name="TextBox 109"/>
+          <p:cNvSpPr txBox="1"/>
+          <p:nvPr/>
+        </p:nvSpPr>
+        <p:spPr>
+          <a:xfrm>
+            <a:off x="9370233" y="3535945"/>
+            <a:ext cx="1316749" cy="400110"/>
+          </a:xfrm>
+          <a:prstGeom prst="rect">
+            <a:avLst/>
+          </a:prstGeom>
+          <a:solidFill>
+            <a:srgbClr val="00B050"/>
+          </a:solidFill>
+        </p:spPr>
+        <p:txBody>
+          <a:bodyPr wrap="square" rtlCol="0">
+            <a:spAutoFit/>
+          </a:bodyPr>
+          <a:lstStyle/>
+          <a:p>
+            <a:pPr algn="ctr"/>
+            <a:r>
+              <a:rPr lang="en-US" sz="2000" dirty="0" smtClean="0"/>
+              <a:t>US Core</a:t>
+            </a:r>
+            <a:endParaRPr lang="en-US" sz="2000" dirty="0"/>
+          </a:p>
+        </p:txBody>
+      </p:sp>
+      <mc:AlternateContent xmlns:mc="http://schemas.openxmlformats.org/markup-compatibility/2006" xmlns:a14="http://schemas.microsoft.com/office/drawing/2010/main">
+        <mc:Choice Requires="a14">
+          <p:sp>
+            <p:nvSpPr>
+              <p:cNvPr id="113" name="TextBox 112"/>
+              <p:cNvSpPr txBox="1"/>
+              <p:nvPr/>
+            </p:nvSpPr>
+            <p:spPr>
+              <a:xfrm>
+                <a:off x="6074242" y="285226"/>
+                <a:ext cx="2190984" cy="523220"/>
+              </a:xfrm>
+              <a:prstGeom prst="rect">
+                <a:avLst/>
+              </a:prstGeom>
+              <a:noFill/>
+            </p:spPr>
+            <p:txBody>
+              <a:bodyPr wrap="none" rtlCol="0">
+                <a:spAutoFit/>
+              </a:bodyPr>
+              <a:lstStyle/>
+              <a:p>
+                <a:pPr/>
+                <a14:m>
+                  <m:oMathPara xmlns:m="http://schemas.openxmlformats.org/officeDocument/2006/math">
+                    <m:oMathParaPr>
+                      <m:jc m:val="centerGroup"/>
+                    </m:oMathParaPr>
+                    <m:oMath xmlns:m="http://schemas.openxmlformats.org/officeDocument/2006/math">
+                      <m:r>
+                        <a:rPr lang="en-US" sz="2800" b="0" i="1" smtClean="0">
+                          <a:latin typeface="Cambria Math" panose="02040503050406030204" pitchFamily="18" charset="0"/>
+                        </a:rPr>
+                        <m:t>𝐶𝑜𝑛𝑠𝑡𝑟𝑎𝑖𝑛𝑡𝑠</m:t>
+                      </m:r>
+                    </m:oMath>
+                  </m:oMathPara>
+                </a14:m>
+                <a:endParaRPr lang="en-US" sz="2800" dirty="0"/>
+              </a:p>
+            </p:txBody>
+          </p:sp>
+        </mc:Choice>
+        <mc:Fallback xmlns="">
+          <p:sp>
+            <p:nvSpPr>
+              <p:cNvPr id="113" name="TextBox 112"/>
+              <p:cNvSpPr txBox="1">
+                <a:spLocks noRot="1" noChangeAspect="1" noMove="1" noResize="1" noEditPoints="1" noAdjustHandles="1" noChangeArrowheads="1" noChangeShapeType="1" noTextEdit="1"/>
+              </p:cNvSpPr>
+              <p:nvPr/>
+            </p:nvSpPr>
+            <p:spPr>
+              <a:xfrm>
+                <a:off x="6074242" y="285226"/>
+                <a:ext cx="2190984" cy="523220"/>
+              </a:xfrm>
+              <a:prstGeom prst="rect">
+                <a:avLst/>
+              </a:prstGeom>
+              <a:blipFill rotWithShape="0">
+                <a:blip r:embed="rId2"/>
+                <a:stretch>
+                  <a:fillRect/>
+                </a:stretch>
+              </a:blipFill>
+            </p:spPr>
+            <p:txBody>
+              <a:bodyPr/>
+              <a:lstStyle/>
+              <a:p>
+                <a:r>
+                  <a:rPr lang="en-US">
+                    <a:noFill/>
+                  </a:rPr>
+                  <a:t> </a:t>
+                </a:r>
+              </a:p>
+            </p:txBody>
+          </p:sp>
+        </mc:Fallback>
+      </mc:AlternateContent>
+      <p:cxnSp>
+        <p:nvCxnSpPr>
+          <p:cNvPr id="114" name="Straight Arrow Connector 113"/>
+          <p:cNvCxnSpPr>
+            <a:endCxn id="7" idx="0"/>
+          </p:cNvCxnSpPr>
+          <p:nvPr/>
+        </p:nvCxnSpPr>
+        <p:spPr>
+          <a:xfrm>
+            <a:off x="7131200" y="875754"/>
+            <a:ext cx="0" cy="705033"/>
+          </a:xfrm>
+          <a:prstGeom prst="straightConnector1">
+            <a:avLst/>
+          </a:prstGeom>
+          <a:ln w="28575">
+            <a:tailEnd type="triangle"/>
+          </a:ln>
+        </p:spPr>
+        <p:style>
+          <a:lnRef idx="1">
+            <a:schemeClr val="accent1"/>
+          </a:lnRef>
+          <a:fillRef idx="0">
+            <a:schemeClr val="accent1"/>
+          </a:fillRef>
+          <a:effectRef idx="0">
+            <a:schemeClr val="accent1"/>
+          </a:effectRef>
+          <a:fontRef idx="minor">
+            <a:schemeClr val="tx1"/>
+          </a:fontRef>
+        </p:style>
+      </p:cxnSp>
+      <p:sp>
+        <p:nvSpPr>
+          <p:cNvPr id="5" name="TextBox 4"/>
+          <p:cNvSpPr txBox="1"/>
+          <p:nvPr/>
+        </p:nvSpPr>
+        <p:spPr>
+          <a:xfrm>
+            <a:off x="2901489" y="551295"/>
+            <a:ext cx="1491650" cy="523220"/>
+          </a:xfrm>
+          <a:prstGeom prst="rect">
+            <a:avLst/>
+          </a:prstGeom>
+          <a:noFill/>
+        </p:spPr>
+        <p:txBody>
+          <a:bodyPr wrap="square" rtlCol="0">
+            <a:spAutoFit/>
+          </a:bodyPr>
+          <a:lstStyle/>
+          <a:p>
+            <a:r>
+              <a:rPr lang="en-US" sz="2800" dirty="0" err="1" smtClean="0">
+                <a:solidFill>
+                  <a:srgbClr val="00B050"/>
+                </a:solidFill>
+              </a:rPr>
+              <a:t>raSAT</a:t>
+            </a:r>
+            <a:endParaRPr lang="en-US" sz="2800" dirty="0">
+              <a:solidFill>
+                <a:srgbClr val="00B050"/>
+              </a:solidFill>
+            </a:endParaRPr>
+          </a:p>
+        </p:txBody>
+      </p:sp>
+      <p:sp>
+        <p:nvSpPr>
+          <p:cNvPr id="6" name="Slide Number Placeholder 5"/>
           <p:cNvSpPr>
             <a:spLocks noGrp="1"/>
           </p:cNvSpPr>
@@ -8517,7 +9758,12 @@
             <p:ph type="sldNum" sz="quarter" idx="12"/>
           </p:nvPr>
         </p:nvSpPr>
-        <p:spPr/>
+        <p:spPr>
+          <a:xfrm>
+            <a:off x="582308" y="779349"/>
+            <a:ext cx="779767" cy="365125"/>
+          </a:xfrm>
+        </p:spPr>
         <p:txBody>
           <a:bodyPr/>
           <a:lstStyle/>
@@ -8526,168 +9772,227 @@
               <a:rPr lang="en-US" smtClean="0"/>
               <a:t>10</a:t>
             </a:fld>
-            <a:endParaRPr lang="en-US"/>
-          </a:p>
-        </p:txBody>
-      </p:sp>
-      <p:pic>
-        <p:nvPicPr>
-          <p:cNvPr id="6" name="Picture 5"/>
-          <p:cNvPicPr>
-            <a:picLocks noChangeAspect="1"/>
-          </p:cNvPicPr>
-          <p:nvPr/>
-        </p:nvPicPr>
-        <p:blipFill>
-          <a:blip r:embed="rId3">
-            <a:extLst>
-              <a:ext uri="{28A0092B-C50C-407E-A947-70E740481C1C}">
-                <a14:useLocalDpi xmlns:a14="http://schemas.microsoft.com/office/drawing/2010/main" val="0"/>
-              </a:ext>
-            </a:extLst>
-          </a:blip>
-          <a:stretch>
-            <a:fillRect/>
-          </a:stretch>
-        </p:blipFill>
-        <p:spPr>
-          <a:xfrm>
-            <a:off x="1691590" y="2760785"/>
-            <a:ext cx="2514286" cy="2304762"/>
-          </a:xfrm>
-          <a:prstGeom prst="rect">
-            <a:avLst/>
-          </a:prstGeom>
-        </p:spPr>
-      </p:pic>
-      <p:sp>
-        <p:nvSpPr>
-          <p:cNvPr id="7" name="TextBox 6"/>
-          <p:cNvSpPr txBox="1"/>
-          <p:nvPr/>
-        </p:nvSpPr>
-        <p:spPr>
-          <a:xfrm>
-            <a:off x="1384401" y="5157517"/>
-            <a:ext cx="3740126" cy="400110"/>
-          </a:xfrm>
-          <a:prstGeom prst="rect">
-            <a:avLst/>
-          </a:prstGeom>
-          <a:noFill/>
-        </p:spPr>
-        <p:txBody>
-          <a:bodyPr wrap="none" rtlCol="0">
-            <a:spAutoFit/>
-          </a:bodyPr>
-          <a:lstStyle/>
-          <a:p>
-            <a:r>
-              <a:rPr lang="en-US" sz="2000" dirty="0" err="1" smtClean="0"/>
-              <a:t>raSAT</a:t>
-            </a:r>
-            <a:r>
-              <a:rPr lang="en-US" sz="2000" dirty="0" smtClean="0"/>
-              <a:t> eventually detects SAT</a:t>
-            </a:r>
-            <a:endParaRPr lang="en-US" sz="2000" dirty="0"/>
-          </a:p>
-        </p:txBody>
-      </p:sp>
-      <p:sp>
-        <p:nvSpPr>
-          <p:cNvPr id="9" name="TextBox 8"/>
-          <p:cNvSpPr txBox="1"/>
-          <p:nvPr/>
-        </p:nvSpPr>
-        <p:spPr>
-          <a:xfrm>
-            <a:off x="5838471" y="5342183"/>
-            <a:ext cx="2031325" cy="369332"/>
-          </a:xfrm>
-          <a:prstGeom prst="rect">
-            <a:avLst/>
-          </a:prstGeom>
-          <a:noFill/>
-        </p:spPr>
-        <p:txBody>
-          <a:bodyPr wrap="none" rtlCol="0">
-            <a:spAutoFit/>
-          </a:bodyPr>
-          <a:lstStyle/>
-          <a:p>
-            <a:r>
-              <a:rPr lang="en-US" dirty="0" smtClean="0"/>
-              <a:t>UNSAT detected</a:t>
-            </a:r>
             <a:endParaRPr lang="en-US" dirty="0"/>
           </a:p>
         </p:txBody>
       </p:sp>
-      <p:sp>
-        <p:nvSpPr>
-          <p:cNvPr id="11" name="TextBox 10"/>
-          <p:cNvSpPr txBox="1"/>
-          <p:nvPr/>
-        </p:nvSpPr>
-        <p:spPr>
-          <a:xfrm>
-            <a:off x="9809635" y="5342183"/>
-            <a:ext cx="1587294" cy="369332"/>
-          </a:xfrm>
-          <a:prstGeom prst="rect">
-            <a:avLst/>
-          </a:prstGeom>
-          <a:noFill/>
-        </p:spPr>
-        <p:txBody>
-          <a:bodyPr wrap="none" rtlCol="0">
-            <a:spAutoFit/>
-          </a:bodyPr>
-          <a:lstStyle/>
-          <a:p>
-            <a:r>
-              <a:rPr lang="en-US" dirty="0" smtClean="0"/>
-              <a:t>UNSAT failed</a:t>
-            </a:r>
-            <a:endParaRPr lang="en-US" dirty="0"/>
-          </a:p>
-        </p:txBody>
-      </p:sp>
-      <p:pic>
-        <p:nvPicPr>
-          <p:cNvPr id="12" name="Picture 11"/>
-          <p:cNvPicPr>
-            <a:picLocks noChangeAspect="1"/>
-          </p:cNvPicPr>
-          <p:nvPr/>
-        </p:nvPicPr>
-        <p:blipFill>
-          <a:blip r:embed="rId4">
-            <a:extLst>
-              <a:ext uri="{28A0092B-C50C-407E-A947-70E740481C1C}">
-                <a14:useLocalDpi xmlns:a14="http://schemas.microsoft.com/office/drawing/2010/main" val="0"/>
-              </a:ext>
-            </a:extLst>
-          </a:blip>
-          <a:stretch>
-            <a:fillRect/>
-          </a:stretch>
-        </p:blipFill>
-        <p:spPr>
-          <a:xfrm>
-            <a:off x="8864939" y="2760785"/>
-            <a:ext cx="3209524" cy="2514286"/>
-          </a:xfrm>
-          <a:prstGeom prst="rect">
-            <a:avLst/>
-          </a:prstGeom>
-        </p:spPr>
-      </p:pic>
+      <mc:AlternateContent xmlns:mc="http://schemas.openxmlformats.org/markup-compatibility/2006" xmlns:a14="http://schemas.microsoft.com/office/drawing/2010/main">
+        <mc:Choice Requires="a14">
+          <p:sp>
+            <p:nvSpPr>
+              <p:cNvPr id="20" name="TextBox 19"/>
+              <p:cNvSpPr txBox="1"/>
+              <p:nvPr/>
+            </p:nvSpPr>
+            <p:spPr>
+              <a:xfrm>
+                <a:off x="95784" y="3745886"/>
+                <a:ext cx="3065326" cy="830997"/>
+              </a:xfrm>
+              <a:prstGeom prst="rect">
+                <a:avLst/>
+              </a:prstGeom>
+              <a:noFill/>
+            </p:spPr>
+            <p:txBody>
+              <a:bodyPr wrap="none" rtlCol="0">
+                <a:spAutoFit/>
+              </a:bodyPr>
+              <a:lstStyle/>
+              <a:p>
+                <a:pPr/>
+                <a14:m>
+                  <m:oMathPara xmlns:m="http://schemas.openxmlformats.org/officeDocument/2006/math">
+                    <m:oMathParaPr>
+                      <m:jc m:val="centerGroup"/>
+                    </m:oMathParaPr>
+                    <m:oMath xmlns:m="http://schemas.openxmlformats.org/officeDocument/2006/math">
+                      <m:r>
+                        <a:rPr lang="en-US" sz="2400" i="1" smtClean="0">
+                          <a:latin typeface="Cambria Math" panose="02040503050406030204" pitchFamily="18" charset="0"/>
+                          <a:ea typeface="Cambria Math" panose="02040503050406030204" pitchFamily="18" charset="0"/>
+                        </a:rPr>
+                        <m:t>𝑥</m:t>
+                      </m:r>
+                      <m:r>
+                        <a:rPr lang="en-US" sz="2400" i="1" smtClean="0">
+                          <a:latin typeface="Cambria Math" panose="02040503050406030204" pitchFamily="18" charset="0"/>
+                          <a:ea typeface="Cambria Math" panose="02040503050406030204" pitchFamily="18" charset="0"/>
+                        </a:rPr>
+                        <m:t>∈</m:t>
+                      </m:r>
+                      <m:d>
+                        <m:dPr>
+                          <m:begChr m:val="["/>
+                          <m:endChr m:val="]"/>
+                          <m:ctrlPr>
+                            <a:rPr lang="en-US" sz="2400" i="1">
+                              <a:latin typeface="Cambria Math" panose="02040503050406030204" pitchFamily="18" charset="0"/>
+                              <a:ea typeface="Cambria Math" panose="02040503050406030204" pitchFamily="18" charset="0"/>
+                            </a:rPr>
+                          </m:ctrlPr>
+                        </m:dPr>
+                        <m:e>
+                          <m:r>
+                            <a:rPr lang="en-US" sz="2400" i="1">
+                              <a:latin typeface="Cambria Math" panose="02040503050406030204" pitchFamily="18" charset="0"/>
+                              <a:ea typeface="Cambria Math" panose="02040503050406030204" pitchFamily="18" charset="0"/>
+                            </a:rPr>
+                            <m:t>0,10</m:t>
+                          </m:r>
+                        </m:e>
+                      </m:d>
+                      <m:r>
+                        <a:rPr lang="en-US" sz="2400" i="1" dirty="0">
+                          <a:latin typeface="Cambria Math" panose="02040503050406030204" pitchFamily="18" charset="0"/>
+                          <a:ea typeface="Cambria Math" panose="02040503050406030204" pitchFamily="18" charset="0"/>
+                        </a:rPr>
+                        <m:t>↔</m:t>
+                      </m:r>
+                    </m:oMath>
+                  </m:oMathPara>
+                </a14:m>
+                <a:endParaRPr lang="en-US" sz="2400" i="1" dirty="0" smtClean="0">
+                  <a:latin typeface="Cambria Math" panose="02040503050406030204" pitchFamily="18" charset="0"/>
+                  <a:ea typeface="Cambria Math" panose="02040503050406030204" pitchFamily="18" charset="0"/>
+                </a:endParaRPr>
+              </a:p>
+              <a:p>
+                <a:pPr/>
+                <a14:m>
+                  <m:oMathPara xmlns:m="http://schemas.openxmlformats.org/officeDocument/2006/math">
+                    <m:oMathParaPr>
+                      <m:jc m:val="centerGroup"/>
+                    </m:oMathParaPr>
+                    <m:oMath xmlns:m="http://schemas.openxmlformats.org/officeDocument/2006/math">
+                      <m:r>
+                        <a:rPr lang="en-US" sz="2400" i="1">
+                          <a:latin typeface="Cambria Math" panose="02040503050406030204" pitchFamily="18" charset="0"/>
+                          <a:ea typeface="Cambria Math" panose="02040503050406030204" pitchFamily="18" charset="0"/>
+                        </a:rPr>
+                        <m:t>𝑥</m:t>
+                      </m:r>
+                      <m:r>
+                        <a:rPr lang="en-US" sz="2400" i="1">
+                          <a:latin typeface="Cambria Math" panose="02040503050406030204" pitchFamily="18" charset="0"/>
+                          <a:ea typeface="Cambria Math" panose="02040503050406030204" pitchFamily="18" charset="0"/>
+                        </a:rPr>
+                        <m:t>∈</m:t>
+                      </m:r>
+                      <m:d>
+                        <m:dPr>
+                          <m:begChr m:val="["/>
+                          <m:endChr m:val="]"/>
+                          <m:ctrlPr>
+                            <a:rPr lang="en-US" sz="2400" i="1">
+                              <a:latin typeface="Cambria Math" panose="02040503050406030204" pitchFamily="18" charset="0"/>
+                              <a:ea typeface="Cambria Math" panose="02040503050406030204" pitchFamily="18" charset="0"/>
+                            </a:rPr>
+                          </m:ctrlPr>
+                        </m:dPr>
+                        <m:e>
+                          <m:r>
+                            <a:rPr lang="en-US" sz="2400" i="1">
+                              <a:latin typeface="Cambria Math" panose="02040503050406030204" pitchFamily="18" charset="0"/>
+                              <a:ea typeface="Cambria Math" panose="02040503050406030204" pitchFamily="18" charset="0"/>
+                            </a:rPr>
+                            <m:t>0,4</m:t>
+                          </m:r>
+                        </m:e>
+                      </m:d>
+                      <m:r>
+                        <a:rPr lang="en-US" sz="2400" i="1" dirty="0">
+                          <a:latin typeface="Cambria Math" panose="02040503050406030204" pitchFamily="18" charset="0"/>
+                          <a:ea typeface="Cambria Math" panose="02040503050406030204" pitchFamily="18" charset="0"/>
+                        </a:rPr>
+                        <m:t>∨</m:t>
+                      </m:r>
+                      <m:r>
+                        <a:rPr lang="en-US" sz="2400" i="1">
+                          <a:latin typeface="Cambria Math" panose="02040503050406030204" pitchFamily="18" charset="0"/>
+                          <a:ea typeface="Cambria Math" panose="02040503050406030204" pitchFamily="18" charset="0"/>
+                        </a:rPr>
+                        <m:t>𝑥</m:t>
+                      </m:r>
+                      <m:r>
+                        <a:rPr lang="en-US" sz="2400" i="1">
+                          <a:latin typeface="Cambria Math" panose="02040503050406030204" pitchFamily="18" charset="0"/>
+                          <a:ea typeface="Cambria Math" panose="02040503050406030204" pitchFamily="18" charset="0"/>
+                        </a:rPr>
+                        <m:t>∈</m:t>
+                      </m:r>
+                      <m:d>
+                        <m:dPr>
+                          <m:begChr m:val="["/>
+                          <m:endChr m:val="]"/>
+                          <m:ctrlPr>
+                            <a:rPr lang="en-US" sz="2400" i="1">
+                              <a:latin typeface="Cambria Math" panose="02040503050406030204" pitchFamily="18" charset="0"/>
+                              <a:ea typeface="Cambria Math" panose="02040503050406030204" pitchFamily="18" charset="0"/>
+                            </a:rPr>
+                          </m:ctrlPr>
+                        </m:dPr>
+                        <m:e>
+                          <m:r>
+                            <a:rPr lang="en-US" sz="2400" i="1">
+                              <a:latin typeface="Cambria Math" panose="02040503050406030204" pitchFamily="18" charset="0"/>
+                              <a:ea typeface="Cambria Math" panose="02040503050406030204" pitchFamily="18" charset="0"/>
+                            </a:rPr>
+                            <m:t>4,10</m:t>
+                          </m:r>
+                        </m:e>
+                      </m:d>
+                    </m:oMath>
+                  </m:oMathPara>
+                </a14:m>
+                <a:endParaRPr lang="en-US" sz="2400" dirty="0"/>
+              </a:p>
+            </p:txBody>
+          </p:sp>
+        </mc:Choice>
+        <mc:Fallback xmlns="">
+          <p:sp>
+            <p:nvSpPr>
+              <p:cNvPr id="20" name="TextBox 19"/>
+              <p:cNvSpPr txBox="1">
+                <a:spLocks noRot="1" noChangeAspect="1" noMove="1" noResize="1" noEditPoints="1" noAdjustHandles="1" noChangeArrowheads="1" noChangeShapeType="1" noTextEdit="1"/>
+              </p:cNvSpPr>
+              <p:nvPr/>
+            </p:nvSpPr>
+            <p:spPr>
+              <a:xfrm>
+                <a:off x="95784" y="3745886"/>
+                <a:ext cx="3065326" cy="830997"/>
+              </a:xfrm>
+              <a:prstGeom prst="rect">
+                <a:avLst/>
+              </a:prstGeom>
+              <a:blipFill rotWithShape="0">
+                <a:blip r:embed="rId3"/>
+                <a:stretch>
+                  <a:fillRect/>
+                </a:stretch>
+              </a:blipFill>
+            </p:spPr>
+            <p:txBody>
+              <a:bodyPr/>
+              <a:lstStyle/>
+              <a:p>
+                <a:r>
+                  <a:rPr lang="en-US">
+                    <a:noFill/>
+                  </a:rPr>
+                  <a:t> </a:t>
+                </a:r>
+              </a:p>
+            </p:txBody>
+          </p:sp>
+        </mc:Fallback>
+      </mc:AlternateContent>
     </p:spTree>
     <p:extLst>
       <p:ext uri="{BB962C8B-B14F-4D97-AF65-F5344CB8AC3E}">
-        <p14:creationId xmlns:p14="http://schemas.microsoft.com/office/powerpoint/2010/main" val="3263558917"/>
+        <p14:creationId xmlns:p14="http://schemas.microsoft.com/office/powerpoint/2010/main" val="3742627021"/>
       </p:ext>
     </p:extLst>
   </p:cSld>
@@ -8738,63 +10043,41 @@
           <a:p>
             <a:r>
               <a:rPr lang="en-US" dirty="0" smtClean="0"/>
-              <a:t>Strategies</a:t>
+              <a:t>Completeness (strict inequality)</a:t>
             </a:r>
             <a:endParaRPr lang="en-US" dirty="0"/>
           </a:p>
         </p:txBody>
       </p:sp>
-      <p:sp>
-        <p:nvSpPr>
-          <p:cNvPr id="3" name="Content Placeholder 2"/>
-          <p:cNvSpPr>
-            <a:spLocks noGrp="1"/>
-          </p:cNvSpPr>
+      <p:pic>
+        <p:nvPicPr>
+          <p:cNvPr id="8" name="Content Placeholder 7"/>
+          <p:cNvPicPr>
+            <a:picLocks noGrp="1" noChangeAspect="1"/>
+          </p:cNvPicPr>
           <p:nvPr>
             <p:ph idx="1"/>
           </p:nvPr>
-        </p:nvSpPr>
-        <p:spPr/>
-        <p:txBody>
-          <a:bodyPr>
-            <a:normAutofit/>
-          </a:bodyPr>
-          <a:lstStyle/>
-          <a:p>
-            <a:r>
-              <a:rPr lang="en-US" sz="2400" dirty="0" smtClean="0"/>
-              <a:t>SAT directed heuristics.</a:t>
-            </a:r>
-          </a:p>
-          <a:p>
-            <a:pPr lvl="1"/>
-            <a:r>
-              <a:rPr lang="en-US" sz="2400" dirty="0" smtClean="0"/>
-              <a:t>Measure the SAT-likely hood of polynomial constraints.</a:t>
-            </a:r>
-          </a:p>
-          <a:p>
-            <a:r>
-              <a:rPr lang="en-US" sz="2400" dirty="0" smtClean="0"/>
-              <a:t>Incremental search.</a:t>
-            </a:r>
-          </a:p>
-          <a:p>
-            <a:pPr lvl="1"/>
-            <a:r>
-              <a:rPr lang="en-US" sz="2400" dirty="0" smtClean="0"/>
-              <a:t>Incremental widening.</a:t>
-            </a:r>
-          </a:p>
-          <a:p>
-            <a:pPr lvl="1"/>
-            <a:r>
-              <a:rPr lang="en-US" sz="2400" dirty="0" smtClean="0"/>
-              <a:t>Incremental deepening.</a:t>
-            </a:r>
-          </a:p>
-        </p:txBody>
-      </p:sp>
+        </p:nvPicPr>
+        <p:blipFill>
+          <a:blip r:embed="rId2">
+            <a:extLst>
+              <a:ext uri="{28A0092B-C50C-407E-A947-70E740481C1C}">
+                <a14:useLocalDpi xmlns:a14="http://schemas.microsoft.com/office/drawing/2010/main" val="0"/>
+              </a:ext>
+            </a:extLst>
+          </a:blip>
+          <a:stretch>
+            <a:fillRect/>
+          </a:stretch>
+        </p:blipFill>
+        <p:spPr>
+          <a:xfrm>
+            <a:off x="5249372" y="2736734"/>
+            <a:ext cx="3209524" cy="2514286"/>
+          </a:xfrm>
+        </p:spPr>
+      </p:pic>
       <p:sp>
         <p:nvSpPr>
           <p:cNvPr id="4" name="Slide Number Placeholder 3"/>
@@ -8818,10 +10101,164 @@
           </a:p>
         </p:txBody>
       </p:sp>
+      <p:pic>
+        <p:nvPicPr>
+          <p:cNvPr id="6" name="Picture 5"/>
+          <p:cNvPicPr>
+            <a:picLocks noChangeAspect="1"/>
+          </p:cNvPicPr>
+          <p:nvPr/>
+        </p:nvPicPr>
+        <p:blipFill>
+          <a:blip r:embed="rId3">
+            <a:extLst>
+              <a:ext uri="{28A0092B-C50C-407E-A947-70E740481C1C}">
+                <a14:useLocalDpi xmlns:a14="http://schemas.microsoft.com/office/drawing/2010/main" val="0"/>
+              </a:ext>
+            </a:extLst>
+          </a:blip>
+          <a:stretch>
+            <a:fillRect/>
+          </a:stretch>
+        </p:blipFill>
+        <p:spPr>
+          <a:xfrm>
+            <a:off x="1691590" y="2760785"/>
+            <a:ext cx="2514286" cy="2304762"/>
+          </a:xfrm>
+          <a:prstGeom prst="rect">
+            <a:avLst/>
+          </a:prstGeom>
+        </p:spPr>
+      </p:pic>
+      <p:sp>
+        <p:nvSpPr>
+          <p:cNvPr id="7" name="TextBox 6"/>
+          <p:cNvSpPr txBox="1"/>
+          <p:nvPr/>
+        </p:nvSpPr>
+        <p:spPr>
+          <a:xfrm>
+            <a:off x="1384401" y="5157517"/>
+            <a:ext cx="3740126" cy="400110"/>
+          </a:xfrm>
+          <a:prstGeom prst="rect">
+            <a:avLst/>
+          </a:prstGeom>
+          <a:noFill/>
+        </p:spPr>
+        <p:txBody>
+          <a:bodyPr wrap="none" rtlCol="0">
+            <a:spAutoFit/>
+          </a:bodyPr>
+          <a:lstStyle/>
+          <a:p>
+            <a:r>
+              <a:rPr lang="en-US" sz="2000" dirty="0" err="1" smtClean="0"/>
+              <a:t>raSAT</a:t>
+            </a:r>
+            <a:r>
+              <a:rPr lang="en-US" sz="2000" dirty="0" smtClean="0"/>
+              <a:t> eventually detects SAT</a:t>
+            </a:r>
+            <a:endParaRPr lang="en-US" sz="2000" dirty="0"/>
+          </a:p>
+        </p:txBody>
+      </p:sp>
+      <p:sp>
+        <p:nvSpPr>
+          <p:cNvPr id="9" name="TextBox 8"/>
+          <p:cNvSpPr txBox="1"/>
+          <p:nvPr/>
+        </p:nvSpPr>
+        <p:spPr>
+          <a:xfrm>
+            <a:off x="5838471" y="5342183"/>
+            <a:ext cx="2031325" cy="369332"/>
+          </a:xfrm>
+          <a:prstGeom prst="rect">
+            <a:avLst/>
+          </a:prstGeom>
+          <a:noFill/>
+        </p:spPr>
+        <p:txBody>
+          <a:bodyPr wrap="none" rtlCol="0">
+            <a:spAutoFit/>
+          </a:bodyPr>
+          <a:lstStyle/>
+          <a:p>
+            <a:r>
+              <a:rPr lang="en-US" dirty="0" smtClean="0"/>
+              <a:t>UNSAT detected</a:t>
+            </a:r>
+            <a:endParaRPr lang="en-US" dirty="0"/>
+          </a:p>
+        </p:txBody>
+      </p:sp>
+      <p:sp>
+        <p:nvSpPr>
+          <p:cNvPr id="11" name="TextBox 10"/>
+          <p:cNvSpPr txBox="1"/>
+          <p:nvPr/>
+        </p:nvSpPr>
+        <p:spPr>
+          <a:xfrm>
+            <a:off x="9809635" y="5342183"/>
+            <a:ext cx="1587294" cy="369332"/>
+          </a:xfrm>
+          <a:prstGeom prst="rect">
+            <a:avLst/>
+          </a:prstGeom>
+          <a:noFill/>
+        </p:spPr>
+        <p:txBody>
+          <a:bodyPr wrap="none" rtlCol="0">
+            <a:spAutoFit/>
+          </a:bodyPr>
+          <a:lstStyle/>
+          <a:p>
+            <a:r>
+              <a:rPr lang="en-US" dirty="0" smtClean="0"/>
+              <a:t>UNSAT failed</a:t>
+            </a:r>
+            <a:endParaRPr lang="en-US" dirty="0"/>
+          </a:p>
+        </p:txBody>
+      </p:sp>
+      <p:pic>
+        <p:nvPicPr>
+          <p:cNvPr id="12" name="Picture 11"/>
+          <p:cNvPicPr>
+            <a:picLocks noChangeAspect="1"/>
+          </p:cNvPicPr>
+          <p:nvPr/>
+        </p:nvPicPr>
+        <p:blipFill>
+          <a:blip r:embed="rId4">
+            <a:extLst>
+              <a:ext uri="{28A0092B-C50C-407E-A947-70E740481C1C}">
+                <a14:useLocalDpi xmlns:a14="http://schemas.microsoft.com/office/drawing/2010/main" val="0"/>
+              </a:ext>
+            </a:extLst>
+          </a:blip>
+          <a:stretch>
+            <a:fillRect/>
+          </a:stretch>
+        </p:blipFill>
+        <p:spPr>
+          <a:xfrm>
+            <a:off x="8864939" y="2760785"/>
+            <a:ext cx="3209524" cy="2514286"/>
+          </a:xfrm>
+          <a:prstGeom prst="rect">
+            <a:avLst/>
+          </a:prstGeom>
+        </p:spPr>
+      </p:pic>
     </p:spTree>
     <p:extLst>
       <p:ext uri="{BB962C8B-B14F-4D97-AF65-F5344CB8AC3E}">
-        <p14:creationId xmlns:p14="http://schemas.microsoft.com/office/powerpoint/2010/main" val="1428791544"/>
+        <p14:creationId xmlns:p14="http://schemas.microsoft.com/office/powerpoint/2010/main" val="3263558917"/>
       </p:ext>
     </p:extLst>
   </p:cSld>
@@ -8872,7 +10309,7 @@
           <a:p>
             <a:r>
               <a:rPr lang="en-US" dirty="0" smtClean="0"/>
-              <a:t>SAT directed measures</a:t>
+              <a:t>Strategies</a:t>
             </a:r>
             <a:endParaRPr lang="en-US" dirty="0"/>
           </a:p>
@@ -8888,12 +10325,7 @@
             <p:ph idx="1"/>
           </p:nvPr>
         </p:nvSpPr>
-        <p:spPr>
-          <a:xfrm>
-            <a:off x="2343955" y="1905000"/>
-            <a:ext cx="9440214" cy="4431406"/>
-          </a:xfrm>
-        </p:spPr>
+        <p:spPr/>
         <p:txBody>
           <a:bodyPr>
             <a:normAutofit/>
@@ -8902,55 +10334,35 @@
           <a:p>
             <a:r>
               <a:rPr lang="en-US" sz="2400" dirty="0" smtClean="0"/>
-              <a:t>Improve efficiency:</a:t>
+              <a:t>SAT directed heuristics.</a:t>
             </a:r>
           </a:p>
           <a:p>
             <a:pPr lvl="1"/>
             <a:r>
               <a:rPr lang="en-US" sz="2400" dirty="0" smtClean="0"/>
-              <a:t>UNSAT: UNSAT core -&gt; future work.</a:t>
+              <a:t>Measure the SAT-likely hood of polynomial constraints.</a:t>
+            </a:r>
+          </a:p>
+          <a:p>
+            <a:r>
+              <a:rPr lang="en-US" sz="2400" dirty="0" smtClean="0"/>
+              <a:t>Incremental search.</a:t>
             </a:r>
           </a:p>
           <a:p>
             <a:pPr lvl="1"/>
             <a:r>
               <a:rPr lang="en-US" sz="2400" dirty="0" smtClean="0"/>
-              <a:t>SAT:</a:t>
-            </a:r>
-          </a:p>
-          <a:p>
-            <a:pPr lvl="2"/>
+              <a:t>Incremental widening.</a:t>
+            </a:r>
+          </a:p>
+          <a:p>
+            <a:pPr lvl="1"/>
             <a:r>
               <a:rPr lang="en-US" sz="2400" dirty="0" smtClean="0"/>
-              <a:t> Choose variable to decompose.</a:t>
-            </a:r>
-          </a:p>
-          <a:p>
-            <a:pPr lvl="2"/>
-            <a:r>
-              <a:rPr lang="en-US" sz="2400" dirty="0" smtClean="0"/>
-              <a:t> Choose box to explore.</a:t>
-            </a:r>
-          </a:p>
-          <a:p>
-            <a:pPr lvl="2"/>
-            <a:r>
-              <a:rPr lang="en-US" sz="2400" dirty="0"/>
-              <a:t> </a:t>
-            </a:r>
-            <a:r>
-              <a:rPr lang="en-US" sz="2400" dirty="0" smtClean="0"/>
-              <a:t>Currently implemented.</a:t>
-            </a:r>
-            <a:r>
-              <a:rPr lang="en-US" sz="2000" dirty="0" smtClean="0"/>
-              <a:t/>
-            </a:r>
-            <a:br>
-              <a:rPr lang="en-US" sz="2000" dirty="0" smtClean="0"/>
-            </a:br>
-            <a:endParaRPr lang="en-US" sz="2000" dirty="0" smtClean="0"/>
+              <a:t>Incremental deepening.</a:t>
+            </a:r>
           </a:p>
         </p:txBody>
       </p:sp>
@@ -8980,7 +10392,7 @@
     </p:spTree>
     <p:extLst>
       <p:ext uri="{BB962C8B-B14F-4D97-AF65-F5344CB8AC3E}">
-        <p14:creationId xmlns:p14="http://schemas.microsoft.com/office/powerpoint/2010/main" val="1723970981"/>
+        <p14:creationId xmlns:p14="http://schemas.microsoft.com/office/powerpoint/2010/main" val="1428791544"/>
       </p:ext>
     </p:extLst>
   </p:cSld>
@@ -9030,9 +10442,10 @@
           <a:lstStyle/>
           <a:p>
             <a:r>
-              <a:rPr lang="en-US" dirty="0"/>
+              <a:rPr lang="en-US" dirty="0" smtClean="0"/>
               <a:t>SAT directed measures</a:t>
             </a:r>
+            <a:endParaRPr lang="en-US" dirty="0"/>
           </a:p>
         </p:txBody>
       </p:sp>
@@ -9048,8 +10461,8 @@
         </p:nvSpPr>
         <p:spPr>
           <a:xfrm>
-            <a:off x="2459865" y="1905000"/>
-            <a:ext cx="9044747" cy="4006222"/>
+            <a:off x="2343955" y="1905000"/>
+            <a:ext cx="9440214" cy="4431406"/>
           </a:xfrm>
         </p:spPr>
         <p:txBody>
@@ -9060,46 +10473,55 @@
           <a:p>
             <a:r>
               <a:rPr lang="en-US" sz="2400" dirty="0" smtClean="0"/>
-              <a:t>Choose variable to decompose:</a:t>
+              <a:t>Improve efficiency:</a:t>
             </a:r>
           </a:p>
           <a:p>
             <a:pPr lvl="1"/>
             <a:r>
-              <a:rPr lang="en-US" sz="2200" dirty="0"/>
-              <a:t> </a:t>
-            </a:r>
-            <a:r>
               <a:rPr lang="en-US" sz="2400" dirty="0" smtClean="0"/>
-              <a:t>Choose TEST-UNSAT constraint: SAT-</a:t>
-            </a:r>
-            <a:r>
-              <a:rPr lang="en-US" sz="2400" dirty="0" err="1" smtClean="0"/>
-              <a:t>likehlyhood</a:t>
-            </a:r>
-            <a:endParaRPr lang="en-US" sz="2200" dirty="0" smtClean="0"/>
+              <a:t>UNSAT: UNSAT core -&gt; future work.</a:t>
+            </a:r>
           </a:p>
           <a:p>
             <a:pPr lvl="1"/>
+            <a:r>
+              <a:rPr lang="en-US" sz="2400" dirty="0" smtClean="0"/>
+              <a:t>SAT:</a:t>
+            </a:r>
+          </a:p>
+          <a:p>
+            <a:pPr lvl="2"/>
+            <a:r>
+              <a:rPr lang="en-US" sz="2400" dirty="0" smtClean="0"/>
+              <a:t> Choose variable to decompose.</a:t>
+            </a:r>
+          </a:p>
+          <a:p>
+            <a:pPr lvl="2"/>
+            <a:r>
+              <a:rPr lang="en-US" sz="2400" dirty="0" smtClean="0"/>
+              <a:t> Choose box to explore.</a:t>
+            </a:r>
+          </a:p>
+          <a:p>
+            <a:pPr lvl="2"/>
             <a:r>
               <a:rPr lang="en-US" sz="2400" dirty="0"/>
               <a:t> </a:t>
             </a:r>
             <a:r>
               <a:rPr lang="en-US" sz="2400" dirty="0" smtClean="0"/>
-              <a:t>Choose one variable in the selected constraint: Sensitivity</a:t>
-            </a:r>
-          </a:p>
-          <a:p>
-            <a:r>
-              <a:rPr lang="en-US" sz="2600" dirty="0" smtClean="0"/>
-              <a:t>Choose box to explore: SAT-</a:t>
-            </a:r>
-            <a:r>
-              <a:rPr lang="en-US" sz="2600" dirty="0" err="1" smtClean="0"/>
-              <a:t>likelyhood</a:t>
-            </a:r>
-            <a:endParaRPr lang="en-US" sz="2600" dirty="0"/>
+              <a:t>Currently implemented.</a:t>
+            </a:r>
+            <a:r>
+              <a:rPr lang="en-US" sz="2000" dirty="0" smtClean="0"/>
+              <a:t/>
+            </a:r>
+            <a:br>
+              <a:rPr lang="en-US" sz="2000" dirty="0" smtClean="0"/>
+            </a:br>
+            <a:endParaRPr lang="en-US" sz="2000" dirty="0" smtClean="0"/>
           </a:p>
         </p:txBody>
       </p:sp>
@@ -9129,7 +10551,7 @@
     </p:spTree>
     <p:extLst>
       <p:ext uri="{BB962C8B-B14F-4D97-AF65-F5344CB8AC3E}">
-        <p14:creationId xmlns:p14="http://schemas.microsoft.com/office/powerpoint/2010/main" val="661121474"/>
+        <p14:creationId xmlns:p14="http://schemas.microsoft.com/office/powerpoint/2010/main" val="1723970981"/>
       </p:ext>
     </p:extLst>
   </p:cSld>
@@ -9195,7 +10617,12 @@
             <p:ph idx="1"/>
           </p:nvPr>
         </p:nvSpPr>
-        <p:spPr/>
+        <p:spPr>
+          <a:xfrm>
+            <a:off x="2459865" y="1905000"/>
+            <a:ext cx="9044747" cy="4006222"/>
+          </a:xfrm>
+        </p:spPr>
         <p:txBody>
           <a:bodyPr>
             <a:normAutofit/>
@@ -9204,55 +10631,46 @@
           <a:p>
             <a:r>
               <a:rPr lang="en-US" sz="2400" dirty="0" smtClean="0"/>
-              <a:t>SAT-</a:t>
+              <a:t>Choose variable to decompose:</a:t>
+            </a:r>
+          </a:p>
+          <a:p>
+            <a:pPr lvl="1"/>
+            <a:r>
+              <a:rPr lang="en-US" sz="2200" dirty="0"/>
+              <a:t> </a:t>
+            </a:r>
+            <a:r>
+              <a:rPr lang="en-US" sz="2400" dirty="0" smtClean="0"/>
+              <a:t>Choose TEST-UNSAT constraint: SAT-</a:t>
             </a:r>
             <a:r>
               <a:rPr lang="en-US" sz="2400" dirty="0" err="1" smtClean="0"/>
-              <a:t>likelyhood</a:t>
-            </a:r>
-            <a:r>
-              <a:rPr lang="en-US" sz="2400" dirty="0" smtClean="0"/>
-              <a:t> </a:t>
-            </a:r>
-            <a:r>
-              <a:rPr lang="en-US" sz="2400" dirty="0"/>
-              <a:t>of </a:t>
-            </a:r>
-            <a:r>
-              <a:rPr lang="en-US" sz="2400" dirty="0" smtClean="0"/>
-              <a:t>a constraint                                         </a:t>
-            </a:r>
-          </a:p>
-          <a:p>
-            <a:pPr marL="0" indent="0">
-              <a:buNone/>
-            </a:pPr>
+              <a:t>likehlyhood</a:t>
+            </a:r>
+            <a:endParaRPr lang="en-US" sz="2200" dirty="0" smtClean="0"/>
+          </a:p>
+          <a:p>
+            <a:pPr lvl="1"/>
             <a:r>
               <a:rPr lang="en-US" sz="2400" dirty="0"/>
               <a:t> </a:t>
             </a:r>
             <a:r>
               <a:rPr lang="en-US" sz="2400" dirty="0" smtClean="0"/>
-              <a:t>        : The interval estimated by IA.</a:t>
-            </a:r>
-          </a:p>
-          <a:p>
-            <a:r>
-              <a:rPr lang="en-US" sz="2400" dirty="0" smtClean="0"/>
-              <a:t>Sensitivity of variable: using result of Affine interval.</a:t>
-            </a:r>
-          </a:p>
-          <a:p>
-            <a:endParaRPr lang="en-US" sz="2400" dirty="0"/>
-          </a:p>
-          <a:p>
-            <a:endParaRPr lang="en-US" sz="2400" dirty="0" smtClean="0"/>
-          </a:p>
-          <a:p>
-            <a:pPr marL="0" indent="0">
-              <a:buNone/>
-            </a:pPr>
-            <a:endParaRPr lang="en-US" sz="2400" dirty="0" smtClean="0"/>
+              <a:t>Choose one variable in the selected constraint: Sensitivity</a:t>
+            </a:r>
+          </a:p>
+          <a:p>
+            <a:r>
+              <a:rPr lang="en-US" sz="2600" dirty="0" smtClean="0"/>
+              <a:t>Choose box to explore: SAT-</a:t>
+            </a:r>
+            <a:r>
+              <a:rPr lang="en-US" sz="2600" dirty="0" err="1" smtClean="0"/>
+              <a:t>likelyhood</a:t>
+            </a:r>
+            <a:endParaRPr lang="en-US" sz="2600" dirty="0"/>
           </a:p>
         </p:txBody>
       </p:sp>
@@ -9279,112 +10697,10 @@
           </a:p>
         </p:txBody>
       </p:sp>
-      <p:pic>
-        <p:nvPicPr>
-          <p:cNvPr id="5" name="Picture 4"/>
-          <p:cNvPicPr>
-            <a:picLocks noChangeAspect="1"/>
-          </p:cNvPicPr>
-          <p:nvPr>
-            <p:custDataLst>
-              <p:tags r:id="rId1"/>
-            </p:custDataLst>
-          </p:nvPr>
-        </p:nvPicPr>
-        <p:blipFill>
-          <a:blip r:embed="rId5" cstate="print">
-            <a:extLst>
-              <a:ext uri="{28A0092B-C50C-407E-A947-70E740481C1C}">
-                <a14:useLocalDpi xmlns:a14="http://schemas.microsoft.com/office/drawing/2010/main" val="0"/>
-              </a:ext>
-            </a:extLst>
-          </a:blip>
-          <a:stretch>
-            <a:fillRect/>
-          </a:stretch>
-        </p:blipFill>
-        <p:spPr>
-          <a:xfrm>
-            <a:off x="7421093" y="2230907"/>
-            <a:ext cx="3289935" cy="331470"/>
-          </a:xfrm>
-          <a:prstGeom prst="rect">
-            <a:avLst/>
-          </a:prstGeom>
-        </p:spPr>
-      </p:pic>
-      <p:pic>
-        <p:nvPicPr>
-          <p:cNvPr id="6" name="Picture 5"/>
-          <p:cNvPicPr>
-            <a:picLocks noChangeAspect="1"/>
-          </p:cNvPicPr>
-          <p:nvPr>
-            <p:custDataLst>
-              <p:tags r:id="rId2"/>
-            </p:custDataLst>
-          </p:nvPr>
-        </p:nvPicPr>
-        <p:blipFill>
-          <a:blip r:embed="rId6" cstate="print">
-            <a:extLst>
-              <a:ext uri="{28A0092B-C50C-407E-A947-70E740481C1C}">
-                <a14:useLocalDpi xmlns:a14="http://schemas.microsoft.com/office/drawing/2010/main" val="0"/>
-              </a:ext>
-            </a:extLst>
-          </a:blip>
-          <a:stretch>
-            <a:fillRect/>
-          </a:stretch>
-        </p:blipFill>
-        <p:spPr>
-          <a:xfrm>
-            <a:off x="3171065" y="2771820"/>
-            <a:ext cx="148590" cy="213360"/>
-          </a:xfrm>
-          <a:prstGeom prst="rect">
-            <a:avLst/>
-          </a:prstGeom>
-        </p:spPr>
-      </p:pic>
-      <p:pic>
-        <p:nvPicPr>
-          <p:cNvPr id="10" name="Picture 9"/>
-          <p:cNvPicPr>
-            <a:picLocks noChangeAspect="1"/>
-          </p:cNvPicPr>
-          <p:nvPr>
-            <p:custDataLst>
-              <p:tags r:id="rId3"/>
-            </p:custDataLst>
-          </p:nvPr>
-        </p:nvPicPr>
-        <p:blipFill>
-          <a:blip r:embed="rId7" cstate="print">
-            <a:extLst>
-              <a:ext uri="{28A0092B-C50C-407E-A947-70E740481C1C}">
-                <a14:useLocalDpi xmlns:a14="http://schemas.microsoft.com/office/drawing/2010/main" val="0"/>
-              </a:ext>
-            </a:extLst>
-          </a:blip>
-          <a:stretch>
-            <a:fillRect/>
-          </a:stretch>
-        </p:blipFill>
-        <p:spPr>
-          <a:xfrm>
-            <a:off x="2470678" y="3878658"/>
-            <a:ext cx="8385810" cy="720090"/>
-          </a:xfrm>
-          <a:prstGeom prst="rect">
-            <a:avLst/>
-          </a:prstGeom>
-        </p:spPr>
-      </p:pic>
     </p:spTree>
     <p:extLst>
       <p:ext uri="{BB962C8B-B14F-4D97-AF65-F5344CB8AC3E}">
-        <p14:creationId xmlns:p14="http://schemas.microsoft.com/office/powerpoint/2010/main" val="4033727202"/>
+        <p14:creationId xmlns:p14="http://schemas.microsoft.com/office/powerpoint/2010/main" val="661121474"/>
       </p:ext>
     </p:extLst>
   </p:cSld>
@@ -9434,10 +10750,9 @@
           <a:lstStyle/>
           <a:p>
             <a:r>
-              <a:rPr lang="en-US" dirty="0" smtClean="0"/>
-              <a:t>Incremental search</a:t>
-            </a:r>
-            <a:endParaRPr lang="en-US" dirty="0"/>
+              <a:rPr lang="en-US" dirty="0"/>
+              <a:t>SAT directed measures</a:t>
+            </a:r>
           </a:p>
         </p:txBody>
       </p:sp>
@@ -9459,12 +10774,24 @@
           <a:lstStyle/>
           <a:p>
             <a:r>
+              <a:rPr lang="en-US" sz="2400" dirty="0" smtClean="0"/>
+              <a:t>SAT-</a:t>
+            </a:r>
+            <a:r>
               <a:rPr lang="en-US" sz="2400" dirty="0" err="1" smtClean="0"/>
-              <a:t>raSAT</a:t>
+              <a:t>likelyhood</a:t>
             </a:r>
             <a:r>
               <a:rPr lang="en-US" sz="2400" dirty="0" smtClean="0"/>
-              <a:t>: depth-first search </a:t>
+              <a:t> </a:t>
+            </a:r>
+            <a:r>
+              <a:rPr lang="en-US" sz="2400" dirty="0"/>
+              <a:t>of </a:t>
+            </a:r>
+            <a:r>
+              <a:rPr lang="en-US" sz="2400" dirty="0" smtClean="0"/>
+              <a:t>a constraint                                         </a:t>
             </a:r>
           </a:p>
           <a:p>
@@ -9473,19 +10800,30 @@
             </a:pPr>
             <a:r>
               <a:rPr lang="en-US" sz="2400" dirty="0"/>
-              <a:t>	</a:t>
+              <a:t> </a:t>
             </a:r>
             <a:r>
               <a:rPr lang="en-US" sz="2400" dirty="0" smtClean="0"/>
-              <a:t>-&gt; threshold</a:t>
+              <a:t>        : The interval estimated by IA.</a:t>
             </a:r>
           </a:p>
           <a:p>
             <a:r>
               <a:rPr lang="en-US" sz="2400" dirty="0" smtClean="0"/>
-              <a:t> Incremental deepening:</a:t>
-            </a:r>
+              <a:t>Sensitivity of variable: using result of Affine interval.</a:t>
+            </a:r>
+          </a:p>
+          <a:p>
             <a:endParaRPr lang="en-US" sz="2400" dirty="0"/>
+          </a:p>
+          <a:p>
+            <a:endParaRPr lang="en-US" sz="2400" dirty="0" smtClean="0"/>
+          </a:p>
+          <a:p>
+            <a:pPr marL="0" indent="0">
+              <a:buNone/>
+            </a:pPr>
+            <a:endParaRPr lang="en-US" sz="2400" dirty="0" smtClean="0"/>
           </a:p>
         </p:txBody>
       </p:sp>
@@ -9518,10 +10856,14 @@
           <p:cNvPicPr>
             <a:picLocks noChangeAspect="1"/>
           </p:cNvPicPr>
-          <p:nvPr/>
+          <p:nvPr>
+            <p:custDataLst>
+              <p:tags r:id="rId1"/>
+            </p:custDataLst>
+          </p:nvPr>
         </p:nvPicPr>
         <p:blipFill>
-          <a:blip r:embed="rId3">
+          <a:blip r:embed="rId5" cstate="print">
             <a:extLst>
               <a:ext uri="{28A0092B-C50C-407E-A947-70E740481C1C}">
                 <a14:useLocalDpi xmlns:a14="http://schemas.microsoft.com/office/drawing/2010/main" val="0"/>
@@ -9534,8 +10876,8 @@
         </p:blipFill>
         <p:spPr>
           <a:xfrm>
-            <a:off x="7165255" y="2265919"/>
-            <a:ext cx="4429714" cy="2738286"/>
+            <a:off x="7421093" y="2230907"/>
+            <a:ext cx="3289935" cy="331470"/>
           </a:xfrm>
           <a:prstGeom prst="rect">
             <a:avLst/>
@@ -9550,12 +10892,12 @@
           </p:cNvPicPr>
           <p:nvPr>
             <p:custDataLst>
-              <p:tags r:id="rId1"/>
+              <p:tags r:id="rId2"/>
             </p:custDataLst>
           </p:nvPr>
         </p:nvPicPr>
         <p:blipFill>
-          <a:blip r:embed="rId4" cstate="print">
+          <a:blip r:embed="rId6" cstate="print">
             <a:extLst>
               <a:ext uri="{28A0092B-C50C-407E-A947-70E740481C1C}">
                 <a14:useLocalDpi xmlns:a14="http://schemas.microsoft.com/office/drawing/2010/main" val="0"/>
@@ -9568,50 +10910,52 @@
         </p:blipFill>
         <p:spPr>
           <a:xfrm>
-            <a:off x="3377127" y="3883346"/>
-            <a:ext cx="2388870" cy="278130"/>
+            <a:off x="3171065" y="2771820"/>
+            <a:ext cx="148590" cy="213360"/>
           </a:xfrm>
           <a:prstGeom prst="rect">
             <a:avLst/>
           </a:prstGeom>
         </p:spPr>
       </p:pic>
-      <p:sp>
-        <p:nvSpPr>
-          <p:cNvPr id="8" name="TextBox 7"/>
-          <p:cNvSpPr txBox="1"/>
-          <p:nvPr/>
-        </p:nvSpPr>
+      <p:pic>
+        <p:nvPicPr>
+          <p:cNvPr id="10" name="Picture 9"/>
+          <p:cNvPicPr>
+            <a:picLocks noChangeAspect="1"/>
+          </p:cNvPicPr>
+          <p:nvPr>
+            <p:custDataLst>
+              <p:tags r:id="rId3"/>
+            </p:custDataLst>
+          </p:nvPr>
+        </p:nvPicPr>
+        <p:blipFill>
+          <a:blip r:embed="rId7" cstate="print">
+            <a:extLst>
+              <a:ext uri="{28A0092B-C50C-407E-A947-70E740481C1C}">
+                <a14:useLocalDpi xmlns:a14="http://schemas.microsoft.com/office/drawing/2010/main" val="0"/>
+              </a:ext>
+            </a:extLst>
+          </a:blip>
+          <a:stretch>
+            <a:fillRect/>
+          </a:stretch>
+        </p:blipFill>
         <p:spPr>
           <a:xfrm>
-            <a:off x="2848975" y="4901174"/>
-            <a:ext cx="3445174" cy="461665"/>
+            <a:off x="2470678" y="3878658"/>
+            <a:ext cx="8385810" cy="720090"/>
           </a:xfrm>
           <a:prstGeom prst="rect">
             <a:avLst/>
           </a:prstGeom>
-          <a:noFill/>
-        </p:spPr>
-        <p:txBody>
-          <a:bodyPr wrap="none" rtlCol="0">
-            <a:spAutoFit/>
-          </a:bodyPr>
-          <a:lstStyle/>
-          <a:p>
-            <a:r>
-              <a:rPr lang="en-US" sz="2400" dirty="0" smtClean="0">
-                <a:sym typeface="Wingdings" panose="05000000000000000000" pitchFamily="2" charset="2"/>
-              </a:rPr>
-              <a:t> Fair decomposition</a:t>
-            </a:r>
-            <a:endParaRPr lang="en-US" sz="2400" dirty="0"/>
-          </a:p>
-        </p:txBody>
-      </p:sp>
+        </p:spPr>
+      </p:pic>
     </p:spTree>
     <p:extLst>
       <p:ext uri="{BB962C8B-B14F-4D97-AF65-F5344CB8AC3E}">
-        <p14:creationId xmlns:p14="http://schemas.microsoft.com/office/powerpoint/2010/main" val="2769351283"/>
+        <p14:creationId xmlns:p14="http://schemas.microsoft.com/office/powerpoint/2010/main" val="4033727202"/>
       </p:ext>
     </p:extLst>
   </p:cSld>
@@ -9662,13 +11006,57 @@
           <a:p>
             <a:r>
               <a:rPr lang="en-US" dirty="0" smtClean="0"/>
-              <a:t>Incremental </a:t>
-            </a:r>
-            <a:r>
-              <a:rPr lang="en-US" dirty="0" err="1" smtClean="0"/>
-              <a:t>Windening</a:t>
+              <a:t>Incremental search</a:t>
             </a:r>
             <a:endParaRPr lang="en-US" dirty="0"/>
+          </a:p>
+        </p:txBody>
+      </p:sp>
+      <p:sp>
+        <p:nvSpPr>
+          <p:cNvPr id="3" name="Content Placeholder 2"/>
+          <p:cNvSpPr>
+            <a:spLocks noGrp="1"/>
+          </p:cNvSpPr>
+          <p:nvPr>
+            <p:ph idx="1"/>
+          </p:nvPr>
+        </p:nvSpPr>
+        <p:spPr/>
+        <p:txBody>
+          <a:bodyPr>
+            <a:normAutofit/>
+          </a:bodyPr>
+          <a:lstStyle/>
+          <a:p>
+            <a:r>
+              <a:rPr lang="en-US" sz="2400" dirty="0" err="1" smtClean="0"/>
+              <a:t>raSAT</a:t>
+            </a:r>
+            <a:r>
+              <a:rPr lang="en-US" sz="2400" dirty="0" smtClean="0"/>
+              <a:t>: depth-first search </a:t>
+            </a:r>
+          </a:p>
+          <a:p>
+            <a:pPr marL="0" indent="0">
+              <a:buNone/>
+            </a:pPr>
+            <a:r>
+              <a:rPr lang="en-US" sz="2400" dirty="0"/>
+              <a:t>	</a:t>
+            </a:r>
+            <a:r>
+              <a:rPr lang="en-US" sz="2400" dirty="0" smtClean="0"/>
+              <a:t>-&gt; threshold</a:t>
+            </a:r>
+          </a:p>
+          <a:p>
+            <a:r>
+              <a:rPr lang="en-US" sz="2400" dirty="0" smtClean="0"/>
+              <a:t> Incremental deepening:</a:t>
+            </a:r>
+            <a:endParaRPr lang="en-US" sz="2400" dirty="0"/>
           </a:p>
         </p:txBody>
       </p:sp>
@@ -9690,6 +11078,189 @@
             <a:fld id="{9A0678A6-D03C-427C-87B3-2EDFDC71965B}" type="slidenum">
               <a:rPr lang="en-US" smtClean="0"/>
               <a:t>16</a:t>
+            </a:fld>
+            <a:endParaRPr lang="en-US"/>
+          </a:p>
+        </p:txBody>
+      </p:sp>
+      <p:pic>
+        <p:nvPicPr>
+          <p:cNvPr id="5" name="Picture 4"/>
+          <p:cNvPicPr>
+            <a:picLocks noChangeAspect="1"/>
+          </p:cNvPicPr>
+          <p:nvPr/>
+        </p:nvPicPr>
+        <p:blipFill>
+          <a:blip r:embed="rId3">
+            <a:extLst>
+              <a:ext uri="{28A0092B-C50C-407E-A947-70E740481C1C}">
+                <a14:useLocalDpi xmlns:a14="http://schemas.microsoft.com/office/drawing/2010/main" val="0"/>
+              </a:ext>
+            </a:extLst>
+          </a:blip>
+          <a:stretch>
+            <a:fillRect/>
+          </a:stretch>
+        </p:blipFill>
+        <p:spPr>
+          <a:xfrm>
+            <a:off x="7165255" y="2265919"/>
+            <a:ext cx="4429714" cy="2738286"/>
+          </a:xfrm>
+          <a:prstGeom prst="rect">
+            <a:avLst/>
+          </a:prstGeom>
+        </p:spPr>
+      </p:pic>
+      <p:pic>
+        <p:nvPicPr>
+          <p:cNvPr id="6" name="Picture 5"/>
+          <p:cNvPicPr>
+            <a:picLocks noChangeAspect="1"/>
+          </p:cNvPicPr>
+          <p:nvPr>
+            <p:custDataLst>
+              <p:tags r:id="rId1"/>
+            </p:custDataLst>
+          </p:nvPr>
+        </p:nvPicPr>
+        <p:blipFill>
+          <a:blip r:embed="rId4" cstate="print">
+            <a:extLst>
+              <a:ext uri="{28A0092B-C50C-407E-A947-70E740481C1C}">
+                <a14:useLocalDpi xmlns:a14="http://schemas.microsoft.com/office/drawing/2010/main" val="0"/>
+              </a:ext>
+            </a:extLst>
+          </a:blip>
+          <a:stretch>
+            <a:fillRect/>
+          </a:stretch>
+        </p:blipFill>
+        <p:spPr>
+          <a:xfrm>
+            <a:off x="3377127" y="3883346"/>
+            <a:ext cx="2388870" cy="278130"/>
+          </a:xfrm>
+          <a:prstGeom prst="rect">
+            <a:avLst/>
+          </a:prstGeom>
+        </p:spPr>
+      </p:pic>
+      <p:sp>
+        <p:nvSpPr>
+          <p:cNvPr id="8" name="TextBox 7"/>
+          <p:cNvSpPr txBox="1"/>
+          <p:nvPr/>
+        </p:nvSpPr>
+        <p:spPr>
+          <a:xfrm>
+            <a:off x="2848975" y="4901174"/>
+            <a:ext cx="3445174" cy="461665"/>
+          </a:xfrm>
+          <a:prstGeom prst="rect">
+            <a:avLst/>
+          </a:prstGeom>
+          <a:noFill/>
+        </p:spPr>
+        <p:txBody>
+          <a:bodyPr wrap="none" rtlCol="0">
+            <a:spAutoFit/>
+          </a:bodyPr>
+          <a:lstStyle/>
+          <a:p>
+            <a:r>
+              <a:rPr lang="en-US" sz="2400" dirty="0" smtClean="0">
+                <a:sym typeface="Wingdings" panose="05000000000000000000" pitchFamily="2" charset="2"/>
+              </a:rPr>
+              <a:t> Fair decomposition</a:t>
+            </a:r>
+            <a:endParaRPr lang="en-US" sz="2400" dirty="0"/>
+          </a:p>
+        </p:txBody>
+      </p:sp>
+    </p:spTree>
+    <p:extLst>
+      <p:ext uri="{BB962C8B-B14F-4D97-AF65-F5344CB8AC3E}">
+        <p14:creationId xmlns:p14="http://schemas.microsoft.com/office/powerpoint/2010/main" val="2769351283"/>
+      </p:ext>
+    </p:extLst>
+  </p:cSld>
+  <p:clrMapOvr>
+    <a:masterClrMapping/>
+  </p:clrMapOvr>
+  <p:timing>
+    <p:tnLst>
+      <p:par>
+        <p:cTn id="1" dur="indefinite" restart="never" nodeType="tmRoot"/>
+      </p:par>
+    </p:tnLst>
+  </p:timing>
+</p:sld>
+</file>
+
+<file path=ppt/slides/slide17.xml><?xml version="1.0" encoding="utf-8"?>
+<p:sld xmlns:a="http://schemas.openxmlformats.org/drawingml/2006/main" xmlns:r="http://schemas.openxmlformats.org/officeDocument/2006/relationships" xmlns:p="http://schemas.openxmlformats.org/presentationml/2006/main">
+  <p:cSld>
+    <p:spTree>
+      <p:nvGrpSpPr>
+        <p:cNvPr id="1" name=""/>
+        <p:cNvGrpSpPr/>
+        <p:nvPr/>
+      </p:nvGrpSpPr>
+      <p:grpSpPr>
+        <a:xfrm>
+          <a:off x="0" y="0"/>
+          <a:ext cx="0" cy="0"/>
+          <a:chOff x="0" y="0"/>
+          <a:chExt cx="0" cy="0"/>
+        </a:xfrm>
+      </p:grpSpPr>
+      <p:sp>
+        <p:nvSpPr>
+          <p:cNvPr id="2" name="Title 1"/>
+          <p:cNvSpPr>
+            <a:spLocks noGrp="1"/>
+          </p:cNvSpPr>
+          <p:nvPr>
+            <p:ph type="title"/>
+          </p:nvPr>
+        </p:nvSpPr>
+        <p:spPr/>
+        <p:txBody>
+          <a:bodyPr/>
+          <a:lstStyle/>
+          <a:p>
+            <a:r>
+              <a:rPr lang="en-US" dirty="0" smtClean="0"/>
+              <a:t>Incremental </a:t>
+            </a:r>
+            <a:r>
+              <a:rPr lang="en-US" dirty="0" err="1" smtClean="0"/>
+              <a:t>Windening</a:t>
+            </a:r>
+            <a:endParaRPr lang="en-US" dirty="0"/>
+          </a:p>
+        </p:txBody>
+      </p:sp>
+      <p:sp>
+        <p:nvSpPr>
+          <p:cNvPr id="4" name="Slide Number Placeholder 3"/>
+          <p:cNvSpPr>
+            <a:spLocks noGrp="1"/>
+          </p:cNvSpPr>
+          <p:nvPr>
+            <p:ph type="sldNum" sz="quarter" idx="12"/>
+          </p:nvPr>
+        </p:nvSpPr>
+        <p:spPr/>
+        <p:txBody>
+          <a:bodyPr/>
+          <a:lstStyle/>
+          <a:p>
+            <a:fld id="{9A0678A6-D03C-427C-87B3-2EDFDC71965B}" type="slidenum">
+              <a:rPr lang="en-US" smtClean="0"/>
+              <a:t>17</a:t>
             </a:fld>
             <a:endParaRPr lang="en-US"/>
           </a:p>
@@ -9897,7 +11468,7 @@
 </p:sld>
 </file>
 
-<file path=ppt/slides/slide17.xml><?xml version="1.0" encoding="utf-8"?>
+<file path=ppt/slides/slide18.xml><?xml version="1.0" encoding="utf-8"?>
 <p:sld xmlns:a="http://schemas.openxmlformats.org/drawingml/2006/main" xmlns:r="http://schemas.openxmlformats.org/officeDocument/2006/relationships" xmlns:p="http://schemas.openxmlformats.org/presentationml/2006/main">
   <p:cSld>
     <p:spTree>
@@ -10237,7 +11808,7 @@
           <a:p>
             <a:fld id="{9A0678A6-D03C-427C-87B3-2EDFDC71965B}" type="slidenum">
               <a:rPr lang="en-US" smtClean="0"/>
-              <a:t>17</a:t>
+              <a:t>18</a:t>
             </a:fld>
             <a:endParaRPr lang="en-US"/>
           </a:p>
@@ -10470,240 +12041,6 @@
     <p:extLst>
       <p:ext uri="{BB962C8B-B14F-4D97-AF65-F5344CB8AC3E}">
         <p14:creationId xmlns:p14="http://schemas.microsoft.com/office/powerpoint/2010/main" val="708674211"/>
-      </p:ext>
-    </p:extLst>
-  </p:cSld>
-  <p:clrMapOvr>
-    <a:masterClrMapping/>
-  </p:clrMapOvr>
-  <p:timing>
-    <p:tnLst>
-      <p:par>
-        <p:cTn id="1" dur="indefinite" restart="never" nodeType="tmRoot"/>
-      </p:par>
-    </p:tnLst>
-  </p:timing>
-</p:sld>
-</file>
-
-<file path=ppt/slides/slide18.xml><?xml version="1.0" encoding="utf-8"?>
-<p:sld xmlns:a="http://schemas.openxmlformats.org/drawingml/2006/main" xmlns:r="http://schemas.openxmlformats.org/officeDocument/2006/relationships" xmlns:p="http://schemas.openxmlformats.org/presentationml/2006/main">
-  <p:cSld>
-    <p:spTree>
-      <p:nvGrpSpPr>
-        <p:cNvPr id="1" name=""/>
-        <p:cNvGrpSpPr/>
-        <p:nvPr/>
-      </p:nvGrpSpPr>
-      <p:grpSpPr>
-        <a:xfrm>
-          <a:off x="0" y="0"/>
-          <a:ext cx="0" cy="0"/>
-          <a:chOff x="0" y="0"/>
-          <a:chExt cx="0" cy="0"/>
-        </a:xfrm>
-      </p:grpSpPr>
-      <p:sp>
-        <p:nvSpPr>
-          <p:cNvPr id="2" name="Title 1"/>
-          <p:cNvSpPr>
-            <a:spLocks noGrp="1"/>
-          </p:cNvSpPr>
-          <p:nvPr>
-            <p:ph type="title"/>
-          </p:nvPr>
-        </p:nvSpPr>
-        <p:spPr/>
-        <p:txBody>
-          <a:bodyPr/>
-          <a:lstStyle/>
-          <a:p>
-            <a:r>
-              <a:rPr lang="en-US" dirty="0" smtClean="0"/>
-              <a:t>Experiments – </a:t>
-            </a:r>
-            <a:r>
-              <a:rPr lang="en-US" dirty="0" err="1" smtClean="0"/>
-              <a:t>Zankl</a:t>
-            </a:r>
-            <a:r>
-              <a:rPr lang="en-US" dirty="0"/>
-              <a:t> </a:t>
-            </a:r>
-            <a:r>
-              <a:rPr lang="en-US" dirty="0" smtClean="0"/>
-              <a:t>family</a:t>
-            </a:r>
-            <a:endParaRPr lang="en-US" dirty="0"/>
-          </a:p>
-        </p:txBody>
-      </p:sp>
-      <p:sp>
-        <p:nvSpPr>
-          <p:cNvPr id="3" name="Content Placeholder 2"/>
-          <p:cNvSpPr>
-            <a:spLocks noGrp="1"/>
-          </p:cNvSpPr>
-          <p:nvPr>
-            <p:ph idx="1"/>
-          </p:nvPr>
-        </p:nvSpPr>
-        <p:spPr>
-          <a:xfrm>
-            <a:off x="875763" y="1648496"/>
-            <a:ext cx="11316237" cy="5061397"/>
-          </a:xfrm>
-        </p:spPr>
-        <p:txBody>
-          <a:bodyPr>
-            <a:noAutofit/>
-          </a:bodyPr>
-          <a:lstStyle/>
-          <a:p>
-            <a:r>
-              <a:rPr lang="en-US" sz="2400" dirty="0"/>
-              <a:t>Z3 4.3 is very quick for </a:t>
-            </a:r>
-            <a:r>
-              <a:rPr lang="en-US" sz="2400" dirty="0" smtClean="0"/>
-              <a:t>small constraints:</a:t>
-            </a:r>
-          </a:p>
-          <a:p>
-            <a:pPr lvl="1"/>
-            <a:r>
-              <a:rPr lang="en-US" sz="2400" smtClean="0"/>
-              <a:t>short constraints (up </a:t>
-            </a:r>
-            <a:r>
-              <a:rPr lang="en-US" sz="2400" dirty="0"/>
-              <a:t>to 5) </a:t>
-            </a:r>
-          </a:p>
-          <a:p>
-            <a:pPr lvl="1"/>
-            <a:r>
-              <a:rPr lang="en-US" sz="2400" dirty="0" smtClean="0"/>
-              <a:t>small number </a:t>
-            </a:r>
-            <a:r>
-              <a:rPr lang="en-US" sz="2400" dirty="0"/>
-              <a:t>of variables (up </a:t>
-            </a:r>
-            <a:r>
-              <a:rPr lang="en-US" sz="2400" dirty="0" smtClean="0"/>
-              <a:t>to 10)</a:t>
-            </a:r>
-          </a:p>
-          <a:p>
-            <a:r>
-              <a:rPr lang="en-US" sz="2400" dirty="0" smtClean="0"/>
-              <a:t>Otherwise, </a:t>
-            </a:r>
-            <a:r>
-              <a:rPr lang="en-US" sz="2400" dirty="0" err="1" smtClean="0"/>
-              <a:t>raSAT</a:t>
-            </a:r>
-            <a:r>
-              <a:rPr lang="en-US" sz="2400" dirty="0" smtClean="0"/>
-              <a:t> is comparable on </a:t>
-            </a:r>
-            <a:r>
-              <a:rPr lang="en-US" sz="2400" dirty="0"/>
-              <a:t>SAT </a:t>
-            </a:r>
-            <a:r>
-              <a:rPr lang="en-US" sz="2400" dirty="0" smtClean="0"/>
-              <a:t>detection</a:t>
-            </a:r>
-          </a:p>
-          <a:p>
-            <a:r>
-              <a:rPr lang="en-US" sz="2400" dirty="0" smtClean="0"/>
-              <a:t>Sometimes, </a:t>
-            </a:r>
-            <a:r>
-              <a:rPr lang="en-US" sz="2400" dirty="0" err="1" smtClean="0"/>
-              <a:t>raSAT</a:t>
-            </a:r>
-            <a:r>
-              <a:rPr lang="en-US" sz="2400" dirty="0" smtClean="0"/>
-              <a:t> outperforms on very long constraints (longer than 40 and more than 20 variables):</a:t>
-            </a:r>
-          </a:p>
-          <a:p>
-            <a:pPr lvl="1"/>
-            <a:r>
-              <a:rPr lang="en-US" sz="2400" dirty="0"/>
-              <a:t>matrix-3-all-2 (47 variables, 87 APIs, and max length of an API is 27),</a:t>
-            </a:r>
-          </a:p>
-          <a:p>
-            <a:pPr lvl="1"/>
-            <a:r>
-              <a:rPr lang="en-US" sz="2400" dirty="0" smtClean="0"/>
-              <a:t>matrix-3-all-5 </a:t>
-            </a:r>
-            <a:r>
-              <a:rPr lang="en-US" sz="2400" dirty="0"/>
-              <a:t>(81 variables, 142 APIs, and max length of an API is 20),</a:t>
-            </a:r>
-          </a:p>
-          <a:p>
-            <a:pPr lvl="1"/>
-            <a:r>
-              <a:rPr lang="en-US" sz="2400" dirty="0" smtClean="0"/>
-              <a:t>matrix-4-all-3 </a:t>
-            </a:r>
-            <a:r>
-              <a:rPr lang="en-US" sz="2400" dirty="0"/>
-              <a:t>(139 variables, 244 APIs, and max length of an API is 73</a:t>
-            </a:r>
-            <a:r>
-              <a:rPr lang="en-US" sz="2400" dirty="0" smtClean="0"/>
-              <a:t>), </a:t>
-            </a:r>
-          </a:p>
-          <a:p>
-            <a:pPr lvl="1"/>
-            <a:r>
-              <a:rPr lang="en-US" sz="2400" dirty="0" smtClean="0"/>
-              <a:t>matrix-5-all-01 </a:t>
-            </a:r>
-            <a:r>
-              <a:rPr lang="en-US" sz="2400" dirty="0"/>
-              <a:t>(132 variables, 276 APIs, and max length of an API is 47).</a:t>
-            </a:r>
-          </a:p>
-        </p:txBody>
-      </p:sp>
-      <p:sp>
-        <p:nvSpPr>
-          <p:cNvPr id="4" name="Slide Number Placeholder 3"/>
-          <p:cNvSpPr>
-            <a:spLocks noGrp="1"/>
-          </p:cNvSpPr>
-          <p:nvPr>
-            <p:ph type="sldNum" sz="quarter" idx="12"/>
-          </p:nvPr>
-        </p:nvSpPr>
-        <p:spPr/>
-        <p:txBody>
-          <a:bodyPr/>
-          <a:lstStyle/>
-          <a:p>
-            <a:fld id="{9A0678A6-D03C-427C-87B3-2EDFDC71965B}" type="slidenum">
-              <a:rPr lang="en-US" smtClean="0"/>
-              <a:t>18</a:t>
-            </a:fld>
-            <a:endParaRPr lang="en-US"/>
-          </a:p>
-        </p:txBody>
-      </p:sp>
-    </p:spTree>
-    <p:extLst>
-      <p:ext uri="{BB962C8B-B14F-4D97-AF65-F5344CB8AC3E}">
-        <p14:creationId xmlns:p14="http://schemas.microsoft.com/office/powerpoint/2010/main" val="3345572862"/>
       </p:ext>
     </p:extLst>
   </p:cSld>
@@ -10754,7 +12091,19 @@
           <a:p>
             <a:r>
               <a:rPr lang="en-US" dirty="0" smtClean="0"/>
-              <a:t>Experiments</a:t>
+              <a:t>Experiments – </a:t>
+            </a:r>
+            <a:r>
+              <a:rPr lang="en-US" dirty="0" err="1" smtClean="0"/>
+              <a:t>Zankl</a:t>
+            </a:r>
+            <a:r>
+              <a:rPr lang="en-US" dirty="0"/>
+              <a:t> </a:t>
+            </a:r>
+            <a:r>
+              <a:rPr lang="en-US" dirty="0" smtClean="0"/>
+              <a:t>family</a:t>
             </a:r>
             <a:endParaRPr lang="en-US" dirty="0"/>
           </a:p>
@@ -10772,73 +12121,129 @@
         </p:nvSpPr>
         <p:spPr>
           <a:xfrm>
-            <a:off x="1661375" y="1622738"/>
-            <a:ext cx="9843237" cy="4288484"/>
+            <a:off x="875763" y="1648496"/>
+            <a:ext cx="11316237" cy="5061397"/>
           </a:xfrm>
         </p:spPr>
         <p:txBody>
           <a:bodyPr>
-            <a:normAutofit/>
+            <a:noAutofit/>
           </a:bodyPr>
           <a:lstStyle/>
           <a:p>
             <a:r>
-              <a:rPr lang="en-US" sz="2400" dirty="0" err="1"/>
-              <a:t>Meti-Tarski</a:t>
-            </a:r>
-            <a:r>
               <a:rPr lang="en-US" sz="2400" dirty="0"/>
-              <a:t> contains 5101 inequalities among </a:t>
+              <a:t>Z3 4.3 is very quick for </a:t>
             </a:r>
             <a:r>
               <a:rPr lang="en-US" sz="2400" dirty="0" smtClean="0"/>
-              <a:t>7713:</a:t>
+              <a:t>small constraints:</a:t>
             </a:r>
           </a:p>
           <a:p>
             <a:pPr lvl="1"/>
             <a:r>
+              <a:rPr lang="en-US" sz="2400" smtClean="0"/>
+              <a:t>short constraints (up </a:t>
+            </a:r>
+            <a:r>
+              <a:rPr lang="en-US" sz="2400" dirty="0"/>
+              <a:t>to 5) </a:t>
+            </a:r>
+          </a:p>
+          <a:p>
+            <a:pPr lvl="1"/>
+            <a:r>
               <a:rPr lang="en-US" sz="2400" dirty="0" smtClean="0"/>
-              <a:t>taken </a:t>
+              <a:t>small number </a:t>
             </a:r>
             <a:r>
               <a:rPr lang="en-US" sz="2400" dirty="0"/>
-              <a:t>from </a:t>
+              <a:t>of variables (up </a:t>
             </a:r>
             <a:r>
               <a:rPr lang="en-US" sz="2400" dirty="0" smtClean="0"/>
-              <a:t>elementary physics.</a:t>
+              <a:t>to 10)</a:t>
+            </a:r>
+          </a:p>
+          <a:p>
+            <a:r>
+              <a:rPr lang="en-US" sz="2400" dirty="0" smtClean="0"/>
+              <a:t>Otherwise, </a:t>
+            </a:r>
+            <a:r>
+              <a:rPr lang="en-US" sz="2400" dirty="0" err="1" smtClean="0"/>
+              <a:t>raSAT</a:t>
+            </a:r>
+            <a:r>
+              <a:rPr lang="en-US" sz="2400" dirty="0" smtClean="0"/>
+              <a:t> is comparable on </a:t>
+            </a:r>
+            <a:r>
+              <a:rPr lang="en-US" sz="2400" dirty="0"/>
+              <a:t>SAT </a:t>
+            </a:r>
+            <a:r>
+              <a:rPr lang="en-US" sz="2400" dirty="0" smtClean="0"/>
+              <a:t>detection</a:t>
+            </a:r>
+          </a:p>
+          <a:p>
+            <a:r>
+              <a:rPr lang="en-US" sz="2400" dirty="0" smtClean="0"/>
+              <a:t>Sometimes, </a:t>
+            </a:r>
+            <a:r>
+              <a:rPr lang="en-US" sz="2400" dirty="0" err="1" smtClean="0"/>
+              <a:t>raSAT</a:t>
+            </a:r>
+            <a:r>
+              <a:rPr lang="en-US" sz="2400" dirty="0" smtClean="0"/>
+              <a:t> outperforms on very long constraints (longer than 40 and more than 20 variables):</a:t>
             </a:r>
           </a:p>
           <a:p>
             <a:pPr lvl="1"/>
             <a:r>
               <a:rPr lang="en-US" sz="2400" dirty="0"/>
-              <a:t>small </a:t>
-            </a:r>
+              <a:t>matrix-3-all-2 (47 variables, 87 APIs, and max length of an API is 27),</a:t>
+            </a:r>
+          </a:p>
+          <a:p>
+            <a:pPr lvl="1"/>
             <a:r>
               <a:rPr lang="en-US" sz="2400" dirty="0" smtClean="0"/>
-              <a:t>problems: </a:t>
+              <a:t>matrix-3-all-5 </a:t>
             </a:r>
             <a:r>
               <a:rPr lang="en-US" sz="2400" dirty="0"/>
-              <a:t>up to 8 </a:t>
-            </a:r>
-            <a:r>
-              <a:rPr lang="en-US" sz="2400" dirty="0" err="1"/>
-              <a:t>varaibles</a:t>
+              <a:t>(81 variables, 142 APIs, and max length of an API is 20),</a:t>
+            </a:r>
+          </a:p>
+          <a:p>
+            <a:pPr lvl="1"/>
+            <a:r>
+              <a:rPr lang="en-US" sz="2400" dirty="0" smtClean="0"/>
+              <a:t>matrix-4-all-3 </a:t>
             </a:r>
             <a:r>
               <a:rPr lang="en-US" sz="2400" dirty="0"/>
-              <a:t> (mostly up to </a:t>
+              <a:t>(139 variables, 244 APIs, and max length of an API is 73</a:t>
             </a:r>
             <a:r>
               <a:rPr lang="en-US" sz="2400" dirty="0" smtClean="0"/>
-              <a:t>5 variables</a:t>
+              <a:t>), </a:t>
+            </a:r>
+          </a:p>
+          <a:p>
+            <a:pPr lvl="1"/>
+            <a:r>
+              <a:rPr lang="en-US" sz="2400" dirty="0" smtClean="0"/>
+              <a:t>matrix-5-all-01 </a:t>
             </a:r>
             <a:r>
               <a:rPr lang="en-US" sz="2400" dirty="0"/>
-              <a:t>), and up to 20 APIs.</a:t>
+              <a:t>(132 variables, 276 APIs, and max length of an API is 47).</a:t>
             </a:r>
           </a:p>
         </p:txBody>
@@ -10861,6 +12266,531 @@
             <a:fld id="{9A0678A6-D03C-427C-87B3-2EDFDC71965B}" type="slidenum">
               <a:rPr lang="en-US" smtClean="0"/>
               <a:t>19</a:t>
+            </a:fld>
+            <a:endParaRPr lang="en-US"/>
+          </a:p>
+        </p:txBody>
+      </p:sp>
+    </p:spTree>
+    <p:extLst>
+      <p:ext uri="{BB962C8B-B14F-4D97-AF65-F5344CB8AC3E}">
+        <p14:creationId xmlns:p14="http://schemas.microsoft.com/office/powerpoint/2010/main" val="3345572862"/>
+      </p:ext>
+    </p:extLst>
+  </p:cSld>
+  <p:clrMapOvr>
+    <a:masterClrMapping/>
+  </p:clrMapOvr>
+  <p:timing>
+    <p:tnLst>
+      <p:par>
+        <p:cTn id="1" dur="indefinite" restart="never" nodeType="tmRoot"/>
+      </p:par>
+    </p:tnLst>
+  </p:timing>
+</p:sld>
+</file>
+
+<file path=ppt/slides/slide2.xml><?xml version="1.0" encoding="utf-8"?>
+<p:sld xmlns:a="http://schemas.openxmlformats.org/drawingml/2006/main" xmlns:r="http://schemas.openxmlformats.org/officeDocument/2006/relationships" xmlns:p="http://schemas.openxmlformats.org/presentationml/2006/main">
+  <p:cSld>
+    <p:spTree>
+      <p:nvGrpSpPr>
+        <p:cNvPr id="1" name=""/>
+        <p:cNvGrpSpPr/>
+        <p:nvPr/>
+      </p:nvGrpSpPr>
+      <p:grpSpPr>
+        <a:xfrm>
+          <a:off x="0" y="0"/>
+          <a:ext cx="0" cy="0"/>
+          <a:chOff x="0" y="0"/>
+          <a:chExt cx="0" cy="0"/>
+        </a:xfrm>
+      </p:grpSpPr>
+      <p:sp>
+        <p:nvSpPr>
+          <p:cNvPr id="2" name="Title 1"/>
+          <p:cNvSpPr>
+            <a:spLocks noGrp="1"/>
+          </p:cNvSpPr>
+          <p:nvPr>
+            <p:ph type="title"/>
+          </p:nvPr>
+        </p:nvSpPr>
+        <p:spPr>
+          <a:xfrm>
+            <a:off x="1855305" y="624110"/>
+            <a:ext cx="10336696" cy="1280890"/>
+          </a:xfrm>
+        </p:spPr>
+        <p:txBody>
+          <a:bodyPr/>
+          <a:lstStyle/>
+          <a:p>
+            <a:r>
+              <a:rPr lang="en-US" dirty="0" smtClean="0"/>
+              <a:t>Non-linear (polynomial) </a:t>
+            </a:r>
+            <a:r>
+              <a:rPr lang="en-US" dirty="0"/>
+              <a:t>constraints </a:t>
+            </a:r>
+            <a:r>
+              <a:rPr lang="en-US" altLang="ja-JP" dirty="0" smtClean="0"/>
+              <a:t>over reals</a:t>
+            </a:r>
+            <a:endParaRPr lang="en-US" dirty="0"/>
+          </a:p>
+        </p:txBody>
+      </p:sp>
+      <p:sp>
+        <p:nvSpPr>
+          <p:cNvPr id="3" name="Content Placeholder 2"/>
+          <p:cNvSpPr>
+            <a:spLocks noGrp="1"/>
+          </p:cNvSpPr>
+          <p:nvPr>
+            <p:ph idx="1"/>
+          </p:nvPr>
+        </p:nvSpPr>
+        <p:spPr>
+          <a:xfrm>
+            <a:off x="1585175" y="2076450"/>
+            <a:ext cx="10515600" cy="4351338"/>
+          </a:xfrm>
+        </p:spPr>
+        <p:txBody>
+          <a:bodyPr>
+            <a:normAutofit/>
+          </a:bodyPr>
+          <a:lstStyle/>
+          <a:p>
+            <a:pPr marL="0" indent="0">
+              <a:buNone/>
+            </a:pPr>
+            <a:endParaRPr lang="en-US" sz="2400" dirty="0" smtClean="0"/>
+          </a:p>
+          <a:p>
+            <a:endParaRPr lang="en-US" sz="2400" dirty="0" smtClean="0"/>
+          </a:p>
+          <a:p>
+            <a:r>
+              <a:rPr lang="en-US" sz="2400" dirty="0" smtClean="0"/>
+              <a:t>If there exist an assignment of x, y that satisfies the constraints</a:t>
+            </a:r>
+            <a:r>
+              <a:rPr lang="en-US" sz="2400" dirty="0"/>
+              <a:t> </a:t>
+            </a:r>
+            <a:r>
+              <a:rPr lang="en-US" sz="2400" dirty="0" smtClean="0">
+                <a:sym typeface="Wingdings" panose="05000000000000000000" pitchFamily="2" charset="2"/>
+              </a:rPr>
+              <a:t> </a:t>
+            </a:r>
+            <a:br>
+              <a:rPr lang="en-US" sz="2400" dirty="0" smtClean="0">
+                <a:sym typeface="Wingdings" panose="05000000000000000000" pitchFamily="2" charset="2"/>
+              </a:rPr>
+            </a:br>
+            <a:r>
+              <a:rPr lang="en-US" sz="2400" dirty="0" err="1" smtClean="0">
+                <a:sym typeface="Wingdings" panose="05000000000000000000" pitchFamily="2" charset="2"/>
+              </a:rPr>
+              <a:t>satisfiable</a:t>
+            </a:r>
+            <a:r>
+              <a:rPr lang="en-US" sz="2400" dirty="0" smtClean="0">
+                <a:sym typeface="Wingdings" panose="05000000000000000000" pitchFamily="2" charset="2"/>
+              </a:rPr>
+              <a:t> (SAT).</a:t>
+            </a:r>
+          </a:p>
+          <a:p>
+            <a:r>
+              <a:rPr lang="en-US" sz="2400" dirty="0" smtClean="0">
+                <a:sym typeface="Wingdings" panose="05000000000000000000" pitchFamily="2" charset="2"/>
+              </a:rPr>
+              <a:t>Otherwise, </a:t>
+            </a:r>
+            <a:r>
+              <a:rPr lang="en-US" sz="2400" dirty="0" err="1" smtClean="0">
+                <a:sym typeface="Wingdings" panose="05000000000000000000" pitchFamily="2" charset="2"/>
+              </a:rPr>
+              <a:t>unsatisfiable</a:t>
+            </a:r>
+            <a:r>
+              <a:rPr lang="en-US" sz="2400" dirty="0" smtClean="0">
+                <a:sym typeface="Wingdings" panose="05000000000000000000" pitchFamily="2" charset="2"/>
+              </a:rPr>
+              <a:t> (UNSAT)</a:t>
+            </a:r>
+          </a:p>
+          <a:p>
+            <a:r>
+              <a:rPr lang="en-US" sz="2400" dirty="0"/>
+              <a:t>x = </a:t>
+            </a:r>
+            <a:r>
+              <a:rPr lang="en-US" sz="2400" dirty="0" smtClean="0"/>
+              <a:t>2.65219237745, y </a:t>
+            </a:r>
+            <a:r>
+              <a:rPr lang="en-US" sz="2400" dirty="0"/>
+              <a:t>= 2.34617027147</a:t>
+            </a:r>
+            <a:br>
+              <a:rPr lang="en-US" sz="2400" dirty="0"/>
+            </a:br>
+            <a:endParaRPr lang="en-US" sz="2400" dirty="0"/>
+          </a:p>
+        </p:txBody>
+      </p:sp>
+      <p:sp>
+        <p:nvSpPr>
+          <p:cNvPr id="4" name="Slide Number Placeholder 3"/>
+          <p:cNvSpPr>
+            <a:spLocks noGrp="1"/>
+          </p:cNvSpPr>
+          <p:nvPr>
+            <p:ph type="sldNum" sz="quarter" idx="12"/>
+          </p:nvPr>
+        </p:nvSpPr>
+        <p:spPr/>
+        <p:txBody>
+          <a:bodyPr/>
+          <a:lstStyle/>
+          <a:p>
+            <a:fld id="{9A0678A6-D03C-427C-87B3-2EDFDC71965B}" type="slidenum">
+              <a:rPr lang="en-US" smtClean="0"/>
+              <a:t>2</a:t>
+            </a:fld>
+            <a:endParaRPr lang="en-US"/>
+          </a:p>
+        </p:txBody>
+      </p:sp>
+      <p:pic>
+        <p:nvPicPr>
+          <p:cNvPr id="5" name="Picture 4"/>
+          <p:cNvPicPr>
+            <a:picLocks noChangeAspect="1"/>
+          </p:cNvPicPr>
+          <p:nvPr>
+            <p:custDataLst>
+              <p:tags r:id="rId1"/>
+            </p:custDataLst>
+          </p:nvPr>
+        </p:nvPicPr>
+        <p:blipFill>
+          <a:blip r:embed="rId3" cstate="print">
+            <a:extLst>
+              <a:ext uri="{28A0092B-C50C-407E-A947-70E740481C1C}">
+                <a14:useLocalDpi xmlns:a14="http://schemas.microsoft.com/office/drawing/2010/main" val="0"/>
+              </a:ext>
+            </a:extLst>
+          </a:blip>
+          <a:stretch>
+            <a:fillRect/>
+          </a:stretch>
+        </p:blipFill>
+        <p:spPr>
+          <a:xfrm>
+            <a:off x="2925314" y="2088256"/>
+            <a:ext cx="7320915" cy="342900"/>
+          </a:xfrm>
+          <a:prstGeom prst="rect">
+            <a:avLst/>
+          </a:prstGeom>
+        </p:spPr>
+      </p:pic>
+    </p:spTree>
+    <p:extLst>
+      <p:ext uri="{BB962C8B-B14F-4D97-AF65-F5344CB8AC3E}">
+        <p14:creationId xmlns:p14="http://schemas.microsoft.com/office/powerpoint/2010/main" val="1580357718"/>
+      </p:ext>
+    </p:extLst>
+  </p:cSld>
+  <p:clrMapOvr>
+    <a:masterClrMapping/>
+  </p:clrMapOvr>
+  <p:timing>
+    <p:tnLst>
+      <p:par>
+        <p:cTn id="1" dur="indefinite" restart="never" nodeType="tmRoot">
+          <p:childTnLst>
+            <p:seq concurrent="1" nextAc="seek">
+              <p:cTn id="2" dur="indefinite" nodeType="mainSeq">
+                <p:childTnLst>
+                  <p:par>
+                    <p:cTn id="3" fill="hold">
+                      <p:stCondLst>
+                        <p:cond delay="indefinite"/>
+                      </p:stCondLst>
+                      <p:childTnLst>
+                        <p:par>
+                          <p:cTn id="4" fill="hold">
+                            <p:stCondLst>
+                              <p:cond delay="0"/>
+                            </p:stCondLst>
+                            <p:childTnLst>
+                              <p:par>
+                                <p:cTn id="5" presetID="2" presetClass="entr" presetSubtype="4" fill="hold" nodeType="clickEffect">
+                                  <p:stCondLst>
+                                    <p:cond delay="0"/>
+                                  </p:stCondLst>
+                                  <p:childTnLst>
+                                    <p:set>
+                                      <p:cBhvr>
+                                        <p:cTn id="6" dur="1" fill="hold">
+                                          <p:stCondLst>
+                                            <p:cond delay="0"/>
+                                          </p:stCondLst>
+                                        </p:cTn>
+                                        <p:tgtEl>
+                                          <p:spTgt spid="3">
+                                            <p:txEl>
+                                              <p:pRg st="4" end="4"/>
+                                            </p:txEl>
+                                          </p:spTgt>
+                                        </p:tgtEl>
+                                        <p:attrNameLst>
+                                          <p:attrName>style.visibility</p:attrName>
+                                        </p:attrNameLst>
+                                      </p:cBhvr>
+                                      <p:to>
+                                        <p:strVal val="visible"/>
+                                      </p:to>
+                                    </p:set>
+                                    <p:anim calcmode="lin" valueType="num">
+                                      <p:cBhvr additive="base">
+                                        <p:cTn id="7" dur="500" fill="hold"/>
+                                        <p:tgtEl>
+                                          <p:spTgt spid="3">
+                                            <p:txEl>
+                                              <p:pRg st="4" end="4"/>
+                                            </p:txEl>
+                                          </p:spTgt>
+                                        </p:tgtEl>
+                                        <p:attrNameLst>
+                                          <p:attrName>ppt_x</p:attrName>
+                                        </p:attrNameLst>
+                                      </p:cBhvr>
+                                      <p:tavLst>
+                                        <p:tav tm="0">
+                                          <p:val>
+                                            <p:strVal val="#ppt_x"/>
+                                          </p:val>
+                                        </p:tav>
+                                        <p:tav tm="100000">
+                                          <p:val>
+                                            <p:strVal val="#ppt_x"/>
+                                          </p:val>
+                                        </p:tav>
+                                      </p:tavLst>
+                                    </p:anim>
+                                    <p:anim calcmode="lin" valueType="num">
+                                      <p:cBhvr additive="base">
+                                        <p:cTn id="8" dur="500" fill="hold"/>
+                                        <p:tgtEl>
+                                          <p:spTgt spid="3">
+                                            <p:txEl>
+                                              <p:pRg st="4" end="4"/>
+                                            </p:txEl>
+                                          </p:spTgt>
+                                        </p:tgtEl>
+                                        <p:attrNameLst>
+                                          <p:attrName>ppt_y</p:attrName>
+                                        </p:attrNameLst>
+                                      </p:cBhvr>
+                                      <p:tavLst>
+                                        <p:tav tm="0">
+                                          <p:val>
+                                            <p:strVal val="1+#ppt_h/2"/>
+                                          </p:val>
+                                        </p:tav>
+                                        <p:tav tm="100000">
+                                          <p:val>
+                                            <p:strVal val="#ppt_y"/>
+                                          </p:val>
+                                        </p:tav>
+                                      </p:tavLst>
+                                    </p:anim>
+                                  </p:childTnLst>
+                                </p:cTn>
+                              </p:par>
+                            </p:childTnLst>
+                          </p:cTn>
+                        </p:par>
+                      </p:childTnLst>
+                    </p:cTn>
+                  </p:par>
+                </p:childTnLst>
+              </p:cTn>
+              <p:prevCondLst>
+                <p:cond evt="onPrev" delay="0">
+                  <p:tgtEl>
+                    <p:sldTgt/>
+                  </p:tgtEl>
+                </p:cond>
+              </p:prevCondLst>
+              <p:nextCondLst>
+                <p:cond evt="onNext" delay="0">
+                  <p:tgtEl>
+                    <p:sldTgt/>
+                  </p:tgtEl>
+                </p:cond>
+              </p:nextCondLst>
+            </p:seq>
+          </p:childTnLst>
+        </p:cTn>
+      </p:par>
+    </p:tnLst>
+  </p:timing>
+</p:sld>
+</file>
+
+<file path=ppt/slides/slide20.xml><?xml version="1.0" encoding="utf-8"?>
+<p:sld xmlns:a="http://schemas.openxmlformats.org/drawingml/2006/main" xmlns:r="http://schemas.openxmlformats.org/officeDocument/2006/relationships" xmlns:p="http://schemas.openxmlformats.org/presentationml/2006/main">
+  <p:cSld>
+    <p:spTree>
+      <p:nvGrpSpPr>
+        <p:cNvPr id="1" name=""/>
+        <p:cNvGrpSpPr/>
+        <p:nvPr/>
+      </p:nvGrpSpPr>
+      <p:grpSpPr>
+        <a:xfrm>
+          <a:off x="0" y="0"/>
+          <a:ext cx="0" cy="0"/>
+          <a:chOff x="0" y="0"/>
+          <a:chExt cx="0" cy="0"/>
+        </a:xfrm>
+      </p:grpSpPr>
+      <p:sp>
+        <p:nvSpPr>
+          <p:cNvPr id="2" name="Title 1"/>
+          <p:cNvSpPr>
+            <a:spLocks noGrp="1"/>
+          </p:cNvSpPr>
+          <p:nvPr>
+            <p:ph type="title"/>
+          </p:nvPr>
+        </p:nvSpPr>
+        <p:spPr/>
+        <p:txBody>
+          <a:bodyPr/>
+          <a:lstStyle/>
+          <a:p>
+            <a:r>
+              <a:rPr lang="en-US" dirty="0" smtClean="0"/>
+              <a:t>Experiments</a:t>
+            </a:r>
+            <a:endParaRPr lang="en-US" dirty="0"/>
+          </a:p>
+        </p:txBody>
+      </p:sp>
+      <p:sp>
+        <p:nvSpPr>
+          <p:cNvPr id="3" name="Content Placeholder 2"/>
+          <p:cNvSpPr>
+            <a:spLocks noGrp="1"/>
+          </p:cNvSpPr>
+          <p:nvPr>
+            <p:ph idx="1"/>
+          </p:nvPr>
+        </p:nvSpPr>
+        <p:spPr>
+          <a:xfrm>
+            <a:off x="1661375" y="1622738"/>
+            <a:ext cx="9843237" cy="4288484"/>
+          </a:xfrm>
+        </p:spPr>
+        <p:txBody>
+          <a:bodyPr>
+            <a:normAutofit/>
+          </a:bodyPr>
+          <a:lstStyle/>
+          <a:p>
+            <a:r>
+              <a:rPr lang="en-US" sz="2400" dirty="0" err="1"/>
+              <a:t>Meti-Tarski</a:t>
+            </a:r>
+            <a:r>
+              <a:rPr lang="en-US" sz="2400" dirty="0"/>
+              <a:t> contains 5101 inequalities among </a:t>
+            </a:r>
+            <a:r>
+              <a:rPr lang="en-US" sz="2400" dirty="0" smtClean="0"/>
+              <a:t>7713:</a:t>
+            </a:r>
+          </a:p>
+          <a:p>
+            <a:pPr lvl="1"/>
+            <a:r>
+              <a:rPr lang="en-US" sz="2400" dirty="0" smtClean="0"/>
+              <a:t>taken </a:t>
+            </a:r>
+            <a:r>
+              <a:rPr lang="en-US" sz="2400" dirty="0"/>
+              <a:t>from </a:t>
+            </a:r>
+            <a:r>
+              <a:rPr lang="en-US" sz="2400" dirty="0" smtClean="0"/>
+              <a:t>elementary physics.</a:t>
+            </a:r>
+          </a:p>
+          <a:p>
+            <a:pPr lvl="1"/>
+            <a:r>
+              <a:rPr lang="en-US" sz="2400" dirty="0"/>
+              <a:t>small </a:t>
+            </a:r>
+            <a:r>
+              <a:rPr lang="en-US" sz="2400" dirty="0" smtClean="0"/>
+              <a:t>problems: </a:t>
+            </a:r>
+            <a:r>
+              <a:rPr lang="en-US" sz="2400" dirty="0"/>
+              <a:t>up to 8 </a:t>
+            </a:r>
+            <a:r>
+              <a:rPr lang="en-US" sz="2400" dirty="0" err="1"/>
+              <a:t>varaibles</a:t>
+            </a:r>
+            <a:r>
+              <a:rPr lang="en-US" sz="2400" dirty="0"/>
+              <a:t> (mostly up to </a:t>
+            </a:r>
+            <a:r>
+              <a:rPr lang="en-US" sz="2400" dirty="0" smtClean="0"/>
+              <a:t>5 variables</a:t>
+            </a:r>
+            <a:r>
+              <a:rPr lang="en-US" sz="2400" dirty="0"/>
+              <a:t>), and up to 20 APIs.</a:t>
+            </a:r>
+          </a:p>
+        </p:txBody>
+      </p:sp>
+      <p:sp>
+        <p:nvSpPr>
+          <p:cNvPr id="4" name="Slide Number Placeholder 3"/>
+          <p:cNvSpPr>
+            <a:spLocks noGrp="1"/>
+          </p:cNvSpPr>
+          <p:nvPr>
+            <p:ph type="sldNum" sz="quarter" idx="12"/>
+          </p:nvPr>
+        </p:nvSpPr>
+        <p:spPr/>
+        <p:txBody>
+          <a:bodyPr/>
+          <a:lstStyle/>
+          <a:p>
+            <a:fld id="{9A0678A6-D03C-427C-87B3-2EDFDC71965B}" type="slidenum">
+              <a:rPr lang="en-US" smtClean="0"/>
+              <a:t>20</a:t>
             </a:fld>
             <a:endParaRPr lang="en-US"/>
           </a:p>
@@ -11264,7 +13194,7 @@
 </p:sld>
 </file>
 
-<file path=ppt/slides/slide2.xml><?xml version="1.0" encoding="utf-8"?>
+<file path=ppt/slides/slide21.xml><?xml version="1.0" encoding="utf-8"?>
 <p:sld xmlns:a="http://schemas.openxmlformats.org/drawingml/2006/main" xmlns:r="http://schemas.openxmlformats.org/officeDocument/2006/relationships" xmlns:p="http://schemas.openxmlformats.org/presentationml/2006/main">
   <p:cSld>
     <p:spTree>
@@ -11291,27 +13221,14 @@
             <p:ph type="title"/>
           </p:nvPr>
         </p:nvSpPr>
-        <p:spPr>
-          <a:xfrm>
-            <a:off x="1855305" y="624110"/>
-            <a:ext cx="10336696" cy="1280890"/>
-          </a:xfrm>
-        </p:spPr>
+        <p:spPr/>
         <p:txBody>
           <a:bodyPr/>
           <a:lstStyle/>
           <a:p>
             <a:r>
               <a:rPr lang="en-US" dirty="0" smtClean="0"/>
-              <a:t>Non-linear (polynomial) </a:t>
-            </a:r>
-            <a:r>
-              <a:rPr lang="en-US" dirty="0"/>
-              <a:t>constraints </a:t>
-            </a:r>
-            <a:r>
-              <a:rPr lang="en-US" altLang="ja-JP" dirty="0" smtClean="0"/>
-              <a:t>over reals</a:t>
+              <a:t>Extend for QF_NIA</a:t>
             </a:r>
             <a:endParaRPr lang="en-US" dirty="0"/>
           </a:p>
@@ -11329,8 +13246,8 @@
         </p:nvSpPr>
         <p:spPr>
           <a:xfrm>
-            <a:off x="1585175" y="2076450"/>
-            <a:ext cx="10515600" cy="4351338"/>
+            <a:off x="1524000" y="1524000"/>
+            <a:ext cx="10177670" cy="4744278"/>
           </a:xfrm>
         </p:spPr>
         <p:txBody>
@@ -11339,84 +13256,87 @@
           </a:bodyPr>
           <a:lstStyle/>
           <a:p>
-            <a:pPr marL="0" indent="0">
-              <a:buNone/>
-            </a:pPr>
-            <a:endParaRPr lang="en-US" sz="2400" dirty="0" smtClean="0"/>
-          </a:p>
-          <a:p>
-            <a:endParaRPr lang="en-US" sz="2400" dirty="0" smtClean="0"/>
-          </a:p>
-          <a:p>
             <a:r>
               <a:rPr lang="en-US" sz="2400" dirty="0" smtClean="0"/>
-              <a:t>If there exist an assignment of x, y that satisfies the constraints</a:t>
-            </a:r>
-            <a:r>
-              <a:rPr lang="en-US" sz="2400" dirty="0"/>
-              <a:t> </a:t>
+              <a:t>Current approaches:</a:t>
+            </a:r>
+          </a:p>
+          <a:p>
+            <a:pPr lvl="1"/>
+            <a:r>
+              <a:rPr lang="en-US" sz="2400" dirty="0" smtClean="0"/>
+              <a:t>Bit blasting: suffers with high degree of polynomials.</a:t>
+            </a:r>
+          </a:p>
+          <a:p>
+            <a:pPr lvl="1"/>
+            <a:r>
+              <a:rPr lang="en-US" sz="2400" dirty="0" smtClean="0"/>
+              <a:t>Linearization: </a:t>
+            </a:r>
+          </a:p>
+          <a:p>
+            <a:pPr lvl="2"/>
+            <a:r>
+              <a:rPr lang="en-US" sz="2400" dirty="0" smtClean="0"/>
+              <a:t>Bit-blast one operand of a multiplication.</a:t>
+            </a:r>
+          </a:p>
+          <a:p>
+            <a:r>
+              <a:rPr lang="en-US" sz="2400" dirty="0" smtClean="0"/>
+              <a:t>Can be solved by </a:t>
+            </a:r>
+            <a:r>
+              <a:rPr lang="en-US" sz="2400" dirty="0" err="1" smtClean="0"/>
+              <a:t>raSAT</a:t>
+            </a:r>
+            <a:r>
+              <a:rPr lang="en-US" sz="2400" dirty="0" smtClean="0"/>
+              <a:t>:</a:t>
+            </a:r>
+          </a:p>
+          <a:p>
+            <a:pPr lvl="1"/>
+            <a:r>
+              <a:rPr lang="en-US" sz="2400" dirty="0" smtClean="0"/>
+              <a:t>Decomposition: </a:t>
             </a:r>
             <a:r>
               <a:rPr lang="en-US" sz="2400" dirty="0" smtClean="0">
-                <a:sym typeface="Wingdings" panose="05000000000000000000" pitchFamily="2" charset="2"/>
+                <a:solidFill>
+                  <a:srgbClr val="FF0000"/>
+                </a:solidFill>
               </a:rPr>
-              <a:t> </a:t>
-            </a:r>
-            <a:br>
-              <a:rPr lang="en-US" sz="2400" dirty="0" smtClean="0">
-                <a:sym typeface="Wingdings" panose="05000000000000000000" pitchFamily="2" charset="2"/>
+              <a:t>Stop</a:t>
+            </a:r>
+            <a:r>
+              <a:rPr lang="en-US" sz="2400" dirty="0" smtClean="0"/>
+              <a:t> when length of interval is </a:t>
+            </a:r>
+            <a:r>
+              <a:rPr lang="en-US" sz="2400" b="1" dirty="0" smtClean="0">
+                <a:solidFill>
+                  <a:srgbClr val="FF0000"/>
+                </a:solidFill>
               </a:rPr>
-            </a:br>
-            <a:r>
-              <a:rPr lang="en-US" sz="2400" dirty="0" err="1" smtClean="0">
-                <a:sym typeface="Wingdings" panose="05000000000000000000" pitchFamily="2" charset="2"/>
-              </a:rPr>
-              <a:t>satisfiable</a:t>
-            </a:r>
-            <a:r>
-              <a:rPr lang="en-US" sz="2400" dirty="0" smtClean="0">
-                <a:sym typeface="Wingdings" panose="05000000000000000000" pitchFamily="2" charset="2"/>
-              </a:rPr>
-              <a:t> (SAT).</a:t>
-            </a:r>
-          </a:p>
-          <a:p>
-            <a:r>
-              <a:rPr lang="en-US" sz="2400" dirty="0" smtClean="0">
-                <a:sym typeface="Wingdings" panose="05000000000000000000" pitchFamily="2" charset="2"/>
-              </a:rPr>
-              <a:t>Otherwise, </a:t>
-            </a:r>
-            <a:r>
-              <a:rPr lang="en-US" sz="2400" dirty="0" err="1" smtClean="0">
-                <a:sym typeface="Wingdings" panose="05000000000000000000" pitchFamily="2" charset="2"/>
-              </a:rPr>
-              <a:t>unsatisfiable</a:t>
-            </a:r>
-            <a:r>
-              <a:rPr lang="en-US" sz="2400" dirty="0" smtClean="0">
-                <a:sym typeface="Wingdings" panose="05000000000000000000" pitchFamily="2" charset="2"/>
-              </a:rPr>
-              <a:t> (UNSAT)</a:t>
-            </a:r>
-          </a:p>
-          <a:p>
-            <a:r>
-              <a:rPr lang="en-US" sz="2400" dirty="0"/>
-              <a:t>x = </a:t>
-            </a:r>
+              <a:t>1</a:t>
+            </a:r>
+          </a:p>
+          <a:p>
+            <a:pPr lvl="1"/>
             <a:r>
               <a:rPr lang="en-US" sz="2400" dirty="0" smtClean="0"/>
-              <a:t>2.65219237745, y </a:t>
-            </a:r>
-            <a:r>
-              <a:rPr lang="en-US" sz="2400" dirty="0"/>
-              <a:t>= 2.34617027147</a:t>
-            </a:r>
-            <a:br>
-              <a:rPr lang="en-US" sz="2400" dirty="0"/>
-            </a:br>
-            <a:endParaRPr lang="en-US" sz="2400" dirty="0"/>
+              <a:t>Generate </a:t>
+            </a:r>
+            <a:r>
+              <a:rPr lang="en-US" sz="2400" b="1" dirty="0" smtClean="0"/>
+              <a:t>integer</a:t>
+            </a:r>
+            <a:r>
+              <a:rPr lang="en-US" sz="2400" dirty="0" smtClean="0"/>
+              <a:t> test cases.</a:t>
+            </a:r>
           </a:p>
         </p:txBody>
       </p:sp>
@@ -11437,356 +13357,7 @@
           <a:p>
             <a:fld id="{9A0678A6-D03C-427C-87B3-2EDFDC71965B}" type="slidenum">
               <a:rPr lang="en-US" smtClean="0"/>
-              <a:t>2</a:t>
-            </a:fld>
-            <a:endParaRPr lang="en-US"/>
-          </a:p>
-        </p:txBody>
-      </p:sp>
-      <p:pic>
-        <p:nvPicPr>
-          <p:cNvPr id="5" name="Picture 4"/>
-          <p:cNvPicPr>
-            <a:picLocks noChangeAspect="1"/>
-          </p:cNvPicPr>
-          <p:nvPr>
-            <p:custDataLst>
-              <p:tags r:id="rId1"/>
-            </p:custDataLst>
-          </p:nvPr>
-        </p:nvPicPr>
-        <p:blipFill>
-          <a:blip r:embed="rId3" cstate="print">
-            <a:extLst>
-              <a:ext uri="{28A0092B-C50C-407E-A947-70E740481C1C}">
-                <a14:useLocalDpi xmlns:a14="http://schemas.microsoft.com/office/drawing/2010/main" val="0"/>
-              </a:ext>
-            </a:extLst>
-          </a:blip>
-          <a:stretch>
-            <a:fillRect/>
-          </a:stretch>
-        </p:blipFill>
-        <p:spPr>
-          <a:xfrm>
-            <a:off x="2925314" y="2088256"/>
-            <a:ext cx="7320915" cy="342900"/>
-          </a:xfrm>
-          <a:prstGeom prst="rect">
-            <a:avLst/>
-          </a:prstGeom>
-        </p:spPr>
-      </p:pic>
-    </p:spTree>
-    <p:extLst>
-      <p:ext uri="{BB962C8B-B14F-4D97-AF65-F5344CB8AC3E}">
-        <p14:creationId xmlns:p14="http://schemas.microsoft.com/office/powerpoint/2010/main" val="1580357718"/>
-      </p:ext>
-    </p:extLst>
-  </p:cSld>
-  <p:clrMapOvr>
-    <a:masterClrMapping/>
-  </p:clrMapOvr>
-  <p:timing>
-    <p:tnLst>
-      <p:par>
-        <p:cTn id="1" dur="indefinite" restart="never" nodeType="tmRoot">
-          <p:childTnLst>
-            <p:seq concurrent="1" nextAc="seek">
-              <p:cTn id="2" dur="indefinite" nodeType="mainSeq">
-                <p:childTnLst>
-                  <p:par>
-                    <p:cTn id="3" fill="hold">
-                      <p:stCondLst>
-                        <p:cond delay="indefinite"/>
-                      </p:stCondLst>
-                      <p:childTnLst>
-                        <p:par>
-                          <p:cTn id="4" fill="hold">
-                            <p:stCondLst>
-                              <p:cond delay="0"/>
-                            </p:stCondLst>
-                            <p:childTnLst>
-                              <p:par>
-                                <p:cTn id="5" presetID="2" presetClass="entr" presetSubtype="4" fill="hold" nodeType="clickEffect">
-                                  <p:stCondLst>
-                                    <p:cond delay="0"/>
-                                  </p:stCondLst>
-                                  <p:childTnLst>
-                                    <p:set>
-                                      <p:cBhvr>
-                                        <p:cTn id="6" dur="1" fill="hold">
-                                          <p:stCondLst>
-                                            <p:cond delay="0"/>
-                                          </p:stCondLst>
-                                        </p:cTn>
-                                        <p:tgtEl>
-                                          <p:spTgt spid="3">
-                                            <p:txEl>
-                                              <p:pRg st="4" end="4"/>
-                                            </p:txEl>
-                                          </p:spTgt>
-                                        </p:tgtEl>
-                                        <p:attrNameLst>
-                                          <p:attrName>style.visibility</p:attrName>
-                                        </p:attrNameLst>
-                                      </p:cBhvr>
-                                      <p:to>
-                                        <p:strVal val="visible"/>
-                                      </p:to>
-                                    </p:set>
-                                    <p:anim calcmode="lin" valueType="num">
-                                      <p:cBhvr additive="base">
-                                        <p:cTn id="7" dur="500" fill="hold"/>
-                                        <p:tgtEl>
-                                          <p:spTgt spid="3">
-                                            <p:txEl>
-                                              <p:pRg st="4" end="4"/>
-                                            </p:txEl>
-                                          </p:spTgt>
-                                        </p:tgtEl>
-                                        <p:attrNameLst>
-                                          <p:attrName>ppt_x</p:attrName>
-                                        </p:attrNameLst>
-                                      </p:cBhvr>
-                                      <p:tavLst>
-                                        <p:tav tm="0">
-                                          <p:val>
-                                            <p:strVal val="#ppt_x"/>
-                                          </p:val>
-                                        </p:tav>
-                                        <p:tav tm="100000">
-                                          <p:val>
-                                            <p:strVal val="#ppt_x"/>
-                                          </p:val>
-                                        </p:tav>
-                                      </p:tavLst>
-                                    </p:anim>
-                                    <p:anim calcmode="lin" valueType="num">
-                                      <p:cBhvr additive="base">
-                                        <p:cTn id="8" dur="500" fill="hold"/>
-                                        <p:tgtEl>
-                                          <p:spTgt spid="3">
-                                            <p:txEl>
-                                              <p:pRg st="4" end="4"/>
-                                            </p:txEl>
-                                          </p:spTgt>
-                                        </p:tgtEl>
-                                        <p:attrNameLst>
-                                          <p:attrName>ppt_y</p:attrName>
-                                        </p:attrNameLst>
-                                      </p:cBhvr>
-                                      <p:tavLst>
-                                        <p:tav tm="0">
-                                          <p:val>
-                                            <p:strVal val="1+#ppt_h/2"/>
-                                          </p:val>
-                                        </p:tav>
-                                        <p:tav tm="100000">
-                                          <p:val>
-                                            <p:strVal val="#ppt_y"/>
-                                          </p:val>
-                                        </p:tav>
-                                      </p:tavLst>
-                                    </p:anim>
-                                  </p:childTnLst>
-                                </p:cTn>
-                              </p:par>
-                            </p:childTnLst>
-                          </p:cTn>
-                        </p:par>
-                      </p:childTnLst>
-                    </p:cTn>
-                  </p:par>
-                </p:childTnLst>
-              </p:cTn>
-              <p:prevCondLst>
-                <p:cond evt="onPrev" delay="0">
-                  <p:tgtEl>
-                    <p:sldTgt/>
-                  </p:tgtEl>
-                </p:cond>
-              </p:prevCondLst>
-              <p:nextCondLst>
-                <p:cond evt="onNext" delay="0">
-                  <p:tgtEl>
-                    <p:sldTgt/>
-                  </p:tgtEl>
-                </p:cond>
-              </p:nextCondLst>
-            </p:seq>
-          </p:childTnLst>
-        </p:cTn>
-      </p:par>
-    </p:tnLst>
-  </p:timing>
-</p:sld>
-</file>
-
-<file path=ppt/slides/slide20.xml><?xml version="1.0" encoding="utf-8"?>
-<p:sld xmlns:a="http://schemas.openxmlformats.org/drawingml/2006/main" xmlns:r="http://schemas.openxmlformats.org/officeDocument/2006/relationships" xmlns:p="http://schemas.openxmlformats.org/presentationml/2006/main">
-  <p:cSld>
-    <p:spTree>
-      <p:nvGrpSpPr>
-        <p:cNvPr id="1" name=""/>
-        <p:cNvGrpSpPr/>
-        <p:nvPr/>
-      </p:nvGrpSpPr>
-      <p:grpSpPr>
-        <a:xfrm>
-          <a:off x="0" y="0"/>
-          <a:ext cx="0" cy="0"/>
-          <a:chOff x="0" y="0"/>
-          <a:chExt cx="0" cy="0"/>
-        </a:xfrm>
-      </p:grpSpPr>
-      <p:sp>
-        <p:nvSpPr>
-          <p:cNvPr id="2" name="Title 1"/>
-          <p:cNvSpPr>
-            <a:spLocks noGrp="1"/>
-          </p:cNvSpPr>
-          <p:nvPr>
-            <p:ph type="title"/>
-          </p:nvPr>
-        </p:nvSpPr>
-        <p:spPr/>
-        <p:txBody>
-          <a:bodyPr/>
-          <a:lstStyle/>
-          <a:p>
-            <a:r>
-              <a:rPr lang="en-US" dirty="0" smtClean="0"/>
-              <a:t>Extend for QF_NIA</a:t>
-            </a:r>
-            <a:endParaRPr lang="en-US" dirty="0"/>
-          </a:p>
-        </p:txBody>
-      </p:sp>
-      <p:sp>
-        <p:nvSpPr>
-          <p:cNvPr id="3" name="Content Placeholder 2"/>
-          <p:cNvSpPr>
-            <a:spLocks noGrp="1"/>
-          </p:cNvSpPr>
-          <p:nvPr>
-            <p:ph idx="1"/>
-          </p:nvPr>
-        </p:nvSpPr>
-        <p:spPr>
-          <a:xfrm>
-            <a:off x="1524000" y="1524000"/>
-            <a:ext cx="10177670" cy="4744278"/>
-          </a:xfrm>
-        </p:spPr>
-        <p:txBody>
-          <a:bodyPr>
-            <a:normAutofit/>
-          </a:bodyPr>
-          <a:lstStyle/>
-          <a:p>
-            <a:r>
-              <a:rPr lang="en-US" sz="2400" dirty="0" smtClean="0"/>
-              <a:t>Current approaches:</a:t>
-            </a:r>
-          </a:p>
-          <a:p>
-            <a:pPr lvl="1"/>
-            <a:r>
-              <a:rPr lang="en-US" sz="2400" dirty="0" smtClean="0"/>
-              <a:t>Bit blasting: suffers with high degree of polynomials.</a:t>
-            </a:r>
-          </a:p>
-          <a:p>
-            <a:pPr lvl="1"/>
-            <a:r>
-              <a:rPr lang="en-US" sz="2400" dirty="0" smtClean="0"/>
-              <a:t>Linearization: </a:t>
-            </a:r>
-          </a:p>
-          <a:p>
-            <a:pPr lvl="2"/>
-            <a:r>
-              <a:rPr lang="en-US" sz="2400" dirty="0" smtClean="0"/>
-              <a:t>Bit-blast one operand of a multiplication.</a:t>
-            </a:r>
-          </a:p>
-          <a:p>
-            <a:r>
-              <a:rPr lang="en-US" sz="2400" dirty="0" smtClean="0"/>
-              <a:t>Can be solved by </a:t>
-            </a:r>
-            <a:r>
-              <a:rPr lang="en-US" sz="2400" dirty="0" err="1" smtClean="0"/>
-              <a:t>raSAT</a:t>
-            </a:r>
-            <a:r>
-              <a:rPr lang="en-US" sz="2400" dirty="0" smtClean="0"/>
-              <a:t>:</a:t>
-            </a:r>
-          </a:p>
-          <a:p>
-            <a:pPr lvl="1"/>
-            <a:r>
-              <a:rPr lang="en-US" sz="2400" dirty="0" smtClean="0"/>
-              <a:t>Decomposition: </a:t>
-            </a:r>
-            <a:r>
-              <a:rPr lang="en-US" sz="2400" dirty="0" smtClean="0">
-                <a:solidFill>
-                  <a:srgbClr val="FF0000"/>
-                </a:solidFill>
-              </a:rPr>
-              <a:t>Stop</a:t>
-            </a:r>
-            <a:r>
-              <a:rPr lang="en-US" sz="2400" dirty="0" smtClean="0"/>
-              <a:t> when length of interval is </a:t>
-            </a:r>
-            <a:r>
-              <a:rPr lang="en-US" sz="2400" b="1" dirty="0" smtClean="0">
-                <a:solidFill>
-                  <a:srgbClr val="FF0000"/>
-                </a:solidFill>
-              </a:rPr>
-              <a:t>1</a:t>
-            </a:r>
-          </a:p>
-          <a:p>
-            <a:pPr lvl="1"/>
-            <a:r>
-              <a:rPr lang="en-US" sz="2400" dirty="0" smtClean="0"/>
-              <a:t>Generate </a:t>
-            </a:r>
-            <a:r>
-              <a:rPr lang="en-US" sz="2400" b="1" dirty="0" smtClean="0"/>
-              <a:t>integer</a:t>
-            </a:r>
-            <a:r>
-              <a:rPr lang="en-US" sz="2400" dirty="0" smtClean="0"/>
-              <a:t> test cases.</a:t>
-            </a:r>
-          </a:p>
-        </p:txBody>
-      </p:sp>
-      <p:sp>
-        <p:nvSpPr>
-          <p:cNvPr id="4" name="Slide Number Placeholder 3"/>
-          <p:cNvSpPr>
-            <a:spLocks noGrp="1"/>
-          </p:cNvSpPr>
-          <p:nvPr>
-            <p:ph type="sldNum" sz="quarter" idx="12"/>
-          </p:nvPr>
-        </p:nvSpPr>
-        <p:spPr/>
-        <p:txBody>
-          <a:bodyPr/>
-          <a:lstStyle/>
-          <a:p>
-            <a:fld id="{9A0678A6-D03C-427C-87B3-2EDFDC71965B}" type="slidenum">
-              <a:rPr lang="en-US" smtClean="0"/>
-              <a:t>20</a:t>
+              <a:t>21</a:t>
             </a:fld>
             <a:endParaRPr lang="en-US"/>
           </a:p>
@@ -11812,7 +13383,7 @@
 </p:sld>
 </file>
 
-<file path=ppt/slides/slide21.xml><?xml version="1.0" encoding="utf-8"?>
+<file path=ppt/slides/slide22.xml><?xml version="1.0" encoding="utf-8"?>
 <p:sld xmlns:a="http://schemas.openxmlformats.org/drawingml/2006/main" xmlns:r="http://schemas.openxmlformats.org/officeDocument/2006/relationships" xmlns:p="http://schemas.openxmlformats.org/presentationml/2006/main">
   <p:cSld>
     <p:spTree>
@@ -12111,7 +13682,7 @@
           <a:p>
             <a:fld id="{9A0678A6-D03C-427C-87B3-2EDFDC71965B}" type="slidenum">
               <a:rPr lang="en-US" smtClean="0"/>
-              <a:t>21</a:t>
+              <a:t>22</a:t>
             </a:fld>
             <a:endParaRPr lang="en-US"/>
           </a:p>
@@ -12230,137 +13801,6 @@
     <p:extLst>
       <p:ext uri="{BB962C8B-B14F-4D97-AF65-F5344CB8AC3E}">
         <p14:creationId xmlns:p14="http://schemas.microsoft.com/office/powerpoint/2010/main" val="210820528"/>
-      </p:ext>
-    </p:extLst>
-  </p:cSld>
-  <p:clrMapOvr>
-    <a:masterClrMapping/>
-  </p:clrMapOvr>
-  <p:timing>
-    <p:tnLst>
-      <p:par>
-        <p:cTn id="1" dur="indefinite" restart="never" nodeType="tmRoot"/>
-      </p:par>
-    </p:tnLst>
-  </p:timing>
-</p:sld>
-</file>
-
-<file path=ppt/slides/slide22.xml><?xml version="1.0" encoding="utf-8"?>
-<p:sld xmlns:a="http://schemas.openxmlformats.org/drawingml/2006/main" xmlns:r="http://schemas.openxmlformats.org/officeDocument/2006/relationships" xmlns:p="http://schemas.openxmlformats.org/presentationml/2006/main">
-  <p:cSld>
-    <p:spTree>
-      <p:nvGrpSpPr>
-        <p:cNvPr id="1" name=""/>
-        <p:cNvGrpSpPr/>
-        <p:nvPr/>
-      </p:nvGrpSpPr>
-      <p:grpSpPr>
-        <a:xfrm>
-          <a:off x="0" y="0"/>
-          <a:ext cx="0" cy="0"/>
-          <a:chOff x="0" y="0"/>
-          <a:chExt cx="0" cy="0"/>
-        </a:xfrm>
-      </p:grpSpPr>
-      <p:sp>
-        <p:nvSpPr>
-          <p:cNvPr id="2" name="Title 1"/>
-          <p:cNvSpPr>
-            <a:spLocks noGrp="1"/>
-          </p:cNvSpPr>
-          <p:nvPr>
-            <p:ph type="title"/>
-          </p:nvPr>
-        </p:nvSpPr>
-        <p:spPr/>
-        <p:txBody>
-          <a:bodyPr/>
-          <a:lstStyle/>
-          <a:p>
-            <a:r>
-              <a:rPr lang="en-US" dirty="0" smtClean="0"/>
-              <a:t>Future work</a:t>
-            </a:r>
-            <a:endParaRPr lang="en-US" dirty="0"/>
-          </a:p>
-        </p:txBody>
-      </p:sp>
-      <p:sp>
-        <p:nvSpPr>
-          <p:cNvPr id="3" name="Content Placeholder 2"/>
-          <p:cNvSpPr>
-            <a:spLocks noGrp="1"/>
-          </p:cNvSpPr>
-          <p:nvPr>
-            <p:ph idx="1"/>
-          </p:nvPr>
-        </p:nvSpPr>
-        <p:spPr/>
-        <p:txBody>
-          <a:bodyPr>
-            <a:normAutofit/>
-          </a:bodyPr>
-          <a:lstStyle/>
-          <a:p>
-            <a:r>
-              <a:rPr lang="en-US" sz="2400" dirty="0" smtClean="0"/>
-              <a:t>UNSAT core.</a:t>
-            </a:r>
-          </a:p>
-          <a:p>
-            <a:r>
-              <a:rPr lang="en-US" sz="2400" dirty="0" smtClean="0"/>
-              <a:t>How to generate test cases.</a:t>
-            </a:r>
-          </a:p>
-          <a:p>
-            <a:r>
-              <a:rPr lang="en-US" sz="2400" dirty="0" smtClean="0"/>
-              <a:t>How to decompose an interval.</a:t>
-            </a:r>
-          </a:p>
-          <a:p>
-            <a:r>
-              <a:rPr lang="en-US" sz="2400" dirty="0" smtClean="0"/>
-              <a:t>Equality handling.</a:t>
-            </a:r>
-          </a:p>
-          <a:p>
-            <a:r>
-              <a:rPr lang="en-US" sz="2400" dirty="0" smtClean="0"/>
-              <a:t>Confirmation of UNSAT.</a:t>
-            </a:r>
-          </a:p>
-        </p:txBody>
-      </p:sp>
-      <p:sp>
-        <p:nvSpPr>
-          <p:cNvPr id="4" name="Slide Number Placeholder 3"/>
-          <p:cNvSpPr>
-            <a:spLocks noGrp="1"/>
-          </p:cNvSpPr>
-          <p:nvPr>
-            <p:ph type="sldNum" sz="quarter" idx="12"/>
-          </p:nvPr>
-        </p:nvSpPr>
-        <p:spPr/>
-        <p:txBody>
-          <a:bodyPr/>
-          <a:lstStyle/>
-          <a:p>
-            <a:fld id="{9A0678A6-D03C-427C-87B3-2EDFDC71965B}" type="slidenum">
-              <a:rPr lang="en-US" smtClean="0"/>
-              <a:t>22</a:t>
-            </a:fld>
-            <a:endParaRPr lang="en-US"/>
-          </a:p>
-        </p:txBody>
-      </p:sp>
-    </p:spTree>
-    <p:extLst>
-      <p:ext uri="{BB962C8B-B14F-4D97-AF65-F5344CB8AC3E}">
-        <p14:creationId xmlns:p14="http://schemas.microsoft.com/office/powerpoint/2010/main" val="4263812150"/>
       </p:ext>
     </p:extLst>
   </p:cSld>
@@ -12410,8 +13850,8 @@
           <a:lstStyle/>
           <a:p>
             <a:r>
-              <a:rPr lang="en-US" dirty="0" err="1" smtClean="0"/>
-              <a:t>raSAT</a:t>
+              <a:rPr lang="en-US" dirty="0" smtClean="0"/>
+              <a:t>Future work</a:t>
             </a:r>
             <a:endParaRPr lang="en-US" dirty="0"/>
           </a:p>
@@ -12427,12 +13867,7 @@
             <p:ph idx="1"/>
           </p:nvPr>
         </p:nvSpPr>
-        <p:spPr>
-          <a:xfrm>
-            <a:off x="1913709" y="2156096"/>
-            <a:ext cx="8915400" cy="3777622"/>
-          </a:xfrm>
-        </p:spPr>
+        <p:spPr/>
         <p:txBody>
           <a:bodyPr>
             <a:normAutofit/>
@@ -12440,32 +13875,32 @@
           <a:lstStyle/>
           <a:p>
             <a:r>
-              <a:rPr lang="en-US" sz="2400" dirty="0"/>
-              <a:t>Downloadable from </a:t>
-            </a:r>
-            <a:r>
-              <a:rPr lang="en-US" sz="2400" b="1" dirty="0"/>
-              <a:t>http://www.jaist.ac.jp/~mizuhito/tools/rasat.html</a:t>
-            </a:r>
-          </a:p>
-          <a:p>
-            <a:r>
               <a:rPr lang="en-US" sz="2400" dirty="0" smtClean="0"/>
-              <a:t>Participated in SMT-COMP 2014: 4</a:t>
-            </a:r>
-            <a:r>
-              <a:rPr lang="en-US" sz="2400" baseline="30000" dirty="0" smtClean="0"/>
-              <a:t>th</a:t>
-            </a:r>
+              <a:t>UNSAT core.</a:t>
+            </a:r>
+          </a:p>
+          <a:p>
             <a:r>
               <a:rPr lang="en-US" sz="2400" dirty="0" smtClean="0"/>
-              <a:t> over 4 solvers of QF_NRA.</a:t>
+              <a:t>How to generate test cases.</a:t>
             </a:r>
           </a:p>
           <a:p>
             <a:r>
               <a:rPr lang="en-US" sz="2400" dirty="0" smtClean="0"/>
-              <a:t>Submitted to TACAS 2015</a:t>
+              <a:t>How to decompose an interval.</a:t>
+            </a:r>
+          </a:p>
+          <a:p>
+            <a:r>
+              <a:rPr lang="en-US" sz="2400" dirty="0" smtClean="0"/>
+              <a:t>Equality handling.</a:t>
+            </a:r>
+          </a:p>
+          <a:p>
+            <a:r>
+              <a:rPr lang="en-US" sz="2400" dirty="0" smtClean="0"/>
+              <a:t>Confirmation of UNSAT.</a:t>
             </a:r>
           </a:p>
         </p:txBody>
@@ -12496,7 +13931,7 @@
     </p:spTree>
     <p:extLst>
       <p:ext uri="{BB962C8B-B14F-4D97-AF65-F5344CB8AC3E}">
-        <p14:creationId xmlns:p14="http://schemas.microsoft.com/office/powerpoint/2010/main" val="1585972025"/>
+        <p14:creationId xmlns:p14="http://schemas.microsoft.com/office/powerpoint/2010/main" val="4263812150"/>
       </p:ext>
     </p:extLst>
   </p:cSld>
@@ -12545,6 +13980,142 @@
           <a:bodyPr/>
           <a:lstStyle/>
           <a:p>
+            <a:r>
+              <a:rPr lang="en-US" dirty="0" err="1" smtClean="0"/>
+              <a:t>raSAT</a:t>
+            </a:r>
+            <a:endParaRPr lang="en-US" dirty="0"/>
+          </a:p>
+        </p:txBody>
+      </p:sp>
+      <p:sp>
+        <p:nvSpPr>
+          <p:cNvPr id="3" name="Content Placeholder 2"/>
+          <p:cNvSpPr>
+            <a:spLocks noGrp="1"/>
+          </p:cNvSpPr>
+          <p:nvPr>
+            <p:ph idx="1"/>
+          </p:nvPr>
+        </p:nvSpPr>
+        <p:spPr>
+          <a:xfrm>
+            <a:off x="1913709" y="2156096"/>
+            <a:ext cx="8915400" cy="3777622"/>
+          </a:xfrm>
+        </p:spPr>
+        <p:txBody>
+          <a:bodyPr>
+            <a:normAutofit/>
+          </a:bodyPr>
+          <a:lstStyle/>
+          <a:p>
+            <a:r>
+              <a:rPr lang="en-US" sz="2400" dirty="0"/>
+              <a:t>Downloadable from </a:t>
+            </a:r>
+            <a:r>
+              <a:rPr lang="en-US" sz="2400" b="1" dirty="0"/>
+              <a:t>http://www.jaist.ac.jp/~mizuhito/tools/rasat.html</a:t>
+            </a:r>
+          </a:p>
+          <a:p>
+            <a:r>
+              <a:rPr lang="en-US" sz="2400" dirty="0" smtClean="0"/>
+              <a:t>Participated in SMT-COMP 2014: 4</a:t>
+            </a:r>
+            <a:r>
+              <a:rPr lang="en-US" sz="2400" baseline="30000" dirty="0" smtClean="0"/>
+              <a:t>th</a:t>
+            </a:r>
+            <a:r>
+              <a:rPr lang="en-US" sz="2400" dirty="0" smtClean="0"/>
+              <a:t> over 4 solvers of QF_NRA.</a:t>
+            </a:r>
+          </a:p>
+          <a:p>
+            <a:r>
+              <a:rPr lang="en-US" sz="2400" dirty="0" smtClean="0"/>
+              <a:t>Submitted to TACAS 2015</a:t>
+            </a:r>
+          </a:p>
+        </p:txBody>
+      </p:sp>
+      <p:sp>
+        <p:nvSpPr>
+          <p:cNvPr id="4" name="Slide Number Placeholder 3"/>
+          <p:cNvSpPr>
+            <a:spLocks noGrp="1"/>
+          </p:cNvSpPr>
+          <p:nvPr>
+            <p:ph type="sldNum" sz="quarter" idx="12"/>
+          </p:nvPr>
+        </p:nvSpPr>
+        <p:spPr/>
+        <p:txBody>
+          <a:bodyPr/>
+          <a:lstStyle/>
+          <a:p>
+            <a:fld id="{9A0678A6-D03C-427C-87B3-2EDFDC71965B}" type="slidenum">
+              <a:rPr lang="en-US" smtClean="0"/>
+              <a:t>24</a:t>
+            </a:fld>
+            <a:endParaRPr lang="en-US"/>
+          </a:p>
+        </p:txBody>
+      </p:sp>
+    </p:spTree>
+    <p:extLst>
+      <p:ext uri="{BB962C8B-B14F-4D97-AF65-F5344CB8AC3E}">
+        <p14:creationId xmlns:p14="http://schemas.microsoft.com/office/powerpoint/2010/main" val="1585972025"/>
+      </p:ext>
+    </p:extLst>
+  </p:cSld>
+  <p:clrMapOvr>
+    <a:masterClrMapping/>
+  </p:clrMapOvr>
+  <p:timing>
+    <p:tnLst>
+      <p:par>
+        <p:cTn id="1" dur="indefinite" restart="never" nodeType="tmRoot"/>
+      </p:par>
+    </p:tnLst>
+  </p:timing>
+</p:sld>
+</file>
+
+<file path=ppt/slides/slide25.xml><?xml version="1.0" encoding="utf-8"?>
+<p:sld xmlns:a="http://schemas.openxmlformats.org/drawingml/2006/main" xmlns:r="http://schemas.openxmlformats.org/officeDocument/2006/relationships" xmlns:p="http://schemas.openxmlformats.org/presentationml/2006/main">
+  <p:cSld>
+    <p:spTree>
+      <p:nvGrpSpPr>
+        <p:cNvPr id="1" name=""/>
+        <p:cNvGrpSpPr/>
+        <p:nvPr/>
+      </p:nvGrpSpPr>
+      <p:grpSpPr>
+        <a:xfrm>
+          <a:off x="0" y="0"/>
+          <a:ext cx="0" cy="0"/>
+          <a:chOff x="0" y="0"/>
+          <a:chExt cx="0" cy="0"/>
+        </a:xfrm>
+      </p:grpSpPr>
+      <p:sp>
+        <p:nvSpPr>
+          <p:cNvPr id="2" name="Title 1"/>
+          <p:cNvSpPr>
+            <a:spLocks noGrp="1"/>
+          </p:cNvSpPr>
+          <p:nvPr>
+            <p:ph type="title"/>
+          </p:nvPr>
+        </p:nvSpPr>
+        <p:spPr/>
+        <p:txBody>
+          <a:bodyPr/>
+          <a:lstStyle/>
+          <a:p>
             <a:endParaRPr lang="en-US"/>
           </a:p>
         </p:txBody>
@@ -12662,7 +14233,7 @@
           <a:p>
             <a:fld id="{9A0678A6-D03C-427C-87B3-2EDFDC71965B}" type="slidenum">
               <a:rPr lang="en-US" smtClean="0"/>
-              <a:t>24</a:t>
+              <a:t>25</a:t>
             </a:fld>
             <a:endParaRPr lang="en-US"/>
           </a:p>
@@ -15115,6 +16686,1301 @@
           <a:chExt cx="0" cy="0"/>
         </a:xfrm>
       </p:grpSpPr>
+      <p:sp>
+        <p:nvSpPr>
+          <p:cNvPr id="4" name="Rectangle 3"/>
+          <p:cNvSpPr/>
+          <p:nvPr/>
+        </p:nvSpPr>
+        <p:spPr>
+          <a:xfrm>
+            <a:off x="2968917" y="1157493"/>
+            <a:ext cx="7820808" cy="5251806"/>
+          </a:xfrm>
+          <a:prstGeom prst="rect">
+            <a:avLst/>
+          </a:prstGeom>
+          <a:ln w="76200">
+            <a:solidFill>
+              <a:srgbClr val="00B050"/>
+            </a:solidFill>
+          </a:ln>
+        </p:spPr>
+        <p:style>
+          <a:lnRef idx="2">
+            <a:schemeClr val="accent1"/>
+          </a:lnRef>
+          <a:fillRef idx="1">
+            <a:schemeClr val="lt1"/>
+          </a:fillRef>
+          <a:effectRef idx="0">
+            <a:schemeClr val="accent1"/>
+          </a:effectRef>
+          <a:fontRef idx="minor">
+            <a:schemeClr val="dk1"/>
+          </a:fontRef>
+        </p:style>
+        <p:txBody>
+          <a:bodyPr rtlCol="0" anchor="ctr"/>
+          <a:lstStyle/>
+          <a:p>
+            <a:pPr algn="ctr"/>
+            <a:r>
+              <a:rPr lang="en-US" dirty="0" err="1" smtClean="0"/>
+              <a:t>Yest</a:t>
+            </a:r>
+            <a:endParaRPr lang="en-US" dirty="0"/>
+          </a:p>
+        </p:txBody>
+      </p:sp>
+      <p:sp>
+        <p:nvSpPr>
+          <p:cNvPr id="7" name="TextBox 6"/>
+          <p:cNvSpPr txBox="1"/>
+          <p:nvPr/>
+        </p:nvSpPr>
+        <p:spPr>
+          <a:xfrm>
+            <a:off x="6133399" y="1580787"/>
+            <a:ext cx="1995602" cy="461665"/>
+          </a:xfrm>
+          <a:prstGeom prst="rect">
+            <a:avLst/>
+          </a:prstGeom>
+          <a:solidFill>
+            <a:srgbClr val="00B050"/>
+          </a:solidFill>
+        </p:spPr>
+        <p:txBody>
+          <a:bodyPr wrap="square" rtlCol="0">
+            <a:spAutoFit/>
+          </a:bodyPr>
+          <a:lstStyle/>
+          <a:p>
+            <a:pPr algn="ctr"/>
+            <a:r>
+              <a:rPr lang="en-US" sz="2400" dirty="0" smtClean="0"/>
+              <a:t>SAT solver</a:t>
+            </a:r>
+            <a:endParaRPr lang="en-US" sz="2400" dirty="0"/>
+          </a:p>
+        </p:txBody>
+      </p:sp>
+      <p:sp>
+        <p:nvSpPr>
+          <p:cNvPr id="8" name="TextBox 7"/>
+          <p:cNvSpPr txBox="1"/>
+          <p:nvPr/>
+        </p:nvSpPr>
+        <p:spPr>
+          <a:xfrm>
+            <a:off x="3037006" y="2565679"/>
+            <a:ext cx="7697648" cy="3760649"/>
+          </a:xfrm>
+          <a:prstGeom prst="rect">
+            <a:avLst/>
+          </a:prstGeom>
+          <a:solidFill>
+            <a:srgbClr val="FFC000"/>
+          </a:solidFill>
+        </p:spPr>
+        <p:txBody>
+          <a:bodyPr vert="horz" wrap="square" rtlCol="0" anchor="b" anchorCtr="0">
+            <a:noAutofit/>
+          </a:bodyPr>
+          <a:lstStyle/>
+          <a:p>
+            <a:pPr algn="r"/>
+            <a:r>
+              <a:rPr lang="en-US" dirty="0" smtClean="0"/>
+              <a:t>Theory solver</a:t>
+            </a:r>
+            <a:endParaRPr lang="en-US" dirty="0"/>
+          </a:p>
+        </p:txBody>
+      </p:sp>
+      <p:sp>
+        <p:nvSpPr>
+          <p:cNvPr id="9" name="TextBox 8"/>
+          <p:cNvSpPr txBox="1"/>
+          <p:nvPr/>
+        </p:nvSpPr>
+        <p:spPr>
+          <a:xfrm>
+            <a:off x="5979441" y="3535946"/>
+            <a:ext cx="2278886" cy="830997"/>
+          </a:xfrm>
+          <a:prstGeom prst="rect">
+            <a:avLst/>
+          </a:prstGeom>
+          <a:solidFill>
+            <a:srgbClr val="00B050"/>
+          </a:solidFill>
+        </p:spPr>
+        <p:txBody>
+          <a:bodyPr wrap="square" rtlCol="0">
+            <a:spAutoFit/>
+          </a:bodyPr>
+          <a:lstStyle/>
+          <a:p>
+            <a:pPr algn="ctr"/>
+            <a:r>
+              <a:rPr lang="en-US" sz="2400" dirty="0" smtClean="0"/>
+              <a:t>Interval Arithmetic</a:t>
+            </a:r>
+            <a:endParaRPr lang="en-US" sz="2400" dirty="0"/>
+          </a:p>
+        </p:txBody>
+      </p:sp>
+      <p:cxnSp>
+        <p:nvCxnSpPr>
+          <p:cNvPr id="29" name="Straight Arrow Connector 28"/>
+          <p:cNvCxnSpPr>
+            <a:stCxn id="7" idx="2"/>
+            <a:endCxn id="9" idx="0"/>
+          </p:cNvCxnSpPr>
+          <p:nvPr/>
+        </p:nvCxnSpPr>
+        <p:spPr>
+          <a:xfrm flipH="1">
+            <a:off x="7118884" y="2042452"/>
+            <a:ext cx="12316" cy="1493494"/>
+          </a:xfrm>
+          <a:prstGeom prst="straightConnector1">
+            <a:avLst/>
+          </a:prstGeom>
+          <a:ln w="28575">
+            <a:solidFill>
+              <a:srgbClr val="00B050"/>
+            </a:solidFill>
+            <a:tailEnd type="triangle"/>
+          </a:ln>
+        </p:spPr>
+        <p:style>
+          <a:lnRef idx="1">
+            <a:schemeClr val="accent1"/>
+          </a:lnRef>
+          <a:fillRef idx="0">
+            <a:schemeClr val="accent1"/>
+          </a:fillRef>
+          <a:effectRef idx="0">
+            <a:schemeClr val="accent1"/>
+          </a:effectRef>
+          <a:fontRef idx="minor">
+            <a:schemeClr val="tx1"/>
+          </a:fontRef>
+        </p:style>
+      </p:cxnSp>
+      <p:cxnSp>
+        <p:nvCxnSpPr>
+          <p:cNvPr id="36" name="Straight Arrow Connector 35"/>
+          <p:cNvCxnSpPr/>
+          <p:nvPr/>
+        </p:nvCxnSpPr>
+        <p:spPr>
+          <a:xfrm>
+            <a:off x="8129001" y="1800148"/>
+            <a:ext cx="2919805" cy="26981"/>
+          </a:xfrm>
+          <a:prstGeom prst="straightConnector1">
+            <a:avLst/>
+          </a:prstGeom>
+          <a:ln w="28575">
+            <a:solidFill>
+              <a:srgbClr val="C00000"/>
+            </a:solidFill>
+            <a:tailEnd type="triangle"/>
+          </a:ln>
+        </p:spPr>
+        <p:style>
+          <a:lnRef idx="1">
+            <a:schemeClr val="accent1"/>
+          </a:lnRef>
+          <a:fillRef idx="0">
+            <a:schemeClr val="accent1"/>
+          </a:fillRef>
+          <a:effectRef idx="0">
+            <a:schemeClr val="accent1"/>
+          </a:effectRef>
+          <a:fontRef idx="minor">
+            <a:schemeClr val="tx1"/>
+          </a:fontRef>
+        </p:style>
+      </p:cxnSp>
+      <p:sp>
+        <p:nvSpPr>
+          <p:cNvPr id="40" name="TextBox 39"/>
+          <p:cNvSpPr txBox="1"/>
+          <p:nvPr/>
+        </p:nvSpPr>
+        <p:spPr>
+          <a:xfrm>
+            <a:off x="11048806" y="1642463"/>
+            <a:ext cx="1217000" cy="646331"/>
+          </a:xfrm>
+          <a:prstGeom prst="rect">
+            <a:avLst/>
+          </a:prstGeom>
+          <a:noFill/>
+        </p:spPr>
+        <p:txBody>
+          <a:bodyPr wrap="none" rtlCol="0">
+            <a:spAutoFit/>
+          </a:bodyPr>
+          <a:lstStyle/>
+          <a:p>
+            <a:r>
+              <a:rPr lang="en-US" dirty="0" smtClean="0">
+                <a:solidFill>
+                  <a:srgbClr val="FF0000"/>
+                </a:solidFill>
+              </a:rPr>
+              <a:t>UNSAT</a:t>
+            </a:r>
+            <a:r>
+              <a:rPr lang="en-US" dirty="0" smtClean="0"/>
+              <a:t>/</a:t>
+            </a:r>
+          </a:p>
+          <a:p>
+            <a:r>
+              <a:rPr lang="en-US" dirty="0" smtClean="0"/>
+              <a:t>Unknown</a:t>
+            </a:r>
+            <a:endParaRPr lang="en-US" dirty="0"/>
+          </a:p>
+        </p:txBody>
+      </p:sp>
+      <p:sp>
+        <p:nvSpPr>
+          <p:cNvPr id="41" name="TextBox 40"/>
+          <p:cNvSpPr txBox="1"/>
+          <p:nvPr/>
+        </p:nvSpPr>
+        <p:spPr>
+          <a:xfrm>
+            <a:off x="8153146" y="1411509"/>
+            <a:ext cx="519694" cy="400110"/>
+          </a:xfrm>
+          <a:prstGeom prst="rect">
+            <a:avLst/>
+          </a:prstGeom>
+          <a:noFill/>
+        </p:spPr>
+        <p:txBody>
+          <a:bodyPr wrap="none" rtlCol="0">
+            <a:spAutoFit/>
+          </a:bodyPr>
+          <a:lstStyle/>
+          <a:p>
+            <a:r>
+              <a:rPr lang="en-US" sz="2000" dirty="0" smtClean="0">
+                <a:solidFill>
+                  <a:srgbClr val="C00000"/>
+                </a:solidFill>
+              </a:rPr>
+              <a:t>NO</a:t>
+            </a:r>
+            <a:endParaRPr lang="en-US" sz="2000" dirty="0">
+              <a:solidFill>
+                <a:srgbClr val="C00000"/>
+              </a:solidFill>
+            </a:endParaRPr>
+          </a:p>
+        </p:txBody>
+      </p:sp>
+      <p:sp>
+        <p:nvSpPr>
+          <p:cNvPr id="42" name="TextBox 41"/>
+          <p:cNvSpPr txBox="1"/>
+          <p:nvPr/>
+        </p:nvSpPr>
+        <p:spPr>
+          <a:xfrm>
+            <a:off x="7081060" y="2588410"/>
+            <a:ext cx="603050" cy="400110"/>
+          </a:xfrm>
+          <a:prstGeom prst="rect">
+            <a:avLst/>
+          </a:prstGeom>
+          <a:noFill/>
+        </p:spPr>
+        <p:txBody>
+          <a:bodyPr wrap="none" rtlCol="0">
+            <a:spAutoFit/>
+          </a:bodyPr>
+          <a:lstStyle/>
+          <a:p>
+            <a:r>
+              <a:rPr lang="en-US" sz="2000" dirty="0" smtClean="0">
+                <a:solidFill>
+                  <a:srgbClr val="00B050"/>
+                </a:solidFill>
+              </a:rPr>
+              <a:t>YES</a:t>
+            </a:r>
+            <a:endParaRPr lang="en-US" dirty="0">
+              <a:solidFill>
+                <a:srgbClr val="00B050"/>
+              </a:solidFill>
+            </a:endParaRPr>
+          </a:p>
+        </p:txBody>
+      </p:sp>
+      <p:cxnSp>
+        <p:nvCxnSpPr>
+          <p:cNvPr id="43" name="Straight Arrow Connector 42"/>
+          <p:cNvCxnSpPr>
+            <a:endCxn id="110" idx="1"/>
+          </p:cNvCxnSpPr>
+          <p:nvPr/>
+        </p:nvCxnSpPr>
+        <p:spPr>
+          <a:xfrm flipV="1">
+            <a:off x="8265226" y="3736000"/>
+            <a:ext cx="1105007" cy="47396"/>
+          </a:xfrm>
+          <a:prstGeom prst="straightConnector1">
+            <a:avLst/>
+          </a:prstGeom>
+          <a:ln w="28575">
+            <a:solidFill>
+              <a:srgbClr val="C00000"/>
+            </a:solidFill>
+            <a:tailEnd type="triangle"/>
+          </a:ln>
+        </p:spPr>
+        <p:style>
+          <a:lnRef idx="1">
+            <a:schemeClr val="accent1"/>
+          </a:lnRef>
+          <a:fillRef idx="0">
+            <a:schemeClr val="accent1"/>
+          </a:fillRef>
+          <a:effectRef idx="0">
+            <a:schemeClr val="accent1"/>
+          </a:effectRef>
+          <a:fontRef idx="minor">
+            <a:schemeClr val="tx1"/>
+          </a:fontRef>
+        </p:style>
+      </p:cxnSp>
+      <p:cxnSp>
+        <p:nvCxnSpPr>
+          <p:cNvPr id="45" name="Straight Arrow Connector 44"/>
+          <p:cNvCxnSpPr>
+            <a:stCxn id="110" idx="0"/>
+          </p:cNvCxnSpPr>
+          <p:nvPr/>
+        </p:nvCxnSpPr>
+        <p:spPr>
+          <a:xfrm flipH="1" flipV="1">
+            <a:off x="7967638" y="2019473"/>
+            <a:ext cx="2060970" cy="1516472"/>
+          </a:xfrm>
+          <a:prstGeom prst="straightConnector1">
+            <a:avLst/>
+          </a:prstGeom>
+          <a:ln w="28575">
+            <a:solidFill>
+              <a:srgbClr val="C00000"/>
+            </a:solidFill>
+            <a:tailEnd type="triangle"/>
+          </a:ln>
+        </p:spPr>
+        <p:style>
+          <a:lnRef idx="1">
+            <a:schemeClr val="accent1"/>
+          </a:lnRef>
+          <a:fillRef idx="0">
+            <a:schemeClr val="accent1"/>
+          </a:fillRef>
+          <a:effectRef idx="0">
+            <a:schemeClr val="accent1"/>
+          </a:effectRef>
+          <a:fontRef idx="minor">
+            <a:schemeClr val="tx1"/>
+          </a:fontRef>
+        </p:style>
+      </p:cxnSp>
+      <p:sp>
+        <p:nvSpPr>
+          <p:cNvPr id="48" name="TextBox 47"/>
+          <p:cNvSpPr txBox="1"/>
+          <p:nvPr/>
+        </p:nvSpPr>
+        <p:spPr>
+          <a:xfrm rot="2256794">
+            <a:off x="8231650" y="2430494"/>
+            <a:ext cx="1694310" cy="400110"/>
+          </a:xfrm>
+          <a:prstGeom prst="rect">
+            <a:avLst/>
+          </a:prstGeom>
+          <a:noFill/>
+        </p:spPr>
+        <p:txBody>
+          <a:bodyPr wrap="none" rtlCol="0">
+            <a:spAutoFit/>
+          </a:bodyPr>
+          <a:lstStyle/>
+          <a:p>
+            <a:r>
+              <a:rPr lang="en-US" sz="2000" dirty="0" smtClean="0">
+                <a:solidFill>
+                  <a:srgbClr val="C00000"/>
+                </a:solidFill>
+              </a:rPr>
+              <a:t>Learn conflicts</a:t>
+            </a:r>
+            <a:endParaRPr lang="en-US" sz="2000" dirty="0">
+              <a:solidFill>
+                <a:srgbClr val="C00000"/>
+              </a:solidFill>
+            </a:endParaRPr>
+          </a:p>
+        </p:txBody>
+      </p:sp>
+      <p:sp>
+        <p:nvSpPr>
+          <p:cNvPr id="49" name="TextBox 48"/>
+          <p:cNvSpPr txBox="1"/>
+          <p:nvPr/>
+        </p:nvSpPr>
+        <p:spPr>
+          <a:xfrm>
+            <a:off x="8153146" y="3317163"/>
+            <a:ext cx="1300356" cy="400110"/>
+          </a:xfrm>
+          <a:prstGeom prst="rect">
+            <a:avLst/>
+          </a:prstGeom>
+          <a:noFill/>
+        </p:spPr>
+        <p:txBody>
+          <a:bodyPr wrap="none" rtlCol="0">
+            <a:spAutoFit/>
+          </a:bodyPr>
+          <a:lstStyle/>
+          <a:p>
+            <a:r>
+              <a:rPr lang="en-US" sz="2000" dirty="0" smtClean="0">
+                <a:solidFill>
+                  <a:srgbClr val="C00000"/>
+                </a:solidFill>
+              </a:rPr>
+              <a:t>IA-UNSAT</a:t>
+            </a:r>
+            <a:endParaRPr lang="en-US" dirty="0">
+              <a:solidFill>
+                <a:srgbClr val="C00000"/>
+              </a:solidFill>
+            </a:endParaRPr>
+          </a:p>
+        </p:txBody>
+      </p:sp>
+      <p:sp>
+        <p:nvSpPr>
+          <p:cNvPr id="51" name="TextBox 50"/>
+          <p:cNvSpPr txBox="1"/>
+          <p:nvPr/>
+        </p:nvSpPr>
+        <p:spPr>
+          <a:xfrm>
+            <a:off x="6133399" y="5223744"/>
+            <a:ext cx="1995602" cy="461665"/>
+          </a:xfrm>
+          <a:prstGeom prst="rect">
+            <a:avLst/>
+          </a:prstGeom>
+          <a:solidFill>
+            <a:srgbClr val="00B050"/>
+          </a:solidFill>
+        </p:spPr>
+        <p:txBody>
+          <a:bodyPr wrap="square" rtlCol="0">
+            <a:spAutoFit/>
+          </a:bodyPr>
+          <a:lstStyle/>
+          <a:p>
+            <a:pPr algn="ctr"/>
+            <a:r>
+              <a:rPr lang="en-US" sz="2400" dirty="0" smtClean="0"/>
+              <a:t>Testing</a:t>
+            </a:r>
+            <a:endParaRPr lang="en-US" sz="2400" dirty="0"/>
+          </a:p>
+        </p:txBody>
+      </p:sp>
+      <p:cxnSp>
+        <p:nvCxnSpPr>
+          <p:cNvPr id="52" name="Straight Arrow Connector 51"/>
+          <p:cNvCxnSpPr>
+            <a:stCxn id="9" idx="2"/>
+            <a:endCxn id="51" idx="0"/>
+          </p:cNvCxnSpPr>
+          <p:nvPr/>
+        </p:nvCxnSpPr>
+        <p:spPr>
+          <a:xfrm>
+            <a:off x="7118884" y="4366943"/>
+            <a:ext cx="12316" cy="856801"/>
+          </a:xfrm>
+          <a:prstGeom prst="straightConnector1">
+            <a:avLst/>
+          </a:prstGeom>
+          <a:ln w="28575">
+            <a:solidFill>
+              <a:schemeClr val="tx1"/>
+            </a:solidFill>
+            <a:tailEnd type="triangle"/>
+          </a:ln>
+        </p:spPr>
+        <p:style>
+          <a:lnRef idx="1">
+            <a:schemeClr val="accent1"/>
+          </a:lnRef>
+          <a:fillRef idx="0">
+            <a:schemeClr val="accent1"/>
+          </a:fillRef>
+          <a:effectRef idx="0">
+            <a:schemeClr val="accent1"/>
+          </a:effectRef>
+          <a:fontRef idx="minor">
+            <a:schemeClr val="tx1"/>
+          </a:fontRef>
+        </p:style>
+      </p:cxnSp>
+      <p:sp>
+        <p:nvSpPr>
+          <p:cNvPr id="54" name="TextBox 53"/>
+          <p:cNvSpPr txBox="1"/>
+          <p:nvPr/>
+        </p:nvSpPr>
+        <p:spPr>
+          <a:xfrm>
+            <a:off x="6219222" y="4537549"/>
+            <a:ext cx="1874231" cy="400110"/>
+          </a:xfrm>
+          <a:prstGeom prst="rect">
+            <a:avLst/>
+          </a:prstGeom>
+          <a:noFill/>
+        </p:spPr>
+        <p:txBody>
+          <a:bodyPr wrap="none" rtlCol="0">
+            <a:spAutoFit/>
+          </a:bodyPr>
+          <a:lstStyle/>
+          <a:p>
+            <a:r>
+              <a:rPr lang="en-US" sz="2000" dirty="0" smtClean="0"/>
+              <a:t>IA-UNKNOWN</a:t>
+            </a:r>
+            <a:endParaRPr lang="en-US" dirty="0"/>
+          </a:p>
+        </p:txBody>
+      </p:sp>
+      <p:cxnSp>
+        <p:nvCxnSpPr>
+          <p:cNvPr id="57" name="Straight Arrow Connector 56"/>
+          <p:cNvCxnSpPr/>
+          <p:nvPr/>
+        </p:nvCxnSpPr>
+        <p:spPr>
+          <a:xfrm>
+            <a:off x="7788882" y="3997611"/>
+            <a:ext cx="3434794" cy="1479987"/>
+          </a:xfrm>
+          <a:prstGeom prst="straightConnector1">
+            <a:avLst/>
+          </a:prstGeom>
+          <a:ln w="28575">
+            <a:solidFill>
+              <a:srgbClr val="00B050"/>
+            </a:solidFill>
+            <a:tailEnd type="triangle"/>
+          </a:ln>
+        </p:spPr>
+        <p:style>
+          <a:lnRef idx="1">
+            <a:schemeClr val="accent1"/>
+          </a:lnRef>
+          <a:fillRef idx="0">
+            <a:schemeClr val="accent1"/>
+          </a:fillRef>
+          <a:effectRef idx="0">
+            <a:schemeClr val="accent1"/>
+          </a:effectRef>
+          <a:fontRef idx="minor">
+            <a:schemeClr val="tx1"/>
+          </a:fontRef>
+        </p:style>
+      </p:cxnSp>
+      <p:sp>
+        <p:nvSpPr>
+          <p:cNvPr id="60" name="TextBox 59"/>
+          <p:cNvSpPr txBox="1"/>
+          <p:nvPr/>
+        </p:nvSpPr>
+        <p:spPr>
+          <a:xfrm>
+            <a:off x="11218960" y="5282573"/>
+            <a:ext cx="782587" cy="523220"/>
+          </a:xfrm>
+          <a:prstGeom prst="rect">
+            <a:avLst/>
+          </a:prstGeom>
+          <a:noFill/>
+        </p:spPr>
+        <p:txBody>
+          <a:bodyPr wrap="none" rtlCol="0">
+            <a:spAutoFit/>
+          </a:bodyPr>
+          <a:lstStyle/>
+          <a:p>
+            <a:r>
+              <a:rPr lang="en-US" sz="2800" dirty="0" smtClean="0">
+                <a:solidFill>
+                  <a:srgbClr val="00B050"/>
+                </a:solidFill>
+              </a:rPr>
+              <a:t>SAT</a:t>
+            </a:r>
+            <a:endParaRPr lang="en-US" dirty="0">
+              <a:solidFill>
+                <a:srgbClr val="00B050"/>
+              </a:solidFill>
+            </a:endParaRPr>
+          </a:p>
+        </p:txBody>
+      </p:sp>
+      <p:sp>
+        <p:nvSpPr>
+          <p:cNvPr id="61" name="TextBox 60"/>
+          <p:cNvSpPr txBox="1"/>
+          <p:nvPr/>
+        </p:nvSpPr>
+        <p:spPr>
+          <a:xfrm rot="1326222">
+            <a:off x="8942968" y="4428701"/>
+            <a:ext cx="1252266" cy="400110"/>
+          </a:xfrm>
+          <a:prstGeom prst="rect">
+            <a:avLst/>
+          </a:prstGeom>
+          <a:noFill/>
+        </p:spPr>
+        <p:txBody>
+          <a:bodyPr wrap="none" rtlCol="0">
+            <a:spAutoFit/>
+          </a:bodyPr>
+          <a:lstStyle/>
+          <a:p>
+            <a:r>
+              <a:rPr lang="en-US" sz="2000" dirty="0" smtClean="0">
+                <a:solidFill>
+                  <a:srgbClr val="00B050"/>
+                </a:solidFill>
+              </a:rPr>
+              <a:t>IA-VALID</a:t>
+            </a:r>
+            <a:endParaRPr lang="en-US" sz="2000" dirty="0">
+              <a:solidFill>
+                <a:srgbClr val="00B050"/>
+              </a:solidFill>
+            </a:endParaRPr>
+          </a:p>
+        </p:txBody>
+      </p:sp>
+      <p:cxnSp>
+        <p:nvCxnSpPr>
+          <p:cNvPr id="62" name="Straight Arrow Connector 61"/>
+          <p:cNvCxnSpPr/>
+          <p:nvPr/>
+        </p:nvCxnSpPr>
+        <p:spPr>
+          <a:xfrm flipV="1">
+            <a:off x="8118088" y="5544183"/>
+            <a:ext cx="3105588" cy="22186"/>
+          </a:xfrm>
+          <a:prstGeom prst="straightConnector1">
+            <a:avLst/>
+          </a:prstGeom>
+          <a:ln w="28575">
+            <a:solidFill>
+              <a:srgbClr val="00B050"/>
+            </a:solidFill>
+            <a:tailEnd type="triangle"/>
+          </a:ln>
+        </p:spPr>
+        <p:style>
+          <a:lnRef idx="1">
+            <a:schemeClr val="accent1"/>
+          </a:lnRef>
+          <a:fillRef idx="0">
+            <a:schemeClr val="accent1"/>
+          </a:fillRef>
+          <a:effectRef idx="0">
+            <a:schemeClr val="accent1"/>
+          </a:effectRef>
+          <a:fontRef idx="minor">
+            <a:schemeClr val="tx1"/>
+          </a:fontRef>
+        </p:style>
+      </p:cxnSp>
+      <p:sp>
+        <p:nvSpPr>
+          <p:cNvPr id="65" name="TextBox 64"/>
+          <p:cNvSpPr txBox="1"/>
+          <p:nvPr/>
+        </p:nvSpPr>
+        <p:spPr>
+          <a:xfrm>
+            <a:off x="8998122" y="5198436"/>
+            <a:ext cx="1180131" cy="400110"/>
+          </a:xfrm>
+          <a:prstGeom prst="rect">
+            <a:avLst/>
+          </a:prstGeom>
+          <a:noFill/>
+        </p:spPr>
+        <p:txBody>
+          <a:bodyPr wrap="none" rtlCol="0">
+            <a:spAutoFit/>
+          </a:bodyPr>
+          <a:lstStyle/>
+          <a:p>
+            <a:r>
+              <a:rPr lang="en-US" sz="2000" dirty="0" smtClean="0">
+                <a:solidFill>
+                  <a:srgbClr val="00B050"/>
+                </a:solidFill>
+              </a:rPr>
+              <a:t>TEST-SAT</a:t>
+            </a:r>
+            <a:endParaRPr lang="en-US" dirty="0">
+              <a:solidFill>
+                <a:srgbClr val="00B050"/>
+              </a:solidFill>
+            </a:endParaRPr>
+          </a:p>
+        </p:txBody>
+      </p:sp>
+      <p:sp>
+        <p:nvSpPr>
+          <p:cNvPr id="66" name="TextBox 65"/>
+          <p:cNvSpPr txBox="1"/>
+          <p:nvPr/>
+        </p:nvSpPr>
+        <p:spPr>
+          <a:xfrm>
+            <a:off x="3151080" y="4117504"/>
+            <a:ext cx="1995602" cy="461665"/>
+          </a:xfrm>
+          <a:prstGeom prst="rect">
+            <a:avLst/>
+          </a:prstGeom>
+          <a:solidFill>
+            <a:srgbClr val="00B050"/>
+          </a:solidFill>
+        </p:spPr>
+        <p:txBody>
+          <a:bodyPr wrap="square" rtlCol="0">
+            <a:spAutoFit/>
+          </a:bodyPr>
+          <a:lstStyle/>
+          <a:p>
+            <a:pPr algn="ctr"/>
+            <a:r>
+              <a:rPr lang="en-US" sz="2400" dirty="0" smtClean="0"/>
+              <a:t>Refinement</a:t>
+            </a:r>
+            <a:endParaRPr lang="en-US" sz="2400" dirty="0"/>
+          </a:p>
+        </p:txBody>
+      </p:sp>
+      <p:cxnSp>
+        <p:nvCxnSpPr>
+          <p:cNvPr id="67" name="Straight Arrow Connector 66"/>
+          <p:cNvCxnSpPr>
+            <a:stCxn id="51" idx="1"/>
+            <a:endCxn id="66" idx="2"/>
+          </p:cNvCxnSpPr>
+          <p:nvPr/>
+        </p:nvCxnSpPr>
+        <p:spPr>
+          <a:xfrm flipH="1" flipV="1">
+            <a:off x="4148881" y="4579169"/>
+            <a:ext cx="1984518" cy="875408"/>
+          </a:xfrm>
+          <a:prstGeom prst="straightConnector1">
+            <a:avLst/>
+          </a:prstGeom>
+          <a:ln w="28575">
+            <a:tailEnd type="triangle"/>
+          </a:ln>
+        </p:spPr>
+        <p:style>
+          <a:lnRef idx="1">
+            <a:schemeClr val="accent1"/>
+          </a:lnRef>
+          <a:fillRef idx="0">
+            <a:schemeClr val="accent1"/>
+          </a:fillRef>
+          <a:effectRef idx="0">
+            <a:schemeClr val="accent1"/>
+          </a:effectRef>
+          <a:fontRef idx="minor">
+            <a:schemeClr val="tx1"/>
+          </a:fontRef>
+        </p:style>
+      </p:cxnSp>
+      <p:sp>
+        <p:nvSpPr>
+          <p:cNvPr id="70" name="TextBox 69"/>
+          <p:cNvSpPr txBox="1"/>
+          <p:nvPr/>
+        </p:nvSpPr>
+        <p:spPr>
+          <a:xfrm rot="1586950">
+            <a:off x="4375451" y="5059542"/>
+            <a:ext cx="1515158" cy="400110"/>
+          </a:xfrm>
+          <a:prstGeom prst="rect">
+            <a:avLst/>
+          </a:prstGeom>
+          <a:noFill/>
+        </p:spPr>
+        <p:txBody>
+          <a:bodyPr wrap="none" rtlCol="0">
+            <a:spAutoFit/>
+          </a:bodyPr>
+          <a:lstStyle/>
+          <a:p>
+            <a:r>
+              <a:rPr lang="en-US" sz="2000" dirty="0" smtClean="0">
+                <a:solidFill>
+                  <a:schemeClr val="accent1"/>
+                </a:solidFill>
+              </a:rPr>
+              <a:t>Test-UNSAT</a:t>
+            </a:r>
+            <a:endParaRPr lang="en-US" sz="2000" dirty="0">
+              <a:solidFill>
+                <a:schemeClr val="accent1"/>
+              </a:solidFill>
+            </a:endParaRPr>
+          </a:p>
+        </p:txBody>
+      </p:sp>
+      <p:cxnSp>
+        <p:nvCxnSpPr>
+          <p:cNvPr id="71" name="Straight Arrow Connector 70"/>
+          <p:cNvCxnSpPr>
+            <a:stCxn id="66" idx="0"/>
+          </p:cNvCxnSpPr>
+          <p:nvPr/>
+        </p:nvCxnSpPr>
+        <p:spPr>
+          <a:xfrm flipV="1">
+            <a:off x="4148881" y="2057962"/>
+            <a:ext cx="2590736" cy="2059542"/>
+          </a:xfrm>
+          <a:prstGeom prst="straightConnector1">
+            <a:avLst/>
+          </a:prstGeom>
+          <a:ln w="28575">
+            <a:solidFill>
+              <a:srgbClr val="00B050"/>
+            </a:solidFill>
+            <a:tailEnd type="triangle"/>
+          </a:ln>
+        </p:spPr>
+        <p:style>
+          <a:lnRef idx="1">
+            <a:schemeClr val="accent1"/>
+          </a:lnRef>
+          <a:fillRef idx="0">
+            <a:schemeClr val="accent1"/>
+          </a:fillRef>
+          <a:effectRef idx="0">
+            <a:schemeClr val="accent1"/>
+          </a:effectRef>
+          <a:fontRef idx="minor">
+            <a:schemeClr val="tx1"/>
+          </a:fontRef>
+        </p:style>
+      </p:cxnSp>
+      <p:sp>
+        <p:nvSpPr>
+          <p:cNvPr id="74" name="TextBox 73"/>
+          <p:cNvSpPr txBox="1"/>
+          <p:nvPr/>
+        </p:nvSpPr>
+        <p:spPr>
+          <a:xfrm rot="19285774">
+            <a:off x="4313602" y="2606975"/>
+            <a:ext cx="2225721" cy="400110"/>
+          </a:xfrm>
+          <a:prstGeom prst="rect">
+            <a:avLst/>
+          </a:prstGeom>
+          <a:noFill/>
+        </p:spPr>
+        <p:txBody>
+          <a:bodyPr wrap="square" rtlCol="0">
+            <a:spAutoFit/>
+          </a:bodyPr>
+          <a:lstStyle/>
+          <a:p>
+            <a:r>
+              <a:rPr lang="en-US" sz="2000" dirty="0" smtClean="0">
+                <a:solidFill>
+                  <a:srgbClr val="00B050"/>
+                </a:solidFill>
+              </a:rPr>
+              <a:t>Refined clauses</a:t>
+            </a:r>
+            <a:endParaRPr lang="en-US" sz="2000" dirty="0">
+              <a:solidFill>
+                <a:srgbClr val="00B050"/>
+              </a:solidFill>
+            </a:endParaRPr>
+          </a:p>
+        </p:txBody>
+      </p:sp>
+      <p:cxnSp>
+        <p:nvCxnSpPr>
+          <p:cNvPr id="75" name="Straight Arrow Connector 74"/>
+          <p:cNvCxnSpPr>
+            <a:stCxn id="66" idx="0"/>
+          </p:cNvCxnSpPr>
+          <p:nvPr/>
+        </p:nvCxnSpPr>
+        <p:spPr>
+          <a:xfrm flipV="1">
+            <a:off x="4148881" y="1811619"/>
+            <a:ext cx="35807" cy="2305885"/>
+          </a:xfrm>
+          <a:prstGeom prst="straightConnector1">
+            <a:avLst/>
+          </a:prstGeom>
+          <a:ln w="28575">
+            <a:solidFill>
+              <a:srgbClr val="C00000"/>
+            </a:solidFill>
+            <a:tailEnd type="none"/>
+          </a:ln>
+        </p:spPr>
+        <p:style>
+          <a:lnRef idx="1">
+            <a:schemeClr val="accent1"/>
+          </a:lnRef>
+          <a:fillRef idx="0">
+            <a:schemeClr val="accent1"/>
+          </a:fillRef>
+          <a:effectRef idx="0">
+            <a:schemeClr val="accent1"/>
+          </a:effectRef>
+          <a:fontRef idx="minor">
+            <a:schemeClr val="tx1"/>
+          </a:fontRef>
+        </p:style>
+      </p:cxnSp>
+      <p:cxnSp>
+        <p:nvCxnSpPr>
+          <p:cNvPr id="78" name="Straight Arrow Connector 77"/>
+          <p:cNvCxnSpPr>
+            <a:endCxn id="7" idx="1"/>
+          </p:cNvCxnSpPr>
+          <p:nvPr/>
+        </p:nvCxnSpPr>
+        <p:spPr>
+          <a:xfrm>
+            <a:off x="4184688" y="1811619"/>
+            <a:ext cx="1948711" cy="1"/>
+          </a:xfrm>
+          <a:prstGeom prst="straightConnector1">
+            <a:avLst/>
+          </a:prstGeom>
+          <a:ln w="28575">
+            <a:solidFill>
+              <a:srgbClr val="C00000"/>
+            </a:solidFill>
+            <a:tailEnd type="triangle"/>
+          </a:ln>
+        </p:spPr>
+        <p:style>
+          <a:lnRef idx="1">
+            <a:schemeClr val="accent1"/>
+          </a:lnRef>
+          <a:fillRef idx="0">
+            <a:schemeClr val="accent1"/>
+          </a:fillRef>
+          <a:effectRef idx="0">
+            <a:schemeClr val="accent1"/>
+          </a:effectRef>
+          <a:fontRef idx="minor">
+            <a:schemeClr val="tx1"/>
+          </a:fontRef>
+        </p:style>
+      </p:cxnSp>
+      <p:sp>
+        <p:nvSpPr>
+          <p:cNvPr id="83" name="TextBox 82"/>
+          <p:cNvSpPr txBox="1"/>
+          <p:nvPr/>
+        </p:nvSpPr>
+        <p:spPr>
+          <a:xfrm>
+            <a:off x="3461916" y="1460220"/>
+            <a:ext cx="2419637" cy="400110"/>
+          </a:xfrm>
+          <a:prstGeom prst="rect">
+            <a:avLst/>
+          </a:prstGeom>
+          <a:noFill/>
+        </p:spPr>
+        <p:txBody>
+          <a:bodyPr wrap="none" rtlCol="0">
+            <a:spAutoFit/>
+          </a:bodyPr>
+          <a:lstStyle/>
+          <a:p>
+            <a:r>
+              <a:rPr lang="en-US" sz="2000" dirty="0" smtClean="0">
+                <a:solidFill>
+                  <a:srgbClr val="C00000"/>
+                </a:solidFill>
+              </a:rPr>
+              <a:t>Threshold - Unknown</a:t>
+            </a:r>
+            <a:endParaRPr lang="en-US" sz="2000" dirty="0">
+              <a:solidFill>
+                <a:srgbClr val="C00000"/>
+              </a:solidFill>
+            </a:endParaRPr>
+          </a:p>
+        </p:txBody>
+      </p:sp>
+      <p:sp>
+        <p:nvSpPr>
+          <p:cNvPr id="110" name="TextBox 109"/>
+          <p:cNvSpPr txBox="1"/>
+          <p:nvPr/>
+        </p:nvSpPr>
+        <p:spPr>
+          <a:xfrm>
+            <a:off x="9370233" y="3535945"/>
+            <a:ext cx="1316749" cy="400110"/>
+          </a:xfrm>
+          <a:prstGeom prst="rect">
+            <a:avLst/>
+          </a:prstGeom>
+          <a:solidFill>
+            <a:srgbClr val="00B050"/>
+          </a:solidFill>
+        </p:spPr>
+        <p:txBody>
+          <a:bodyPr wrap="square" rtlCol="0">
+            <a:spAutoFit/>
+          </a:bodyPr>
+          <a:lstStyle/>
+          <a:p>
+            <a:pPr algn="ctr"/>
+            <a:r>
+              <a:rPr lang="en-US" sz="2000" dirty="0" smtClean="0"/>
+              <a:t>US Core</a:t>
+            </a:r>
+            <a:endParaRPr lang="en-US" sz="2000" dirty="0"/>
+          </a:p>
+        </p:txBody>
+      </p:sp>
+      <mc:AlternateContent xmlns:mc="http://schemas.openxmlformats.org/markup-compatibility/2006">
+        <mc:Choice xmlns:a14="http://schemas.microsoft.com/office/drawing/2010/main" Requires="a14">
+          <p:sp>
+            <p:nvSpPr>
+              <p:cNvPr id="113" name="TextBox 112"/>
+              <p:cNvSpPr txBox="1"/>
+              <p:nvPr/>
+            </p:nvSpPr>
+            <p:spPr>
+              <a:xfrm>
+                <a:off x="6074242" y="285226"/>
+                <a:ext cx="2190984" cy="523220"/>
+              </a:xfrm>
+              <a:prstGeom prst="rect">
+                <a:avLst/>
+              </a:prstGeom>
+              <a:noFill/>
+            </p:spPr>
+            <p:txBody>
+              <a:bodyPr wrap="none" rtlCol="0">
+                <a:spAutoFit/>
+              </a:bodyPr>
+              <a:lstStyle/>
+              <a:p>
+                <a:pPr/>
+                <a14:m>
+                  <m:oMathPara xmlns:m="http://schemas.openxmlformats.org/officeDocument/2006/math">
+                    <m:oMathParaPr>
+                      <m:jc m:val="centerGroup"/>
+                    </m:oMathParaPr>
+                    <m:oMath xmlns:m="http://schemas.openxmlformats.org/officeDocument/2006/math">
+                      <m:r>
+                        <a:rPr lang="en-US" sz="2800" b="0" i="1" smtClean="0">
+                          <a:latin typeface="Cambria Math" panose="02040503050406030204" pitchFamily="18" charset="0"/>
+                        </a:rPr>
+                        <m:t>𝐶𝑜𝑛𝑠𝑡𝑟𝑎𝑖𝑛𝑡𝑠</m:t>
+                      </m:r>
+                    </m:oMath>
+                  </m:oMathPara>
+                </a14:m>
+                <a:endParaRPr lang="en-US" sz="2800" dirty="0"/>
+              </a:p>
+            </p:txBody>
+          </p:sp>
+        </mc:Choice>
+        <mc:Fallback>
+          <p:sp>
+            <p:nvSpPr>
+              <p:cNvPr id="113" name="TextBox 112"/>
+              <p:cNvSpPr txBox="1">
+                <a:spLocks noRot="1" noChangeAspect="1" noMove="1" noResize="1" noEditPoints="1" noAdjustHandles="1" noChangeArrowheads="1" noChangeShapeType="1" noTextEdit="1"/>
+              </p:cNvSpPr>
+              <p:nvPr/>
+            </p:nvSpPr>
+            <p:spPr>
+              <a:xfrm>
+                <a:off x="6074242" y="285226"/>
+                <a:ext cx="2190984" cy="523220"/>
+              </a:xfrm>
+              <a:prstGeom prst="rect">
+                <a:avLst/>
+              </a:prstGeom>
+              <a:blipFill rotWithShape="0">
+                <a:blip r:embed="rId2"/>
+                <a:stretch>
+                  <a:fillRect/>
+                </a:stretch>
+              </a:blipFill>
+            </p:spPr>
+            <p:txBody>
+              <a:bodyPr/>
+              <a:lstStyle/>
+              <a:p>
+                <a:r>
+                  <a:rPr lang="en-US">
+                    <a:noFill/>
+                  </a:rPr>
+                  <a:t> </a:t>
+                </a:r>
+              </a:p>
+            </p:txBody>
+          </p:sp>
+        </mc:Fallback>
+      </mc:AlternateContent>
+      <p:cxnSp>
+        <p:nvCxnSpPr>
+          <p:cNvPr id="114" name="Straight Arrow Connector 113"/>
+          <p:cNvCxnSpPr>
+            <a:endCxn id="7" idx="0"/>
+          </p:cNvCxnSpPr>
+          <p:nvPr/>
+        </p:nvCxnSpPr>
+        <p:spPr>
+          <a:xfrm>
+            <a:off x="7131200" y="875754"/>
+            <a:ext cx="0" cy="705033"/>
+          </a:xfrm>
+          <a:prstGeom prst="straightConnector1">
+            <a:avLst/>
+          </a:prstGeom>
+          <a:ln w="28575">
+            <a:tailEnd type="triangle"/>
+          </a:ln>
+        </p:spPr>
+        <p:style>
+          <a:lnRef idx="1">
+            <a:schemeClr val="accent1"/>
+          </a:lnRef>
+          <a:fillRef idx="0">
+            <a:schemeClr val="accent1"/>
+          </a:fillRef>
+          <a:effectRef idx="0">
+            <a:schemeClr val="accent1"/>
+          </a:effectRef>
+          <a:fontRef idx="minor">
+            <a:schemeClr val="tx1"/>
+          </a:fontRef>
+        </p:style>
+      </p:cxnSp>
+      <p:sp>
+        <p:nvSpPr>
+          <p:cNvPr id="6" name="Slide Number Placeholder 5"/>
+          <p:cNvSpPr>
+            <a:spLocks noGrp="1"/>
+          </p:cNvSpPr>
+          <p:nvPr>
+            <p:ph type="sldNum" sz="quarter" idx="12"/>
+          </p:nvPr>
+        </p:nvSpPr>
+        <p:spPr>
+          <a:xfrm>
+            <a:off x="582308" y="779349"/>
+            <a:ext cx="779767" cy="365125"/>
+          </a:xfrm>
+        </p:spPr>
+        <p:txBody>
+          <a:bodyPr/>
+          <a:lstStyle/>
+          <a:p>
+            <a:fld id="{9A0678A6-D03C-427C-87B3-2EDFDC71965B}" type="slidenum">
+              <a:rPr lang="en-US" smtClean="0"/>
+              <a:t>7</a:t>
+            </a:fld>
+            <a:endParaRPr lang="en-US" dirty="0"/>
+          </a:p>
+        </p:txBody>
+      </p:sp>
+    </p:spTree>
+    <p:extLst>
+      <p:ext uri="{BB962C8B-B14F-4D97-AF65-F5344CB8AC3E}">
+        <p14:creationId xmlns:p14="http://schemas.microsoft.com/office/powerpoint/2010/main" val="711031054"/>
+      </p:ext>
+    </p:extLst>
+  </p:cSld>
+  <p:clrMapOvr>
+    <a:masterClrMapping/>
+  </p:clrMapOvr>
+  <p:timing>
+    <p:tnLst>
+      <p:par>
+        <p:cTn id="1" dur="indefinite" restart="never" nodeType="tmRoot"/>
+      </p:par>
+    </p:tnLst>
+  </p:timing>
+</p:sld>
+</file>
+
+<file path=ppt/slides/slide8.xml><?xml version="1.0" encoding="utf-8"?>
+<p:sld xmlns:a="http://schemas.openxmlformats.org/drawingml/2006/main" xmlns:r="http://schemas.openxmlformats.org/officeDocument/2006/relationships" xmlns:p="http://schemas.openxmlformats.org/presentationml/2006/main">
+  <p:cSld>
+    <p:spTree>
+      <p:nvGrpSpPr>
+        <p:cNvPr id="1" name=""/>
+        <p:cNvGrpSpPr/>
+        <p:nvPr/>
+      </p:nvGrpSpPr>
+      <p:grpSpPr>
+        <a:xfrm>
+          <a:off x="0" y="0"/>
+          <a:ext cx="0" cy="0"/>
+          <a:chOff x="0" y="0"/>
+          <a:chExt cx="0" cy="0"/>
+        </a:xfrm>
+      </p:grpSpPr>
       <p:pic>
         <p:nvPicPr>
           <p:cNvPr id="83" name="Picture 82"/>
@@ -15202,7 +18068,7 @@
           <a:p>
             <a:fld id="{9A0678A6-D03C-427C-87B3-2EDFDC71965B}" type="slidenum">
               <a:rPr lang="en-US" smtClean="0"/>
-              <a:t>7</a:t>
+              <a:t>8</a:t>
             </a:fld>
             <a:endParaRPr lang="en-US"/>
           </a:p>
@@ -18173,7 +21039,7 @@
 </p:sld>
 </file>
 
-<file path=ppt/slides/slide8.xml><?xml version="1.0" encoding="utf-8"?>
+<file path=ppt/slides/slide9.xml><?xml version="1.0" encoding="utf-8"?>
 <p:sld xmlns:a="http://schemas.openxmlformats.org/drawingml/2006/main" xmlns:r="http://schemas.openxmlformats.org/officeDocument/2006/relationships" xmlns:p="http://schemas.openxmlformats.org/presentationml/2006/main">
   <p:cSld>
     <p:spTree>
@@ -18234,7 +21100,7 @@
           <a:p>
             <a:fld id="{9A0678A6-D03C-427C-87B3-2EDFDC71965B}" type="slidenum">
               <a:rPr lang="en-US" smtClean="0"/>
-              <a:t>8</a:t>
+              <a:t>9</a:t>
             </a:fld>
             <a:endParaRPr lang="en-US"/>
           </a:p>
@@ -19820,1576 +22686,6 @@
       <p:bldP spid="19" grpId="0"/>
       <p:bldP spid="21" grpId="0"/>
     </p:bldLst>
-  </p:timing>
-</p:sld>
-</file>
-
-<file path=ppt/slides/slide9.xml><?xml version="1.0" encoding="utf-8"?>
-<p:sld xmlns:a="http://schemas.openxmlformats.org/drawingml/2006/main" xmlns:r="http://schemas.openxmlformats.org/officeDocument/2006/relationships" xmlns:p="http://schemas.openxmlformats.org/presentationml/2006/main">
-  <p:cSld>
-    <p:spTree>
-      <p:nvGrpSpPr>
-        <p:cNvPr id="1" name=""/>
-        <p:cNvGrpSpPr/>
-        <p:nvPr/>
-      </p:nvGrpSpPr>
-      <p:grpSpPr>
-        <a:xfrm>
-          <a:off x="0" y="0"/>
-          <a:ext cx="0" cy="0"/>
-          <a:chOff x="0" y="0"/>
-          <a:chExt cx="0" cy="0"/>
-        </a:xfrm>
-      </p:grpSpPr>
-      <p:sp>
-        <p:nvSpPr>
-          <p:cNvPr id="2" name="Title 1"/>
-          <p:cNvSpPr>
-            <a:spLocks noGrp="1"/>
-          </p:cNvSpPr>
-          <p:nvPr>
-            <p:ph type="title"/>
-          </p:nvPr>
-        </p:nvSpPr>
-        <p:spPr>
-          <a:xfrm>
-            <a:off x="2609409" y="563905"/>
-            <a:ext cx="10515600" cy="1325563"/>
-          </a:xfrm>
-        </p:spPr>
-        <p:txBody>
-          <a:bodyPr/>
-          <a:lstStyle/>
-          <a:p>
-            <a:endParaRPr lang="en-US" dirty="0"/>
-          </a:p>
-        </p:txBody>
-      </p:sp>
-      <p:sp>
-        <p:nvSpPr>
-          <p:cNvPr id="4" name="Rectangle 3"/>
-          <p:cNvSpPr/>
-          <p:nvPr/>
-        </p:nvSpPr>
-        <p:spPr>
-          <a:xfrm>
-            <a:off x="2968917" y="1157493"/>
-            <a:ext cx="7820808" cy="5251806"/>
-          </a:xfrm>
-          <a:prstGeom prst="rect">
-            <a:avLst/>
-          </a:prstGeom>
-          <a:ln w="76200">
-            <a:solidFill>
-              <a:srgbClr val="00B050"/>
-            </a:solidFill>
-          </a:ln>
-        </p:spPr>
-        <p:style>
-          <a:lnRef idx="2">
-            <a:schemeClr val="accent1"/>
-          </a:lnRef>
-          <a:fillRef idx="1">
-            <a:schemeClr val="lt1"/>
-          </a:fillRef>
-          <a:effectRef idx="0">
-            <a:schemeClr val="accent1"/>
-          </a:effectRef>
-          <a:fontRef idx="minor">
-            <a:schemeClr val="dk1"/>
-          </a:fontRef>
-        </p:style>
-        <p:txBody>
-          <a:bodyPr rtlCol="0" anchor="ctr"/>
-          <a:lstStyle/>
-          <a:p>
-            <a:pPr algn="ctr"/>
-            <a:r>
-              <a:rPr lang="en-US" dirty="0" err="1" smtClean="0"/>
-              <a:t>Yest</a:t>
-            </a:r>
-            <a:endParaRPr lang="en-US" dirty="0"/>
-          </a:p>
-        </p:txBody>
-      </p:sp>
-      <p:sp>
-        <p:nvSpPr>
-          <p:cNvPr id="7" name="TextBox 6"/>
-          <p:cNvSpPr txBox="1"/>
-          <p:nvPr/>
-        </p:nvSpPr>
-        <p:spPr>
-          <a:xfrm>
-            <a:off x="6133399" y="1580787"/>
-            <a:ext cx="1995602" cy="461665"/>
-          </a:xfrm>
-          <a:prstGeom prst="rect">
-            <a:avLst/>
-          </a:prstGeom>
-          <a:solidFill>
-            <a:srgbClr val="00B050"/>
-          </a:solidFill>
-        </p:spPr>
-        <p:txBody>
-          <a:bodyPr wrap="square" rtlCol="0">
-            <a:spAutoFit/>
-          </a:bodyPr>
-          <a:lstStyle/>
-          <a:p>
-            <a:pPr algn="ctr"/>
-            <a:r>
-              <a:rPr lang="en-US" sz="2400" dirty="0" smtClean="0"/>
-              <a:t>SAT solver</a:t>
-            </a:r>
-            <a:endParaRPr lang="en-US" sz="2400" dirty="0"/>
-          </a:p>
-        </p:txBody>
-      </p:sp>
-      <p:sp>
-        <p:nvSpPr>
-          <p:cNvPr id="8" name="TextBox 7"/>
-          <p:cNvSpPr txBox="1"/>
-          <p:nvPr/>
-        </p:nvSpPr>
-        <p:spPr>
-          <a:xfrm>
-            <a:off x="3037006" y="2565679"/>
-            <a:ext cx="7697648" cy="3760649"/>
-          </a:xfrm>
-          <a:prstGeom prst="rect">
-            <a:avLst/>
-          </a:prstGeom>
-          <a:solidFill>
-            <a:srgbClr val="FFC000"/>
-          </a:solidFill>
-        </p:spPr>
-        <p:txBody>
-          <a:bodyPr vert="horz" wrap="square" rtlCol="0" anchor="b" anchorCtr="0">
-            <a:noAutofit/>
-          </a:bodyPr>
-          <a:lstStyle/>
-          <a:p>
-            <a:pPr algn="r"/>
-            <a:r>
-              <a:rPr lang="en-US" dirty="0" smtClean="0"/>
-              <a:t>Theory solver</a:t>
-            </a:r>
-            <a:endParaRPr lang="en-US" dirty="0"/>
-          </a:p>
-        </p:txBody>
-      </p:sp>
-      <p:sp>
-        <p:nvSpPr>
-          <p:cNvPr id="9" name="TextBox 8"/>
-          <p:cNvSpPr txBox="1"/>
-          <p:nvPr/>
-        </p:nvSpPr>
-        <p:spPr>
-          <a:xfrm>
-            <a:off x="5979441" y="3535946"/>
-            <a:ext cx="2278886" cy="830997"/>
-          </a:xfrm>
-          <a:prstGeom prst="rect">
-            <a:avLst/>
-          </a:prstGeom>
-          <a:solidFill>
-            <a:srgbClr val="00B050"/>
-          </a:solidFill>
-        </p:spPr>
-        <p:txBody>
-          <a:bodyPr wrap="square" rtlCol="0">
-            <a:spAutoFit/>
-          </a:bodyPr>
-          <a:lstStyle/>
-          <a:p>
-            <a:pPr algn="ctr"/>
-            <a:r>
-              <a:rPr lang="en-US" sz="2400" dirty="0" smtClean="0"/>
-              <a:t>Interval Arithmetic</a:t>
-            </a:r>
-            <a:endParaRPr lang="en-US" sz="2400" dirty="0"/>
-          </a:p>
-        </p:txBody>
-      </p:sp>
-      <p:cxnSp>
-        <p:nvCxnSpPr>
-          <p:cNvPr id="29" name="Straight Arrow Connector 28"/>
-          <p:cNvCxnSpPr>
-            <a:stCxn id="7" idx="2"/>
-            <a:endCxn id="9" idx="0"/>
-          </p:cNvCxnSpPr>
-          <p:nvPr/>
-        </p:nvCxnSpPr>
-        <p:spPr>
-          <a:xfrm flipH="1">
-            <a:off x="7118884" y="2042452"/>
-            <a:ext cx="12316" cy="1493494"/>
-          </a:xfrm>
-          <a:prstGeom prst="straightConnector1">
-            <a:avLst/>
-          </a:prstGeom>
-          <a:ln w="28575">
-            <a:solidFill>
-              <a:srgbClr val="00B050"/>
-            </a:solidFill>
-            <a:tailEnd type="triangle"/>
-          </a:ln>
-        </p:spPr>
-        <p:style>
-          <a:lnRef idx="1">
-            <a:schemeClr val="accent1"/>
-          </a:lnRef>
-          <a:fillRef idx="0">
-            <a:schemeClr val="accent1"/>
-          </a:fillRef>
-          <a:effectRef idx="0">
-            <a:schemeClr val="accent1"/>
-          </a:effectRef>
-          <a:fontRef idx="minor">
-            <a:schemeClr val="tx1"/>
-          </a:fontRef>
-        </p:style>
-      </p:cxnSp>
-      <p:cxnSp>
-        <p:nvCxnSpPr>
-          <p:cNvPr id="36" name="Straight Arrow Connector 35"/>
-          <p:cNvCxnSpPr/>
-          <p:nvPr/>
-        </p:nvCxnSpPr>
-        <p:spPr>
-          <a:xfrm>
-            <a:off x="8129001" y="1800148"/>
-            <a:ext cx="2919805" cy="26981"/>
-          </a:xfrm>
-          <a:prstGeom prst="straightConnector1">
-            <a:avLst/>
-          </a:prstGeom>
-          <a:ln w="28575">
-            <a:solidFill>
-              <a:srgbClr val="C00000"/>
-            </a:solidFill>
-            <a:tailEnd type="triangle"/>
-          </a:ln>
-        </p:spPr>
-        <p:style>
-          <a:lnRef idx="1">
-            <a:schemeClr val="accent1"/>
-          </a:lnRef>
-          <a:fillRef idx="0">
-            <a:schemeClr val="accent1"/>
-          </a:fillRef>
-          <a:effectRef idx="0">
-            <a:schemeClr val="accent1"/>
-          </a:effectRef>
-          <a:fontRef idx="minor">
-            <a:schemeClr val="tx1"/>
-          </a:fontRef>
-        </p:style>
-      </p:cxnSp>
-      <p:sp>
-        <p:nvSpPr>
-          <p:cNvPr id="40" name="TextBox 39"/>
-          <p:cNvSpPr txBox="1"/>
-          <p:nvPr/>
-        </p:nvSpPr>
-        <p:spPr>
-          <a:xfrm>
-            <a:off x="11048806" y="1642463"/>
-            <a:ext cx="1217000" cy="646331"/>
-          </a:xfrm>
-          <a:prstGeom prst="rect">
-            <a:avLst/>
-          </a:prstGeom>
-          <a:noFill/>
-        </p:spPr>
-        <p:txBody>
-          <a:bodyPr wrap="none" rtlCol="0">
-            <a:spAutoFit/>
-          </a:bodyPr>
-          <a:lstStyle/>
-          <a:p>
-            <a:r>
-              <a:rPr lang="en-US" dirty="0" smtClean="0">
-                <a:solidFill>
-                  <a:srgbClr val="FF0000"/>
-                </a:solidFill>
-              </a:rPr>
-              <a:t>UNSAT</a:t>
-            </a:r>
-            <a:r>
-              <a:rPr lang="en-US" dirty="0" smtClean="0"/>
-              <a:t>/</a:t>
-            </a:r>
-          </a:p>
-          <a:p>
-            <a:r>
-              <a:rPr lang="en-US" dirty="0" smtClean="0"/>
-              <a:t>Unknown</a:t>
-            </a:r>
-            <a:endParaRPr lang="en-US" dirty="0"/>
-          </a:p>
-        </p:txBody>
-      </p:sp>
-      <p:sp>
-        <p:nvSpPr>
-          <p:cNvPr id="41" name="TextBox 40"/>
-          <p:cNvSpPr txBox="1"/>
-          <p:nvPr/>
-        </p:nvSpPr>
-        <p:spPr>
-          <a:xfrm>
-            <a:off x="8153146" y="1411509"/>
-            <a:ext cx="519694" cy="400110"/>
-          </a:xfrm>
-          <a:prstGeom prst="rect">
-            <a:avLst/>
-          </a:prstGeom>
-          <a:noFill/>
-        </p:spPr>
-        <p:txBody>
-          <a:bodyPr wrap="none" rtlCol="0">
-            <a:spAutoFit/>
-          </a:bodyPr>
-          <a:lstStyle/>
-          <a:p>
-            <a:r>
-              <a:rPr lang="en-US" sz="2000" dirty="0" smtClean="0">
-                <a:solidFill>
-                  <a:srgbClr val="C00000"/>
-                </a:solidFill>
-              </a:rPr>
-              <a:t>NO</a:t>
-            </a:r>
-            <a:endParaRPr lang="en-US" sz="2000" dirty="0">
-              <a:solidFill>
-                <a:srgbClr val="C00000"/>
-              </a:solidFill>
-            </a:endParaRPr>
-          </a:p>
-        </p:txBody>
-      </p:sp>
-      <p:sp>
-        <p:nvSpPr>
-          <p:cNvPr id="42" name="TextBox 41"/>
-          <p:cNvSpPr txBox="1"/>
-          <p:nvPr/>
-        </p:nvSpPr>
-        <p:spPr>
-          <a:xfrm>
-            <a:off x="7081060" y="2588410"/>
-            <a:ext cx="603050" cy="400110"/>
-          </a:xfrm>
-          <a:prstGeom prst="rect">
-            <a:avLst/>
-          </a:prstGeom>
-          <a:noFill/>
-        </p:spPr>
-        <p:txBody>
-          <a:bodyPr wrap="none" rtlCol="0">
-            <a:spAutoFit/>
-          </a:bodyPr>
-          <a:lstStyle/>
-          <a:p>
-            <a:r>
-              <a:rPr lang="en-US" sz="2000" dirty="0" smtClean="0">
-                <a:solidFill>
-                  <a:srgbClr val="00B050"/>
-                </a:solidFill>
-              </a:rPr>
-              <a:t>YES</a:t>
-            </a:r>
-            <a:endParaRPr lang="en-US" dirty="0">
-              <a:solidFill>
-                <a:srgbClr val="00B050"/>
-              </a:solidFill>
-            </a:endParaRPr>
-          </a:p>
-        </p:txBody>
-      </p:sp>
-      <p:cxnSp>
-        <p:nvCxnSpPr>
-          <p:cNvPr id="43" name="Straight Arrow Connector 42"/>
-          <p:cNvCxnSpPr>
-            <a:endCxn id="110" idx="1"/>
-          </p:cNvCxnSpPr>
-          <p:nvPr/>
-        </p:nvCxnSpPr>
-        <p:spPr>
-          <a:xfrm flipV="1">
-            <a:off x="8265226" y="3736000"/>
-            <a:ext cx="1105007" cy="47396"/>
-          </a:xfrm>
-          <a:prstGeom prst="straightConnector1">
-            <a:avLst/>
-          </a:prstGeom>
-          <a:ln w="28575">
-            <a:solidFill>
-              <a:srgbClr val="C00000"/>
-            </a:solidFill>
-            <a:tailEnd type="triangle"/>
-          </a:ln>
-        </p:spPr>
-        <p:style>
-          <a:lnRef idx="1">
-            <a:schemeClr val="accent1"/>
-          </a:lnRef>
-          <a:fillRef idx="0">
-            <a:schemeClr val="accent1"/>
-          </a:fillRef>
-          <a:effectRef idx="0">
-            <a:schemeClr val="accent1"/>
-          </a:effectRef>
-          <a:fontRef idx="minor">
-            <a:schemeClr val="tx1"/>
-          </a:fontRef>
-        </p:style>
-      </p:cxnSp>
-      <p:cxnSp>
-        <p:nvCxnSpPr>
-          <p:cNvPr id="45" name="Straight Arrow Connector 44"/>
-          <p:cNvCxnSpPr>
-            <a:stCxn id="110" idx="0"/>
-          </p:cNvCxnSpPr>
-          <p:nvPr/>
-        </p:nvCxnSpPr>
-        <p:spPr>
-          <a:xfrm flipH="1" flipV="1">
-            <a:off x="7967638" y="2019473"/>
-            <a:ext cx="2060970" cy="1516472"/>
-          </a:xfrm>
-          <a:prstGeom prst="straightConnector1">
-            <a:avLst/>
-          </a:prstGeom>
-          <a:ln w="28575">
-            <a:solidFill>
-              <a:srgbClr val="C00000"/>
-            </a:solidFill>
-            <a:tailEnd type="triangle"/>
-          </a:ln>
-        </p:spPr>
-        <p:style>
-          <a:lnRef idx="1">
-            <a:schemeClr val="accent1"/>
-          </a:lnRef>
-          <a:fillRef idx="0">
-            <a:schemeClr val="accent1"/>
-          </a:fillRef>
-          <a:effectRef idx="0">
-            <a:schemeClr val="accent1"/>
-          </a:effectRef>
-          <a:fontRef idx="minor">
-            <a:schemeClr val="tx1"/>
-          </a:fontRef>
-        </p:style>
-      </p:cxnSp>
-      <p:sp>
-        <p:nvSpPr>
-          <p:cNvPr id="48" name="TextBox 47"/>
-          <p:cNvSpPr txBox="1"/>
-          <p:nvPr/>
-        </p:nvSpPr>
-        <p:spPr>
-          <a:xfrm rot="2256794">
-            <a:off x="8231650" y="2430494"/>
-            <a:ext cx="1694310" cy="400110"/>
-          </a:xfrm>
-          <a:prstGeom prst="rect">
-            <a:avLst/>
-          </a:prstGeom>
-          <a:noFill/>
-        </p:spPr>
-        <p:txBody>
-          <a:bodyPr wrap="none" rtlCol="0">
-            <a:spAutoFit/>
-          </a:bodyPr>
-          <a:lstStyle/>
-          <a:p>
-            <a:r>
-              <a:rPr lang="en-US" sz="2000" dirty="0" smtClean="0">
-                <a:solidFill>
-                  <a:srgbClr val="C00000"/>
-                </a:solidFill>
-              </a:rPr>
-              <a:t>Learn conflicts</a:t>
-            </a:r>
-            <a:endParaRPr lang="en-US" sz="2000" dirty="0">
-              <a:solidFill>
-                <a:srgbClr val="C00000"/>
-              </a:solidFill>
-            </a:endParaRPr>
-          </a:p>
-        </p:txBody>
-      </p:sp>
-      <p:sp>
-        <p:nvSpPr>
-          <p:cNvPr id="49" name="TextBox 48"/>
-          <p:cNvSpPr txBox="1"/>
-          <p:nvPr/>
-        </p:nvSpPr>
-        <p:spPr>
-          <a:xfrm>
-            <a:off x="8153146" y="3317163"/>
-            <a:ext cx="1300356" cy="400110"/>
-          </a:xfrm>
-          <a:prstGeom prst="rect">
-            <a:avLst/>
-          </a:prstGeom>
-          <a:noFill/>
-        </p:spPr>
-        <p:txBody>
-          <a:bodyPr wrap="none" rtlCol="0">
-            <a:spAutoFit/>
-          </a:bodyPr>
-          <a:lstStyle/>
-          <a:p>
-            <a:r>
-              <a:rPr lang="en-US" sz="2000" dirty="0" smtClean="0">
-                <a:solidFill>
-                  <a:srgbClr val="C00000"/>
-                </a:solidFill>
-              </a:rPr>
-              <a:t>IA-UNSAT</a:t>
-            </a:r>
-            <a:endParaRPr lang="en-US" dirty="0">
-              <a:solidFill>
-                <a:srgbClr val="C00000"/>
-              </a:solidFill>
-            </a:endParaRPr>
-          </a:p>
-        </p:txBody>
-      </p:sp>
-      <p:sp>
-        <p:nvSpPr>
-          <p:cNvPr id="51" name="TextBox 50"/>
-          <p:cNvSpPr txBox="1"/>
-          <p:nvPr/>
-        </p:nvSpPr>
-        <p:spPr>
-          <a:xfrm>
-            <a:off x="6133399" y="5223744"/>
-            <a:ext cx="1995602" cy="461665"/>
-          </a:xfrm>
-          <a:prstGeom prst="rect">
-            <a:avLst/>
-          </a:prstGeom>
-          <a:solidFill>
-            <a:srgbClr val="00B050"/>
-          </a:solidFill>
-        </p:spPr>
-        <p:txBody>
-          <a:bodyPr wrap="square" rtlCol="0">
-            <a:spAutoFit/>
-          </a:bodyPr>
-          <a:lstStyle/>
-          <a:p>
-            <a:pPr algn="ctr"/>
-            <a:r>
-              <a:rPr lang="en-US" sz="2400" dirty="0" smtClean="0"/>
-              <a:t>Testing</a:t>
-            </a:r>
-            <a:endParaRPr lang="en-US" sz="2400" dirty="0"/>
-          </a:p>
-        </p:txBody>
-      </p:sp>
-      <p:cxnSp>
-        <p:nvCxnSpPr>
-          <p:cNvPr id="52" name="Straight Arrow Connector 51"/>
-          <p:cNvCxnSpPr>
-            <a:stCxn id="9" idx="2"/>
-            <a:endCxn id="51" idx="0"/>
-          </p:cNvCxnSpPr>
-          <p:nvPr/>
-        </p:nvCxnSpPr>
-        <p:spPr>
-          <a:xfrm>
-            <a:off x="7118884" y="4366943"/>
-            <a:ext cx="12316" cy="856801"/>
-          </a:xfrm>
-          <a:prstGeom prst="straightConnector1">
-            <a:avLst/>
-          </a:prstGeom>
-          <a:ln w="28575">
-            <a:solidFill>
-              <a:schemeClr val="tx1"/>
-            </a:solidFill>
-            <a:tailEnd type="triangle"/>
-          </a:ln>
-        </p:spPr>
-        <p:style>
-          <a:lnRef idx="1">
-            <a:schemeClr val="accent1"/>
-          </a:lnRef>
-          <a:fillRef idx="0">
-            <a:schemeClr val="accent1"/>
-          </a:fillRef>
-          <a:effectRef idx="0">
-            <a:schemeClr val="accent1"/>
-          </a:effectRef>
-          <a:fontRef idx="minor">
-            <a:schemeClr val="tx1"/>
-          </a:fontRef>
-        </p:style>
-      </p:cxnSp>
-      <p:sp>
-        <p:nvSpPr>
-          <p:cNvPr id="54" name="TextBox 53"/>
-          <p:cNvSpPr txBox="1"/>
-          <p:nvPr/>
-        </p:nvSpPr>
-        <p:spPr>
-          <a:xfrm>
-            <a:off x="6219222" y="4537549"/>
-            <a:ext cx="1874231" cy="400110"/>
-          </a:xfrm>
-          <a:prstGeom prst="rect">
-            <a:avLst/>
-          </a:prstGeom>
-          <a:noFill/>
-        </p:spPr>
-        <p:txBody>
-          <a:bodyPr wrap="none" rtlCol="0">
-            <a:spAutoFit/>
-          </a:bodyPr>
-          <a:lstStyle/>
-          <a:p>
-            <a:r>
-              <a:rPr lang="en-US" sz="2000" dirty="0" smtClean="0"/>
-              <a:t>IA-UNKNOWN</a:t>
-            </a:r>
-            <a:endParaRPr lang="en-US" dirty="0"/>
-          </a:p>
-        </p:txBody>
-      </p:sp>
-      <p:cxnSp>
-        <p:nvCxnSpPr>
-          <p:cNvPr id="57" name="Straight Arrow Connector 56"/>
-          <p:cNvCxnSpPr/>
-          <p:nvPr/>
-        </p:nvCxnSpPr>
-        <p:spPr>
-          <a:xfrm>
-            <a:off x="7788882" y="3997611"/>
-            <a:ext cx="3434794" cy="1479987"/>
-          </a:xfrm>
-          <a:prstGeom prst="straightConnector1">
-            <a:avLst/>
-          </a:prstGeom>
-          <a:ln w="28575">
-            <a:solidFill>
-              <a:srgbClr val="00B050"/>
-            </a:solidFill>
-            <a:tailEnd type="triangle"/>
-          </a:ln>
-        </p:spPr>
-        <p:style>
-          <a:lnRef idx="1">
-            <a:schemeClr val="accent1"/>
-          </a:lnRef>
-          <a:fillRef idx="0">
-            <a:schemeClr val="accent1"/>
-          </a:fillRef>
-          <a:effectRef idx="0">
-            <a:schemeClr val="accent1"/>
-          </a:effectRef>
-          <a:fontRef idx="minor">
-            <a:schemeClr val="tx1"/>
-          </a:fontRef>
-        </p:style>
-      </p:cxnSp>
-      <p:sp>
-        <p:nvSpPr>
-          <p:cNvPr id="60" name="TextBox 59"/>
-          <p:cNvSpPr txBox="1"/>
-          <p:nvPr/>
-        </p:nvSpPr>
-        <p:spPr>
-          <a:xfrm>
-            <a:off x="11218960" y="5282573"/>
-            <a:ext cx="782587" cy="523220"/>
-          </a:xfrm>
-          <a:prstGeom prst="rect">
-            <a:avLst/>
-          </a:prstGeom>
-          <a:noFill/>
-        </p:spPr>
-        <p:txBody>
-          <a:bodyPr wrap="none" rtlCol="0">
-            <a:spAutoFit/>
-          </a:bodyPr>
-          <a:lstStyle/>
-          <a:p>
-            <a:r>
-              <a:rPr lang="en-US" sz="2800" dirty="0" smtClean="0">
-                <a:solidFill>
-                  <a:srgbClr val="00B050"/>
-                </a:solidFill>
-              </a:rPr>
-              <a:t>SAT</a:t>
-            </a:r>
-            <a:endParaRPr lang="en-US" dirty="0">
-              <a:solidFill>
-                <a:srgbClr val="00B050"/>
-              </a:solidFill>
-            </a:endParaRPr>
-          </a:p>
-        </p:txBody>
-      </p:sp>
-      <p:sp>
-        <p:nvSpPr>
-          <p:cNvPr id="61" name="TextBox 60"/>
-          <p:cNvSpPr txBox="1"/>
-          <p:nvPr/>
-        </p:nvSpPr>
-        <p:spPr>
-          <a:xfrm rot="1326222">
-            <a:off x="8942968" y="4428701"/>
-            <a:ext cx="1252266" cy="400110"/>
-          </a:xfrm>
-          <a:prstGeom prst="rect">
-            <a:avLst/>
-          </a:prstGeom>
-          <a:noFill/>
-        </p:spPr>
-        <p:txBody>
-          <a:bodyPr wrap="none" rtlCol="0">
-            <a:spAutoFit/>
-          </a:bodyPr>
-          <a:lstStyle/>
-          <a:p>
-            <a:r>
-              <a:rPr lang="en-US" sz="2000" dirty="0" smtClean="0">
-                <a:solidFill>
-                  <a:srgbClr val="00B050"/>
-                </a:solidFill>
-              </a:rPr>
-              <a:t>IA-VALID</a:t>
-            </a:r>
-            <a:endParaRPr lang="en-US" sz="2000" dirty="0">
-              <a:solidFill>
-                <a:srgbClr val="00B050"/>
-              </a:solidFill>
-            </a:endParaRPr>
-          </a:p>
-        </p:txBody>
-      </p:sp>
-      <p:cxnSp>
-        <p:nvCxnSpPr>
-          <p:cNvPr id="62" name="Straight Arrow Connector 61"/>
-          <p:cNvCxnSpPr/>
-          <p:nvPr/>
-        </p:nvCxnSpPr>
-        <p:spPr>
-          <a:xfrm flipV="1">
-            <a:off x="8118088" y="5544183"/>
-            <a:ext cx="3105588" cy="22186"/>
-          </a:xfrm>
-          <a:prstGeom prst="straightConnector1">
-            <a:avLst/>
-          </a:prstGeom>
-          <a:ln w="28575">
-            <a:solidFill>
-              <a:srgbClr val="00B050"/>
-            </a:solidFill>
-            <a:tailEnd type="triangle"/>
-          </a:ln>
-        </p:spPr>
-        <p:style>
-          <a:lnRef idx="1">
-            <a:schemeClr val="accent1"/>
-          </a:lnRef>
-          <a:fillRef idx="0">
-            <a:schemeClr val="accent1"/>
-          </a:fillRef>
-          <a:effectRef idx="0">
-            <a:schemeClr val="accent1"/>
-          </a:effectRef>
-          <a:fontRef idx="minor">
-            <a:schemeClr val="tx1"/>
-          </a:fontRef>
-        </p:style>
-      </p:cxnSp>
-      <p:sp>
-        <p:nvSpPr>
-          <p:cNvPr id="65" name="TextBox 64"/>
-          <p:cNvSpPr txBox="1"/>
-          <p:nvPr/>
-        </p:nvSpPr>
-        <p:spPr>
-          <a:xfrm>
-            <a:off x="8998122" y="5198436"/>
-            <a:ext cx="1180131" cy="400110"/>
-          </a:xfrm>
-          <a:prstGeom prst="rect">
-            <a:avLst/>
-          </a:prstGeom>
-          <a:noFill/>
-        </p:spPr>
-        <p:txBody>
-          <a:bodyPr wrap="none" rtlCol="0">
-            <a:spAutoFit/>
-          </a:bodyPr>
-          <a:lstStyle/>
-          <a:p>
-            <a:r>
-              <a:rPr lang="en-US" sz="2000" dirty="0" smtClean="0">
-                <a:solidFill>
-                  <a:srgbClr val="00B050"/>
-                </a:solidFill>
-              </a:rPr>
-              <a:t>TEST-SAT</a:t>
-            </a:r>
-            <a:endParaRPr lang="en-US" dirty="0">
-              <a:solidFill>
-                <a:srgbClr val="00B050"/>
-              </a:solidFill>
-            </a:endParaRPr>
-          </a:p>
-        </p:txBody>
-      </p:sp>
-      <p:sp>
-        <p:nvSpPr>
-          <p:cNvPr id="66" name="TextBox 65"/>
-          <p:cNvSpPr txBox="1"/>
-          <p:nvPr/>
-        </p:nvSpPr>
-        <p:spPr>
-          <a:xfrm>
-            <a:off x="3151080" y="4117504"/>
-            <a:ext cx="1995602" cy="461665"/>
-          </a:xfrm>
-          <a:prstGeom prst="rect">
-            <a:avLst/>
-          </a:prstGeom>
-          <a:solidFill>
-            <a:srgbClr val="00B050"/>
-          </a:solidFill>
-        </p:spPr>
-        <p:txBody>
-          <a:bodyPr wrap="square" rtlCol="0">
-            <a:spAutoFit/>
-          </a:bodyPr>
-          <a:lstStyle/>
-          <a:p>
-            <a:pPr algn="ctr"/>
-            <a:r>
-              <a:rPr lang="en-US" sz="2400" dirty="0" smtClean="0"/>
-              <a:t>Refinement</a:t>
-            </a:r>
-            <a:endParaRPr lang="en-US" sz="2400" dirty="0"/>
-          </a:p>
-        </p:txBody>
-      </p:sp>
-      <p:cxnSp>
-        <p:nvCxnSpPr>
-          <p:cNvPr id="67" name="Straight Arrow Connector 66"/>
-          <p:cNvCxnSpPr>
-            <a:stCxn id="51" idx="1"/>
-            <a:endCxn id="66" idx="2"/>
-          </p:cNvCxnSpPr>
-          <p:nvPr/>
-        </p:nvCxnSpPr>
-        <p:spPr>
-          <a:xfrm flipH="1" flipV="1">
-            <a:off x="4148881" y="4579169"/>
-            <a:ext cx="1984518" cy="875408"/>
-          </a:xfrm>
-          <a:prstGeom prst="straightConnector1">
-            <a:avLst/>
-          </a:prstGeom>
-          <a:ln w="28575">
-            <a:tailEnd type="triangle"/>
-          </a:ln>
-        </p:spPr>
-        <p:style>
-          <a:lnRef idx="1">
-            <a:schemeClr val="accent1"/>
-          </a:lnRef>
-          <a:fillRef idx="0">
-            <a:schemeClr val="accent1"/>
-          </a:fillRef>
-          <a:effectRef idx="0">
-            <a:schemeClr val="accent1"/>
-          </a:effectRef>
-          <a:fontRef idx="minor">
-            <a:schemeClr val="tx1"/>
-          </a:fontRef>
-        </p:style>
-      </p:cxnSp>
-      <p:sp>
-        <p:nvSpPr>
-          <p:cNvPr id="70" name="TextBox 69"/>
-          <p:cNvSpPr txBox="1"/>
-          <p:nvPr/>
-        </p:nvSpPr>
-        <p:spPr>
-          <a:xfrm rot="1586950">
-            <a:off x="4375451" y="5059542"/>
-            <a:ext cx="1515158" cy="400110"/>
-          </a:xfrm>
-          <a:prstGeom prst="rect">
-            <a:avLst/>
-          </a:prstGeom>
-          <a:noFill/>
-        </p:spPr>
-        <p:txBody>
-          <a:bodyPr wrap="none" rtlCol="0">
-            <a:spAutoFit/>
-          </a:bodyPr>
-          <a:lstStyle/>
-          <a:p>
-            <a:r>
-              <a:rPr lang="en-US" sz="2000" dirty="0" smtClean="0">
-                <a:solidFill>
-                  <a:schemeClr val="accent1"/>
-                </a:solidFill>
-              </a:rPr>
-              <a:t>Test-UNSAT</a:t>
-            </a:r>
-            <a:endParaRPr lang="en-US" sz="2000" dirty="0">
-              <a:solidFill>
-                <a:schemeClr val="accent1"/>
-              </a:solidFill>
-            </a:endParaRPr>
-          </a:p>
-        </p:txBody>
-      </p:sp>
-      <p:cxnSp>
-        <p:nvCxnSpPr>
-          <p:cNvPr id="71" name="Straight Arrow Connector 70"/>
-          <p:cNvCxnSpPr>
-            <a:stCxn id="66" idx="0"/>
-          </p:cNvCxnSpPr>
-          <p:nvPr/>
-        </p:nvCxnSpPr>
-        <p:spPr>
-          <a:xfrm flipV="1">
-            <a:off x="4148881" y="2057962"/>
-            <a:ext cx="2590736" cy="2059542"/>
-          </a:xfrm>
-          <a:prstGeom prst="straightConnector1">
-            <a:avLst/>
-          </a:prstGeom>
-          <a:ln w="28575">
-            <a:solidFill>
-              <a:srgbClr val="00B050"/>
-            </a:solidFill>
-            <a:tailEnd type="triangle"/>
-          </a:ln>
-        </p:spPr>
-        <p:style>
-          <a:lnRef idx="1">
-            <a:schemeClr val="accent1"/>
-          </a:lnRef>
-          <a:fillRef idx="0">
-            <a:schemeClr val="accent1"/>
-          </a:fillRef>
-          <a:effectRef idx="0">
-            <a:schemeClr val="accent1"/>
-          </a:effectRef>
-          <a:fontRef idx="minor">
-            <a:schemeClr val="tx1"/>
-          </a:fontRef>
-        </p:style>
-      </p:cxnSp>
-      <p:sp>
-        <p:nvSpPr>
-          <p:cNvPr id="74" name="TextBox 73"/>
-          <p:cNvSpPr txBox="1"/>
-          <p:nvPr/>
-        </p:nvSpPr>
-        <p:spPr>
-          <a:xfrm rot="19285774">
-            <a:off x="4313602" y="2606975"/>
-            <a:ext cx="2225721" cy="400110"/>
-          </a:xfrm>
-          <a:prstGeom prst="rect">
-            <a:avLst/>
-          </a:prstGeom>
-          <a:noFill/>
-        </p:spPr>
-        <p:txBody>
-          <a:bodyPr wrap="square" rtlCol="0">
-            <a:spAutoFit/>
-          </a:bodyPr>
-          <a:lstStyle/>
-          <a:p>
-            <a:r>
-              <a:rPr lang="en-US" sz="2000" dirty="0" smtClean="0">
-                <a:solidFill>
-                  <a:srgbClr val="00B050"/>
-                </a:solidFill>
-              </a:rPr>
-              <a:t>Refined clauses</a:t>
-            </a:r>
-            <a:endParaRPr lang="en-US" sz="2000" dirty="0">
-              <a:solidFill>
-                <a:srgbClr val="00B050"/>
-              </a:solidFill>
-            </a:endParaRPr>
-          </a:p>
-        </p:txBody>
-      </p:sp>
-      <p:cxnSp>
-        <p:nvCxnSpPr>
-          <p:cNvPr id="75" name="Straight Arrow Connector 74"/>
-          <p:cNvCxnSpPr>
-            <a:stCxn id="66" idx="0"/>
-          </p:cNvCxnSpPr>
-          <p:nvPr/>
-        </p:nvCxnSpPr>
-        <p:spPr>
-          <a:xfrm flipV="1">
-            <a:off x="4148881" y="1811619"/>
-            <a:ext cx="35807" cy="2305885"/>
-          </a:xfrm>
-          <a:prstGeom prst="straightConnector1">
-            <a:avLst/>
-          </a:prstGeom>
-          <a:ln w="28575">
-            <a:solidFill>
-              <a:srgbClr val="C00000"/>
-            </a:solidFill>
-            <a:tailEnd type="none"/>
-          </a:ln>
-        </p:spPr>
-        <p:style>
-          <a:lnRef idx="1">
-            <a:schemeClr val="accent1"/>
-          </a:lnRef>
-          <a:fillRef idx="0">
-            <a:schemeClr val="accent1"/>
-          </a:fillRef>
-          <a:effectRef idx="0">
-            <a:schemeClr val="accent1"/>
-          </a:effectRef>
-          <a:fontRef idx="minor">
-            <a:schemeClr val="tx1"/>
-          </a:fontRef>
-        </p:style>
-      </p:cxnSp>
-      <p:cxnSp>
-        <p:nvCxnSpPr>
-          <p:cNvPr id="78" name="Straight Arrow Connector 77"/>
-          <p:cNvCxnSpPr>
-            <a:endCxn id="7" idx="1"/>
-          </p:cNvCxnSpPr>
-          <p:nvPr/>
-        </p:nvCxnSpPr>
-        <p:spPr>
-          <a:xfrm>
-            <a:off x="4184688" y="1811619"/>
-            <a:ext cx="1948711" cy="1"/>
-          </a:xfrm>
-          <a:prstGeom prst="straightConnector1">
-            <a:avLst/>
-          </a:prstGeom>
-          <a:ln w="28575">
-            <a:solidFill>
-              <a:srgbClr val="C00000"/>
-            </a:solidFill>
-            <a:tailEnd type="triangle"/>
-          </a:ln>
-        </p:spPr>
-        <p:style>
-          <a:lnRef idx="1">
-            <a:schemeClr val="accent1"/>
-          </a:lnRef>
-          <a:fillRef idx="0">
-            <a:schemeClr val="accent1"/>
-          </a:fillRef>
-          <a:effectRef idx="0">
-            <a:schemeClr val="accent1"/>
-          </a:effectRef>
-          <a:fontRef idx="minor">
-            <a:schemeClr val="tx1"/>
-          </a:fontRef>
-        </p:style>
-      </p:cxnSp>
-      <p:sp>
-        <p:nvSpPr>
-          <p:cNvPr id="83" name="TextBox 82"/>
-          <p:cNvSpPr txBox="1"/>
-          <p:nvPr/>
-        </p:nvSpPr>
-        <p:spPr>
-          <a:xfrm>
-            <a:off x="3461916" y="1460220"/>
-            <a:ext cx="2419637" cy="400110"/>
-          </a:xfrm>
-          <a:prstGeom prst="rect">
-            <a:avLst/>
-          </a:prstGeom>
-          <a:noFill/>
-        </p:spPr>
-        <p:txBody>
-          <a:bodyPr wrap="none" rtlCol="0">
-            <a:spAutoFit/>
-          </a:bodyPr>
-          <a:lstStyle/>
-          <a:p>
-            <a:r>
-              <a:rPr lang="en-US" sz="2000" dirty="0" smtClean="0">
-                <a:solidFill>
-                  <a:srgbClr val="C00000"/>
-                </a:solidFill>
-              </a:rPr>
-              <a:t>Threshold - Unknown</a:t>
-            </a:r>
-            <a:endParaRPr lang="en-US" sz="2000" dirty="0">
-              <a:solidFill>
-                <a:srgbClr val="C00000"/>
-              </a:solidFill>
-            </a:endParaRPr>
-          </a:p>
-        </p:txBody>
-      </p:sp>
-      <p:sp>
-        <p:nvSpPr>
-          <p:cNvPr id="110" name="TextBox 109"/>
-          <p:cNvSpPr txBox="1"/>
-          <p:nvPr/>
-        </p:nvSpPr>
-        <p:spPr>
-          <a:xfrm>
-            <a:off x="9370233" y="3535945"/>
-            <a:ext cx="1316749" cy="400110"/>
-          </a:xfrm>
-          <a:prstGeom prst="rect">
-            <a:avLst/>
-          </a:prstGeom>
-          <a:solidFill>
-            <a:srgbClr val="00B050"/>
-          </a:solidFill>
-        </p:spPr>
-        <p:txBody>
-          <a:bodyPr wrap="square" rtlCol="0">
-            <a:spAutoFit/>
-          </a:bodyPr>
-          <a:lstStyle/>
-          <a:p>
-            <a:pPr algn="ctr"/>
-            <a:r>
-              <a:rPr lang="en-US" sz="2000" dirty="0" smtClean="0"/>
-              <a:t>US Core</a:t>
-            </a:r>
-            <a:endParaRPr lang="en-US" sz="2000" dirty="0"/>
-          </a:p>
-        </p:txBody>
-      </p:sp>
-      <mc:AlternateContent xmlns:mc="http://schemas.openxmlformats.org/markup-compatibility/2006" xmlns:a14="http://schemas.microsoft.com/office/drawing/2010/main">
-        <mc:Choice Requires="a14">
-          <p:sp>
-            <p:nvSpPr>
-              <p:cNvPr id="113" name="TextBox 112"/>
-              <p:cNvSpPr txBox="1"/>
-              <p:nvPr/>
-            </p:nvSpPr>
-            <p:spPr>
-              <a:xfrm>
-                <a:off x="6074242" y="285226"/>
-                <a:ext cx="2190984" cy="523220"/>
-              </a:xfrm>
-              <a:prstGeom prst="rect">
-                <a:avLst/>
-              </a:prstGeom>
-              <a:noFill/>
-            </p:spPr>
-            <p:txBody>
-              <a:bodyPr wrap="none" rtlCol="0">
-                <a:spAutoFit/>
-              </a:bodyPr>
-              <a:lstStyle/>
-              <a:p>
-                <a:pPr/>
-                <a14:m>
-                  <m:oMathPara xmlns:m="http://schemas.openxmlformats.org/officeDocument/2006/math">
-                    <m:oMathParaPr>
-                      <m:jc m:val="centerGroup"/>
-                    </m:oMathParaPr>
-                    <m:oMath xmlns:m="http://schemas.openxmlformats.org/officeDocument/2006/math">
-                      <m:r>
-                        <a:rPr lang="en-US" sz="2800" b="0" i="1" smtClean="0">
-                          <a:latin typeface="Cambria Math" panose="02040503050406030204" pitchFamily="18" charset="0"/>
-                        </a:rPr>
-                        <m:t>𝐶𝑜𝑛𝑠𝑡𝑟𝑎𝑖𝑛𝑡𝑠</m:t>
-                      </m:r>
-                    </m:oMath>
-                  </m:oMathPara>
-                </a14:m>
-                <a:endParaRPr lang="en-US" sz="2800" dirty="0"/>
-              </a:p>
-            </p:txBody>
-          </p:sp>
-        </mc:Choice>
-        <mc:Fallback xmlns="">
-          <p:sp>
-            <p:nvSpPr>
-              <p:cNvPr id="113" name="TextBox 112"/>
-              <p:cNvSpPr txBox="1">
-                <a:spLocks noRot="1" noChangeAspect="1" noMove="1" noResize="1" noEditPoints="1" noAdjustHandles="1" noChangeArrowheads="1" noChangeShapeType="1" noTextEdit="1"/>
-              </p:cNvSpPr>
-              <p:nvPr/>
-            </p:nvSpPr>
-            <p:spPr>
-              <a:xfrm>
-                <a:off x="6074242" y="285226"/>
-                <a:ext cx="2190984" cy="523220"/>
-              </a:xfrm>
-              <a:prstGeom prst="rect">
-                <a:avLst/>
-              </a:prstGeom>
-              <a:blipFill rotWithShape="0">
-                <a:blip r:embed="rId2"/>
-                <a:stretch>
-                  <a:fillRect/>
-                </a:stretch>
-              </a:blipFill>
-            </p:spPr>
-            <p:txBody>
-              <a:bodyPr/>
-              <a:lstStyle/>
-              <a:p>
-                <a:r>
-                  <a:rPr lang="en-US">
-                    <a:noFill/>
-                  </a:rPr>
-                  <a:t> </a:t>
-                </a:r>
-              </a:p>
-            </p:txBody>
-          </p:sp>
-        </mc:Fallback>
-      </mc:AlternateContent>
-      <p:cxnSp>
-        <p:nvCxnSpPr>
-          <p:cNvPr id="114" name="Straight Arrow Connector 113"/>
-          <p:cNvCxnSpPr>
-            <a:endCxn id="7" idx="0"/>
-          </p:cNvCxnSpPr>
-          <p:nvPr/>
-        </p:nvCxnSpPr>
-        <p:spPr>
-          <a:xfrm>
-            <a:off x="7131200" y="875754"/>
-            <a:ext cx="0" cy="705033"/>
-          </a:xfrm>
-          <a:prstGeom prst="straightConnector1">
-            <a:avLst/>
-          </a:prstGeom>
-          <a:ln w="28575">
-            <a:tailEnd type="triangle"/>
-          </a:ln>
-        </p:spPr>
-        <p:style>
-          <a:lnRef idx="1">
-            <a:schemeClr val="accent1"/>
-          </a:lnRef>
-          <a:fillRef idx="0">
-            <a:schemeClr val="accent1"/>
-          </a:fillRef>
-          <a:effectRef idx="0">
-            <a:schemeClr val="accent1"/>
-          </a:effectRef>
-          <a:fontRef idx="minor">
-            <a:schemeClr val="tx1"/>
-          </a:fontRef>
-        </p:style>
-      </p:cxnSp>
-      <p:sp>
-        <p:nvSpPr>
-          <p:cNvPr id="5" name="TextBox 4"/>
-          <p:cNvSpPr txBox="1"/>
-          <p:nvPr/>
-        </p:nvSpPr>
-        <p:spPr>
-          <a:xfrm>
-            <a:off x="2901489" y="551295"/>
-            <a:ext cx="1491650" cy="523220"/>
-          </a:xfrm>
-          <a:prstGeom prst="rect">
-            <a:avLst/>
-          </a:prstGeom>
-          <a:noFill/>
-        </p:spPr>
-        <p:txBody>
-          <a:bodyPr wrap="square" rtlCol="0">
-            <a:spAutoFit/>
-          </a:bodyPr>
-          <a:lstStyle/>
-          <a:p>
-            <a:r>
-              <a:rPr lang="en-US" sz="2800" dirty="0" err="1" smtClean="0">
-                <a:solidFill>
-                  <a:srgbClr val="00B050"/>
-                </a:solidFill>
-              </a:rPr>
-              <a:t>raSAT</a:t>
-            </a:r>
-            <a:endParaRPr lang="en-US" sz="2800" dirty="0">
-              <a:solidFill>
-                <a:srgbClr val="00B050"/>
-              </a:solidFill>
-            </a:endParaRPr>
-          </a:p>
-        </p:txBody>
-      </p:sp>
-      <p:sp>
-        <p:nvSpPr>
-          <p:cNvPr id="6" name="Slide Number Placeholder 5"/>
-          <p:cNvSpPr>
-            <a:spLocks noGrp="1"/>
-          </p:cNvSpPr>
-          <p:nvPr>
-            <p:ph type="sldNum" sz="quarter" idx="12"/>
-          </p:nvPr>
-        </p:nvSpPr>
-        <p:spPr>
-          <a:xfrm>
-            <a:off x="582308" y="779349"/>
-            <a:ext cx="779767" cy="365125"/>
-          </a:xfrm>
-        </p:spPr>
-        <p:txBody>
-          <a:bodyPr/>
-          <a:lstStyle/>
-          <a:p>
-            <a:fld id="{9A0678A6-D03C-427C-87B3-2EDFDC71965B}" type="slidenum">
-              <a:rPr lang="en-US" smtClean="0"/>
-              <a:t>9</a:t>
-            </a:fld>
-            <a:endParaRPr lang="en-US" dirty="0"/>
-          </a:p>
-        </p:txBody>
-      </p:sp>
-      <mc:AlternateContent xmlns:mc="http://schemas.openxmlformats.org/markup-compatibility/2006" xmlns:a14="http://schemas.microsoft.com/office/drawing/2010/main">
-        <mc:Choice Requires="a14">
-          <p:sp>
-            <p:nvSpPr>
-              <p:cNvPr id="20" name="TextBox 19"/>
-              <p:cNvSpPr txBox="1"/>
-              <p:nvPr/>
-            </p:nvSpPr>
-            <p:spPr>
-              <a:xfrm>
-                <a:off x="95784" y="3745886"/>
-                <a:ext cx="3065326" cy="830997"/>
-              </a:xfrm>
-              <a:prstGeom prst="rect">
-                <a:avLst/>
-              </a:prstGeom>
-              <a:noFill/>
-            </p:spPr>
-            <p:txBody>
-              <a:bodyPr wrap="none" rtlCol="0">
-                <a:spAutoFit/>
-              </a:bodyPr>
-              <a:lstStyle/>
-              <a:p>
-                <a:pPr/>
-                <a14:m>
-                  <m:oMathPara xmlns:m="http://schemas.openxmlformats.org/officeDocument/2006/math">
-                    <m:oMathParaPr>
-                      <m:jc m:val="centerGroup"/>
-                    </m:oMathParaPr>
-                    <m:oMath xmlns:m="http://schemas.openxmlformats.org/officeDocument/2006/math">
-                      <m:r>
-                        <a:rPr lang="en-US" sz="2400" i="1" smtClean="0">
-                          <a:latin typeface="Cambria Math" panose="02040503050406030204" pitchFamily="18" charset="0"/>
-                          <a:ea typeface="Cambria Math" panose="02040503050406030204" pitchFamily="18" charset="0"/>
-                        </a:rPr>
-                        <m:t>𝑥</m:t>
-                      </m:r>
-                      <m:r>
-                        <a:rPr lang="en-US" sz="2400" i="1" smtClean="0">
-                          <a:latin typeface="Cambria Math" panose="02040503050406030204" pitchFamily="18" charset="0"/>
-                          <a:ea typeface="Cambria Math" panose="02040503050406030204" pitchFamily="18" charset="0"/>
-                        </a:rPr>
-                        <m:t>∈</m:t>
-                      </m:r>
-                      <m:d>
-                        <m:dPr>
-                          <m:begChr m:val="["/>
-                          <m:endChr m:val="]"/>
-                          <m:ctrlPr>
-                            <a:rPr lang="en-US" sz="2400" i="1">
-                              <a:latin typeface="Cambria Math" panose="02040503050406030204" pitchFamily="18" charset="0"/>
-                              <a:ea typeface="Cambria Math" panose="02040503050406030204" pitchFamily="18" charset="0"/>
-                            </a:rPr>
-                          </m:ctrlPr>
-                        </m:dPr>
-                        <m:e>
-                          <m:r>
-                            <a:rPr lang="en-US" sz="2400" i="1">
-                              <a:latin typeface="Cambria Math" panose="02040503050406030204" pitchFamily="18" charset="0"/>
-                              <a:ea typeface="Cambria Math" panose="02040503050406030204" pitchFamily="18" charset="0"/>
-                            </a:rPr>
-                            <m:t>0,10</m:t>
-                          </m:r>
-                        </m:e>
-                      </m:d>
-                      <m:r>
-                        <a:rPr lang="en-US" sz="2400" i="1" dirty="0">
-                          <a:latin typeface="Cambria Math" panose="02040503050406030204" pitchFamily="18" charset="0"/>
-                          <a:ea typeface="Cambria Math" panose="02040503050406030204" pitchFamily="18" charset="0"/>
-                        </a:rPr>
-                        <m:t>↔</m:t>
-                      </m:r>
-                    </m:oMath>
-                  </m:oMathPara>
-                </a14:m>
-                <a:endParaRPr lang="en-US" sz="2400" i="1" dirty="0" smtClean="0">
-                  <a:latin typeface="Cambria Math" panose="02040503050406030204" pitchFamily="18" charset="0"/>
-                  <a:ea typeface="Cambria Math" panose="02040503050406030204" pitchFamily="18" charset="0"/>
-                </a:endParaRPr>
-              </a:p>
-              <a:p>
-                <a:pPr/>
-                <a14:m>
-                  <m:oMathPara xmlns:m="http://schemas.openxmlformats.org/officeDocument/2006/math">
-                    <m:oMathParaPr>
-                      <m:jc m:val="centerGroup"/>
-                    </m:oMathParaPr>
-                    <m:oMath xmlns:m="http://schemas.openxmlformats.org/officeDocument/2006/math">
-                      <m:r>
-                        <a:rPr lang="en-US" sz="2400" i="1">
-                          <a:latin typeface="Cambria Math" panose="02040503050406030204" pitchFamily="18" charset="0"/>
-                          <a:ea typeface="Cambria Math" panose="02040503050406030204" pitchFamily="18" charset="0"/>
-                        </a:rPr>
-                        <m:t>𝑥</m:t>
-                      </m:r>
-                      <m:r>
-                        <a:rPr lang="en-US" sz="2400" i="1">
-                          <a:latin typeface="Cambria Math" panose="02040503050406030204" pitchFamily="18" charset="0"/>
-                          <a:ea typeface="Cambria Math" panose="02040503050406030204" pitchFamily="18" charset="0"/>
-                        </a:rPr>
-                        <m:t>∈</m:t>
-                      </m:r>
-                      <m:d>
-                        <m:dPr>
-                          <m:begChr m:val="["/>
-                          <m:endChr m:val="]"/>
-                          <m:ctrlPr>
-                            <a:rPr lang="en-US" sz="2400" i="1">
-                              <a:latin typeface="Cambria Math" panose="02040503050406030204" pitchFamily="18" charset="0"/>
-                              <a:ea typeface="Cambria Math" panose="02040503050406030204" pitchFamily="18" charset="0"/>
-                            </a:rPr>
-                          </m:ctrlPr>
-                        </m:dPr>
-                        <m:e>
-                          <m:r>
-                            <a:rPr lang="en-US" sz="2400" i="1">
-                              <a:latin typeface="Cambria Math" panose="02040503050406030204" pitchFamily="18" charset="0"/>
-                              <a:ea typeface="Cambria Math" panose="02040503050406030204" pitchFamily="18" charset="0"/>
-                            </a:rPr>
-                            <m:t>0,4</m:t>
-                          </m:r>
-                        </m:e>
-                      </m:d>
-                      <m:r>
-                        <a:rPr lang="en-US" sz="2400" i="1" dirty="0">
-                          <a:latin typeface="Cambria Math" panose="02040503050406030204" pitchFamily="18" charset="0"/>
-                          <a:ea typeface="Cambria Math" panose="02040503050406030204" pitchFamily="18" charset="0"/>
-                        </a:rPr>
-                        <m:t>∨</m:t>
-                      </m:r>
-                      <m:r>
-                        <a:rPr lang="en-US" sz="2400" i="1">
-                          <a:latin typeface="Cambria Math" panose="02040503050406030204" pitchFamily="18" charset="0"/>
-                          <a:ea typeface="Cambria Math" panose="02040503050406030204" pitchFamily="18" charset="0"/>
-                        </a:rPr>
-                        <m:t>𝑥</m:t>
-                      </m:r>
-                      <m:r>
-                        <a:rPr lang="en-US" sz="2400" i="1">
-                          <a:latin typeface="Cambria Math" panose="02040503050406030204" pitchFamily="18" charset="0"/>
-                          <a:ea typeface="Cambria Math" panose="02040503050406030204" pitchFamily="18" charset="0"/>
-                        </a:rPr>
-                        <m:t>∈</m:t>
-                      </m:r>
-                      <m:d>
-                        <m:dPr>
-                          <m:begChr m:val="["/>
-                          <m:endChr m:val="]"/>
-                          <m:ctrlPr>
-                            <a:rPr lang="en-US" sz="2400" i="1">
-                              <a:latin typeface="Cambria Math" panose="02040503050406030204" pitchFamily="18" charset="0"/>
-                              <a:ea typeface="Cambria Math" panose="02040503050406030204" pitchFamily="18" charset="0"/>
-                            </a:rPr>
-                          </m:ctrlPr>
-                        </m:dPr>
-                        <m:e>
-                          <m:r>
-                            <a:rPr lang="en-US" sz="2400" i="1">
-                              <a:latin typeface="Cambria Math" panose="02040503050406030204" pitchFamily="18" charset="0"/>
-                              <a:ea typeface="Cambria Math" panose="02040503050406030204" pitchFamily="18" charset="0"/>
-                            </a:rPr>
-                            <m:t>4,10</m:t>
-                          </m:r>
-                        </m:e>
-                      </m:d>
-                    </m:oMath>
-                  </m:oMathPara>
-                </a14:m>
-                <a:endParaRPr lang="en-US" sz="2400" dirty="0"/>
-              </a:p>
-            </p:txBody>
-          </p:sp>
-        </mc:Choice>
-        <mc:Fallback xmlns="">
-          <p:sp>
-            <p:nvSpPr>
-              <p:cNvPr id="20" name="TextBox 19"/>
-              <p:cNvSpPr txBox="1">
-                <a:spLocks noRot="1" noChangeAspect="1" noMove="1" noResize="1" noEditPoints="1" noAdjustHandles="1" noChangeArrowheads="1" noChangeShapeType="1" noTextEdit="1"/>
-              </p:cNvSpPr>
-              <p:nvPr/>
-            </p:nvSpPr>
-            <p:spPr>
-              <a:xfrm>
-                <a:off x="95784" y="3745886"/>
-                <a:ext cx="3065326" cy="830997"/>
-              </a:xfrm>
-              <a:prstGeom prst="rect">
-                <a:avLst/>
-              </a:prstGeom>
-              <a:blipFill rotWithShape="0">
-                <a:blip r:embed="rId3"/>
-                <a:stretch>
-                  <a:fillRect/>
-                </a:stretch>
-              </a:blipFill>
-            </p:spPr>
-            <p:txBody>
-              <a:bodyPr/>
-              <a:lstStyle/>
-              <a:p>
-                <a:r>
-                  <a:rPr lang="en-US">
-                    <a:noFill/>
-                  </a:rPr>
-                  <a:t> </a:t>
-                </a:r>
-              </a:p>
-            </p:txBody>
-          </p:sp>
-        </mc:Fallback>
-      </mc:AlternateContent>
-    </p:spTree>
-    <p:extLst>
-      <p:ext uri="{BB962C8B-B14F-4D97-AF65-F5344CB8AC3E}">
-        <p14:creationId xmlns:p14="http://schemas.microsoft.com/office/powerpoint/2010/main" val="3742627021"/>
-      </p:ext>
-    </p:extLst>
-  </p:cSld>
-  <p:clrMapOvr>
-    <a:masterClrMapping/>
-  </p:clrMapOvr>
-  <p:timing>
-    <p:tnLst>
-      <p:par>
-        <p:cTn id="1" dur="indefinite" restart="never" nodeType="tmRoot"/>
-      </p:par>
-    </p:tnLst>
   </p:timing>
 </p:sld>
 </file>

--- a/report/2014-11-04.pptx
+++ b/report/2014-11-04.pptx
@@ -247,7 +247,7 @@
           <a:p>
             <a:fld id="{53DF2DCF-DB06-4254-A49F-002D5F827FF4}" type="datetimeFigureOut">
               <a:rPr kumimoji="1" lang="ja-JP" altLang="en-US" smtClean="0"/>
-              <a:t>2014/12/12</a:t>
+              <a:t>2015/1/6</a:t>
             </a:fld>
             <a:endParaRPr kumimoji="1" lang="ja-JP" altLang="en-US"/>
           </a:p>
@@ -412,7 +412,7 @@
           <a:p>
             <a:fld id="{A7B3912A-A208-42D9-A720-8DE28239B8A7}" type="datetimeFigureOut">
               <a:rPr lang="en-US" smtClean="0"/>
-              <a:t>12/12/2014</a:t>
+              <a:t>6/1/2015</a:t>
             </a:fld>
             <a:endParaRPr lang="en-US"/>
           </a:p>
@@ -952,7 +952,7 @@
           <a:p>
             <a:fld id="{7FC51BC0-5CD8-4890-A623-D66634BB65F3}" type="datetime1">
               <a:rPr lang="en-US" smtClean="0"/>
-              <a:t>12/12/2014</a:t>
+              <a:t>6/1/2015</a:t>
             </a:fld>
             <a:endParaRPr lang="en-US"/>
           </a:p>
@@ -1290,7 +1290,7 @@
           <a:p>
             <a:fld id="{AE02F185-A3BE-472A-9684-02EC53B78E9C}" type="datetime1">
               <a:rPr lang="en-US" smtClean="0"/>
-              <a:t>12/12/2014</a:t>
+              <a:t>6/1/2015</a:t>
             </a:fld>
             <a:endParaRPr lang="en-US"/>
           </a:p>
@@ -1691,7 +1691,7 @@
           <a:p>
             <a:fld id="{5621C072-7611-44F1-8610-08EC694A07F0}" type="datetime1">
               <a:rPr lang="en-US" smtClean="0"/>
-              <a:t>12/12/2014</a:t>
+              <a:t>6/1/2015</a:t>
             </a:fld>
             <a:endParaRPr lang="en-US"/>
           </a:p>
@@ -2027,7 +2027,7 @@
           <a:p>
             <a:fld id="{6D7964BB-9B41-4DDB-8F12-C699973B51D9}" type="datetime1">
               <a:rPr lang="en-US" smtClean="0"/>
-              <a:t>12/12/2014</a:t>
+              <a:t>6/1/2015</a:t>
             </a:fld>
             <a:endParaRPr lang="en-US"/>
           </a:p>
@@ -2347,7 +2347,7 @@
           <a:p>
             <a:fld id="{32713E24-E9F9-4D7D-AA60-094D056CDCCC}" type="datetime1">
               <a:rPr lang="en-US" smtClean="0"/>
-              <a:t>12/12/2014</a:t>
+              <a:t>6/1/2015</a:t>
             </a:fld>
             <a:endParaRPr lang="en-US"/>
           </a:p>
@@ -2743,7 +2743,7 @@
           <a:p>
             <a:fld id="{E3DDF059-9ED2-4DE0-9CE9-79B3768F8997}" type="datetime1">
               <a:rPr lang="en-US" smtClean="0"/>
-              <a:t>12/12/2014</a:t>
+              <a:t>6/1/2015</a:t>
             </a:fld>
             <a:endParaRPr lang="en-US"/>
           </a:p>
@@ -3000,7 +3000,7 @@
           <a:p>
             <a:fld id="{97ABA458-ED39-4ADA-96F0-D6B8F204BA60}" type="datetime1">
               <a:rPr lang="en-US" smtClean="0"/>
-              <a:t>12/12/2014</a:t>
+              <a:t>6/1/2015</a:t>
             </a:fld>
             <a:endParaRPr lang="en-US"/>
           </a:p>
@@ -3262,7 +3262,7 @@
           <a:p>
             <a:fld id="{08444B18-DB90-41A6-9235-464ECA7F10A4}" type="datetime1">
               <a:rPr lang="en-US" smtClean="0"/>
-              <a:t>12/12/2014</a:t>
+              <a:t>6/1/2015</a:t>
             </a:fld>
             <a:endParaRPr lang="en-US"/>
           </a:p>
@@ -3524,7 +3524,7 @@
           <a:p>
             <a:fld id="{D375DF81-F5DA-44FE-9562-697A179B7B0A}" type="datetime1">
               <a:rPr lang="en-US" smtClean="0"/>
-              <a:t>12/12/2014</a:t>
+              <a:t>6/1/2015</a:t>
             </a:fld>
             <a:endParaRPr lang="en-US"/>
           </a:p>
@@ -3853,7 +3853,7 @@
           <a:p>
             <a:fld id="{574A4FCE-4BC4-48F1-BAFC-21B3F6D1AE28}" type="datetime1">
               <a:rPr lang="en-US" smtClean="0"/>
-              <a:t>12/12/2014</a:t>
+              <a:t>6/1/2015</a:t>
             </a:fld>
             <a:endParaRPr lang="en-US"/>
           </a:p>
@@ -4176,7 +4176,7 @@
           <a:p>
             <a:fld id="{E9A4F337-B4F3-41ED-A235-1EB8E27F4ADC}" type="datetime1">
               <a:rPr lang="en-US" smtClean="0"/>
-              <a:t>12/12/2014</a:t>
+              <a:t>6/1/2015</a:t>
             </a:fld>
             <a:endParaRPr lang="en-US"/>
           </a:p>
@@ -4633,7 +4633,7 @@
           <a:p>
             <a:fld id="{042D7D94-FFAA-495D-AC0F-ABD4E676F73C}" type="datetime1">
               <a:rPr lang="en-US" smtClean="0"/>
-              <a:t>12/12/2014</a:t>
+              <a:t>6/1/2015</a:t>
             </a:fld>
             <a:endParaRPr lang="en-US"/>
           </a:p>
@@ -4838,7 +4838,7 @@
           <a:p>
             <a:fld id="{446193CF-BB28-48CF-8B44-80D6F3490EEE}" type="datetime1">
               <a:rPr lang="en-US" smtClean="0"/>
-              <a:t>12/12/2014</a:t>
+              <a:t>6/1/2015</a:t>
             </a:fld>
             <a:endParaRPr lang="en-US"/>
           </a:p>
@@ -5015,7 +5015,7 @@
           <a:p>
             <a:fld id="{5F7300D2-0E83-4CFE-91DB-6D88FAA3DB5C}" type="datetime1">
               <a:rPr lang="en-US" smtClean="0"/>
-              <a:t>12/12/2014</a:t>
+              <a:t>6/1/2015</a:t>
             </a:fld>
             <a:endParaRPr lang="en-US"/>
           </a:p>
@@ -5348,7 +5348,7 @@
           <a:p>
             <a:fld id="{8CC331A5-A2E0-4093-B454-C6FF04ED1192}" type="datetime1">
               <a:rPr lang="en-US" smtClean="0"/>
-              <a:t>12/12/2014</a:t>
+              <a:t>6/1/2015</a:t>
             </a:fld>
             <a:endParaRPr lang="en-US"/>
           </a:p>
@@ -5693,7 +5693,7 @@
           <a:p>
             <a:fld id="{65369091-B738-4B29-8138-F2365DA6C833}" type="datetime1">
               <a:rPr lang="en-US" smtClean="0"/>
-              <a:t>12/12/2014</a:t>
+              <a:t>6/1/2015</a:t>
             </a:fld>
             <a:endParaRPr lang="en-US"/>
           </a:p>
@@ -7810,7 +7810,7 @@
           <a:p>
             <a:fld id="{0F7C4A8F-7631-40DF-9D95-F8A285B7E60E}" type="datetime1">
               <a:rPr lang="en-US" smtClean="0"/>
-              <a:t>12/12/2014</a:t>
+              <a:t>6/1/2015</a:t>
             </a:fld>
             <a:endParaRPr lang="en-US"/>
           </a:p>
@@ -8568,7 +8568,7 @@
         </p:nvSpPr>
         <p:spPr>
           <a:xfrm>
-            <a:off x="3037006" y="2565679"/>
+            <a:off x="3010848" y="2596891"/>
             <a:ext cx="7697648" cy="3760649"/>
           </a:xfrm>
           <a:prstGeom prst="rect">
@@ -16672,6 +16672,28 @@
 <file path=ppt/slides/slide7.xml><?xml version="1.0" encoding="utf-8"?>
 <p:sld xmlns:a="http://schemas.openxmlformats.org/drawingml/2006/main" xmlns:r="http://schemas.openxmlformats.org/officeDocument/2006/relationships" xmlns:p="http://schemas.openxmlformats.org/presentationml/2006/main">
   <p:cSld>
+    <p:bg>
+      <p:bgPr>
+        <a:gradFill rotWithShape="1">
+          <a:gsLst>
+            <a:gs pos="0">
+              <a:schemeClr val="bg2"/>
+            </a:gs>
+            <a:gs pos="100000">
+              <a:schemeClr val="bg2">
+                <a:shade val="98000"/>
+                <a:satMod val="120000"/>
+                <a:lumMod val="98000"/>
+              </a:schemeClr>
+            </a:gs>
+          </a:gsLst>
+          <a:path path="circle">
+            <a:fillToRect l="50000" t="50000" r="100000" b="100000"/>
+          </a:path>
+        </a:gradFill>
+        <a:effectLst/>
+      </p:bgPr>
+    </p:bg>
     <p:spTree>
       <p:nvGrpSpPr>
         <p:cNvPr id="1" name=""/>
@@ -16686,53 +16708,147 @@
           <a:chExt cx="0" cy="0"/>
         </a:xfrm>
       </p:grpSpPr>
-      <p:sp>
-        <p:nvSpPr>
-          <p:cNvPr id="4" name="Rectangle 3"/>
-          <p:cNvSpPr/>
-          <p:nvPr/>
-        </p:nvSpPr>
-        <p:spPr>
-          <a:xfrm>
-            <a:off x="2968917" y="1157493"/>
-            <a:ext cx="7820808" cy="5251806"/>
-          </a:xfrm>
-          <a:prstGeom prst="rect">
-            <a:avLst/>
-          </a:prstGeom>
-          <a:ln w="76200">
-            <a:solidFill>
-              <a:srgbClr val="00B050"/>
-            </a:solidFill>
-          </a:ln>
-        </p:spPr>
-        <p:style>
-          <a:lnRef idx="2">
-            <a:schemeClr val="accent1"/>
-          </a:lnRef>
-          <a:fillRef idx="1">
-            <a:schemeClr val="lt1"/>
-          </a:fillRef>
-          <a:effectRef idx="0">
-            <a:schemeClr val="accent1"/>
-          </a:effectRef>
-          <a:fontRef idx="minor">
-            <a:schemeClr val="dk1"/>
-          </a:fontRef>
-        </p:style>
-        <p:txBody>
-          <a:bodyPr rtlCol="0" anchor="ctr"/>
-          <a:lstStyle/>
-          <a:p>
-            <a:pPr algn="ctr"/>
-            <a:r>
-              <a:rPr lang="en-US" dirty="0" err="1" smtClean="0"/>
-              <a:t>Yest</a:t>
-            </a:r>
-            <a:endParaRPr lang="en-US" dirty="0"/>
-          </a:p>
-        </p:txBody>
-      </p:sp>
+      <mc:AlternateContent xmlns:mc="http://schemas.openxmlformats.org/markup-compatibility/2006">
+        <mc:Choice xmlns:a14="http://schemas.microsoft.com/office/drawing/2010/main" Requires="a14">
+          <p:sp>
+            <p:nvSpPr>
+              <p:cNvPr id="4" name="Rectangle 3"/>
+              <p:cNvSpPr/>
+              <p:nvPr/>
+            </p:nvSpPr>
+            <p:spPr>
+              <a:xfrm>
+                <a:off x="2968917" y="1157493"/>
+                <a:ext cx="7820808" cy="5251806"/>
+              </a:xfrm>
+              <a:prstGeom prst="rect">
+                <a:avLst/>
+              </a:prstGeom>
+              <a:ln w="76200">
+                <a:solidFill>
+                  <a:srgbClr val="00B050"/>
+                </a:solidFill>
+              </a:ln>
+            </p:spPr>
+            <p:style>
+              <a:lnRef idx="2">
+                <a:schemeClr val="accent1"/>
+              </a:lnRef>
+              <a:fillRef idx="1">
+                <a:schemeClr val="lt1"/>
+              </a:fillRef>
+              <a:effectRef idx="0">
+                <a:schemeClr val="accent1"/>
+              </a:effectRef>
+              <a:fontRef idx="minor">
+                <a:schemeClr val="dk1"/>
+              </a:fontRef>
+            </p:style>
+            <p:txBody>
+              <a:bodyPr rtlCol="0" anchor="ctr"/>
+              <a:lstStyle/>
+              <a:p>
+                <a:pPr algn="ctr"/>
+                <a14:m>
+                  <m:oMath xmlns:m="http://schemas.openxmlformats.org/officeDocument/2006/math">
+                    <m:r>
+                      <a:rPr lang="en-US" i="1" smtClean="0">
+                        <a:latin typeface="Cambria Math" panose="02040503050406030204" pitchFamily="18" charset="0"/>
+                      </a:rPr>
+                      <m:t>𝐴</m:t>
+                    </m:r>
+                    <m:r>
+                      <a:rPr lang="en-US" i="1" smtClean="0">
+                        <a:latin typeface="Cambria Math" panose="02040503050406030204" pitchFamily="18" charset="0"/>
+                      </a:rPr>
+                      <m:t>=</m:t>
+                    </m:r>
+                    <m:r>
+                      <a:rPr lang="el-GR" i="1" smtClean="0">
+                        <a:latin typeface="Cambria Math" panose="02040503050406030204" pitchFamily="18" charset="0"/>
+                      </a:rPr>
+                      <m:t>𝜋</m:t>
+                    </m:r>
+                    <m:sSup>
+                      <m:sSupPr>
+                        <m:ctrlPr>
+                          <a:rPr lang="en-US" i="1" smtClean="0">
+                            <a:latin typeface="Cambria Math" panose="02040503050406030204" pitchFamily="18" charset="0"/>
+                          </a:rPr>
+                        </m:ctrlPr>
+                      </m:sSupPr>
+                      <m:e>
+                        <m:r>
+                          <a:rPr lang="en-US" i="1" smtClean="0">
+                            <a:latin typeface="Cambria Math" panose="02040503050406030204" pitchFamily="18" charset="0"/>
+                          </a:rPr>
+                          <m:t>𝑟</m:t>
+                        </m:r>
+                      </m:e>
+                      <m:sup>
+                        <m:r>
+                          <a:rPr lang="en-US" i="1" smtClean="0">
+                            <a:latin typeface="Cambria Math" panose="02040503050406030204" pitchFamily="18" charset="0"/>
+                          </a:rPr>
+                          <m:t>2</m:t>
+                        </m:r>
+                      </m:sup>
+                    </m:sSup>
+                  </m:oMath>
+                </a14:m>
+                <a:r>
+                  <a:rPr lang="en-US" dirty="0" err="1" smtClean="0"/>
+                  <a:t>Yest</a:t>
+                </a:r>
+                <a:endParaRPr lang="en-US" dirty="0"/>
+              </a:p>
+            </p:txBody>
+          </p:sp>
+        </mc:Choice>
+        <mc:Fallback>
+          <p:sp>
+            <p:nvSpPr>
+              <p:cNvPr id="4" name="Rectangle 3"/>
+              <p:cNvSpPr>
+                <a:spLocks noRot="1" noChangeAspect="1" noMove="1" noResize="1" noEditPoints="1" noAdjustHandles="1" noChangeArrowheads="1" noChangeShapeType="1" noTextEdit="1"/>
+              </p:cNvSpPr>
+              <p:nvPr/>
+            </p:nvSpPr>
+            <p:spPr>
+              <a:xfrm>
+                <a:off x="2968917" y="1157493"/>
+                <a:ext cx="7820808" cy="5251806"/>
+              </a:xfrm>
+              <a:prstGeom prst="rect">
+                <a:avLst/>
+              </a:prstGeom>
+              <a:blipFill rotWithShape="0">
+                <a:blip r:embed="rId2"/>
+                <a:stretch>
+                  <a:fillRect/>
+                </a:stretch>
+              </a:blipFill>
+              <a:ln w="76200">
+                <a:solidFill>
+                  <a:srgbClr val="00B050"/>
+                </a:solidFill>
+              </a:ln>
+            </p:spPr>
+            <p:txBody>
+              <a:bodyPr/>
+              <a:lstStyle/>
+              <a:p>
+                <a:r>
+                  <a:rPr lang="en-US">
+                    <a:noFill/>
+                  </a:rPr>
+                  <a:t> </a:t>
+                </a:r>
+              </a:p>
+            </p:txBody>
+          </p:sp>
+        </mc:Fallback>
+      </mc:AlternateContent>
       <p:sp>
         <p:nvSpPr>
           <p:cNvPr id="7" name="TextBox 6"/>
@@ -16807,7 +16923,7 @@
         </p:nvSpPr>
         <p:spPr>
           <a:xfrm>
-            <a:off x="5979441" y="3535946"/>
+            <a:off x="5986340" y="3100517"/>
             <a:ext cx="2278886" cy="830997"/>
           </a:xfrm>
           <a:prstGeom prst="rect">
@@ -16843,8 +16959,8 @@
         </p:nvCxnSpPr>
         <p:spPr>
           <a:xfrm flipH="1">
-            <a:off x="7118884" y="2042452"/>
-            <a:ext cx="12316" cy="1493494"/>
+            <a:off x="7125783" y="2042452"/>
+            <a:ext cx="5417" cy="1058065"/>
           </a:xfrm>
           <a:prstGeom prst="straightConnector1">
             <a:avLst/>
@@ -16960,7 +17076,7 @@
         <p:spPr>
           <a:xfrm>
             <a:off x="8153146" y="1411509"/>
-            <a:ext cx="519694" cy="400110"/>
+            <a:ext cx="184731" cy="400110"/>
           </a:xfrm>
           <a:prstGeom prst="rect">
             <a:avLst/>
@@ -16973,14 +17089,6 @@
           </a:bodyPr>
           <a:lstStyle/>
           <a:p>
-            <a:r>
-              <a:rPr lang="en-US" sz="2000" dirty="0" smtClean="0">
-                <a:solidFill>
-                  <a:srgbClr val="C00000"/>
-                </a:solidFill>
-              </a:rPr>
-              <a:t>NO</a:t>
-            </a:r>
             <a:endParaRPr lang="en-US" sz="2000" dirty="0">
               <a:solidFill>
                 <a:srgbClr val="C00000"/>
@@ -16989,56 +17097,16 @@
           </a:p>
         </p:txBody>
       </p:sp>
-      <p:sp>
-        <p:nvSpPr>
-          <p:cNvPr id="42" name="TextBox 41"/>
-          <p:cNvSpPr txBox="1"/>
-          <p:nvPr/>
-        </p:nvSpPr>
-        <p:spPr>
-          <a:xfrm>
-            <a:off x="7081060" y="2588410"/>
-            <a:ext cx="603050" cy="400110"/>
-          </a:xfrm>
-          <a:prstGeom prst="rect">
-            <a:avLst/>
-          </a:prstGeom>
-          <a:noFill/>
-        </p:spPr>
-        <p:txBody>
-          <a:bodyPr wrap="none" rtlCol="0">
-            <a:spAutoFit/>
-          </a:bodyPr>
-          <a:lstStyle/>
-          <a:p>
-            <a:r>
-              <a:rPr lang="en-US" sz="2000" dirty="0" smtClean="0">
-                <a:solidFill>
-                  <a:srgbClr val="00B050"/>
-                </a:solidFill>
-              </a:rPr>
-              <a:t>YES</a:t>
-            </a:r>
-            <a:endParaRPr lang="en-US" dirty="0">
-              <a:solidFill>
-                <a:srgbClr val="00B050"/>
-              </a:solidFill>
-            </a:endParaRPr>
-          </a:p>
-        </p:txBody>
-      </p:sp>
       <p:cxnSp>
         <p:nvCxnSpPr>
           <p:cNvPr id="43" name="Straight Arrow Connector 42"/>
-          <p:cNvCxnSpPr>
-            <a:endCxn id="110" idx="1"/>
-          </p:cNvCxnSpPr>
+          <p:cNvCxnSpPr/>
           <p:nvPr/>
         </p:nvCxnSpPr>
         <p:spPr>
-          <a:xfrm flipV="1">
-            <a:off x="8265226" y="3736000"/>
-            <a:ext cx="1105007" cy="47396"/>
+          <a:xfrm>
+            <a:off x="8294306" y="3465137"/>
+            <a:ext cx="1999531" cy="14084"/>
           </a:xfrm>
           <a:prstGeom prst="straightConnector1">
             <a:avLst/>
@@ -17068,15 +17136,13 @@
       <p:cxnSp>
         <p:nvCxnSpPr>
           <p:cNvPr id="45" name="Straight Arrow Connector 44"/>
-          <p:cNvCxnSpPr>
-            <a:stCxn id="110" idx="0"/>
-          </p:cNvCxnSpPr>
+          <p:cNvCxnSpPr/>
           <p:nvPr/>
         </p:nvCxnSpPr>
         <p:spPr>
           <a:xfrm flipH="1" flipV="1">
-            <a:off x="7967638" y="2019473"/>
-            <a:ext cx="2060970" cy="1516472"/>
+            <a:off x="8082110" y="2005331"/>
+            <a:ext cx="2174322" cy="1459807"/>
           </a:xfrm>
           <a:prstGeom prst="straightConnector1">
             <a:avLst/>
@@ -17103,82 +17169,124 @@
           </a:fontRef>
         </p:style>
       </p:cxnSp>
-      <p:sp>
-        <p:nvSpPr>
-          <p:cNvPr id="48" name="TextBox 47"/>
-          <p:cNvSpPr txBox="1"/>
-          <p:nvPr/>
-        </p:nvSpPr>
-        <p:spPr>
-          <a:xfrm rot="2256794">
-            <a:off x="8231650" y="2430494"/>
-            <a:ext cx="1694310" cy="400110"/>
-          </a:xfrm>
-          <a:prstGeom prst="rect">
-            <a:avLst/>
-          </a:prstGeom>
-          <a:noFill/>
-        </p:spPr>
-        <p:txBody>
-          <a:bodyPr wrap="none" rtlCol="0">
-            <a:spAutoFit/>
-          </a:bodyPr>
-          <a:lstStyle/>
-          <a:p>
-            <a:r>
-              <a:rPr lang="en-US" sz="2000" dirty="0" smtClean="0">
-                <a:solidFill>
-                  <a:srgbClr val="C00000"/>
-                </a:solidFill>
-              </a:rPr>
-              <a:t>Learn conflicts</a:t>
-            </a:r>
-            <a:endParaRPr lang="en-US" sz="2000" dirty="0">
-              <a:solidFill>
-                <a:srgbClr val="C00000"/>
-              </a:solidFill>
-            </a:endParaRPr>
-          </a:p>
-        </p:txBody>
-      </p:sp>
-      <p:sp>
-        <p:nvSpPr>
-          <p:cNvPr id="49" name="TextBox 48"/>
-          <p:cNvSpPr txBox="1"/>
-          <p:nvPr/>
-        </p:nvSpPr>
-        <p:spPr>
-          <a:xfrm>
-            <a:off x="8153146" y="3317163"/>
-            <a:ext cx="1300356" cy="400110"/>
-          </a:xfrm>
-          <a:prstGeom prst="rect">
-            <a:avLst/>
-          </a:prstGeom>
-          <a:noFill/>
-        </p:spPr>
-        <p:txBody>
-          <a:bodyPr wrap="none" rtlCol="0">
-            <a:spAutoFit/>
-          </a:bodyPr>
-          <a:lstStyle/>
-          <a:p>
-            <a:r>
-              <a:rPr lang="en-US" sz="2000" dirty="0" smtClean="0">
-                <a:solidFill>
-                  <a:srgbClr val="C00000"/>
-                </a:solidFill>
-              </a:rPr>
-              <a:t>IA-UNSAT</a:t>
-            </a:r>
-            <a:endParaRPr lang="en-US" dirty="0">
-              <a:solidFill>
-                <a:srgbClr val="C00000"/>
-              </a:solidFill>
-            </a:endParaRPr>
-          </a:p>
-        </p:txBody>
-      </p:sp>
+      <mc:AlternateContent xmlns:mc="http://schemas.openxmlformats.org/markup-compatibility/2006">
+        <mc:Choice xmlns:a14="http://schemas.microsoft.com/office/drawing/2010/main" Requires="a14">
+          <p:sp>
+            <p:nvSpPr>
+              <p:cNvPr id="49" name="TextBox 48"/>
+              <p:cNvSpPr txBox="1"/>
+              <p:nvPr/>
+            </p:nvSpPr>
+            <p:spPr>
+              <a:xfrm>
+                <a:off x="8400453" y="3045288"/>
+                <a:ext cx="1407886" cy="401135"/>
+              </a:xfrm>
+              <a:prstGeom prst="rect">
+                <a:avLst/>
+              </a:prstGeom>
+              <a:noFill/>
+            </p:spPr>
+            <p:txBody>
+              <a:bodyPr wrap="none" rtlCol="0">
+                <a:spAutoFit/>
+              </a:bodyPr>
+              <a:lstStyle/>
+              <a:p>
+                <a14:m>
+                  <m:oMath xmlns:m="http://schemas.openxmlformats.org/officeDocument/2006/math">
+                    <m:sSup>
+                      <m:sSupPr>
+                        <m:ctrlPr>
+                          <a:rPr lang="en-US" sz="2000" i="1" smtClean="0">
+                            <a:solidFill>
+                              <a:srgbClr val="C00000"/>
+                            </a:solidFill>
+                            <a:latin typeface="Cambria Math" panose="02040503050406030204" pitchFamily="18" charset="0"/>
+                          </a:rPr>
+                        </m:ctrlPr>
+                      </m:sSupPr>
+                      <m:e>
+                        <m:r>
+                          <a:rPr lang="en-US" sz="2000" b="0" i="1" smtClean="0">
+                            <a:solidFill>
+                              <a:srgbClr val="C00000"/>
+                            </a:solidFill>
+                            <a:latin typeface="Cambria Math" panose="02040503050406030204" pitchFamily="18" charset="0"/>
+                          </a:rPr>
+                          <m:t>𝑇</m:t>
+                        </m:r>
+                      </m:e>
+                      <m:sup>
+                        <m:r>
+                          <a:rPr lang="en-US" sz="2000" b="0" i="1" smtClean="0">
+                            <a:solidFill>
+                              <a:srgbClr val="C00000"/>
+                            </a:solidFill>
+                            <a:latin typeface="Cambria Math" panose="02040503050406030204" pitchFamily="18" charset="0"/>
+                          </a:rPr>
+                          <m:t>𝑂</m:t>
+                        </m:r>
+                      </m:sup>
+                    </m:sSup>
+                  </m:oMath>
+                </a14:m>
+                <a:r>
+                  <a:rPr lang="en-US" sz="2000" dirty="0" smtClean="0">
+                    <a:solidFill>
+                      <a:srgbClr val="C00000"/>
+                    </a:solidFill>
+                  </a:rPr>
+                  <a:t>_UNSAT</a:t>
+                </a:r>
+                <a:endParaRPr lang="en-US" sz="2000" dirty="0">
+                  <a:solidFill>
+                    <a:srgbClr val="C00000"/>
+                  </a:solidFill>
+                </a:endParaRPr>
+              </a:p>
+            </p:txBody>
+          </p:sp>
+        </mc:Choice>
+        <mc:Fallback>
+          <p:sp>
+            <p:nvSpPr>
+              <p:cNvPr id="49" name="TextBox 48"/>
+              <p:cNvSpPr txBox="1">
+                <a:spLocks noRot="1" noChangeAspect="1" noMove="1" noResize="1" noEditPoints="1" noAdjustHandles="1" noChangeArrowheads="1" noChangeShapeType="1" noTextEdit="1"/>
+              </p:cNvSpPr>
+              <p:nvPr/>
+            </p:nvSpPr>
+            <p:spPr>
+              <a:xfrm>
+                <a:off x="8400453" y="3045288"/>
+                <a:ext cx="1407886" cy="401135"/>
+              </a:xfrm>
+              <a:prstGeom prst="rect">
+                <a:avLst/>
+              </a:prstGeom>
+              <a:blipFill rotWithShape="0">
+                <a:blip r:embed="rId3"/>
+                <a:stretch>
+                  <a:fillRect t="-9231" r="-3896" b="-27692"/>
+                </a:stretch>
+              </a:blipFill>
+            </p:spPr>
+            <p:txBody>
+              <a:bodyPr/>
+              <a:lstStyle/>
+              <a:p>
+                <a:r>
+                  <a:rPr lang="en-US">
+                    <a:noFill/>
+                  </a:rPr>
+                  <a:t> </a:t>
+                </a:r>
+              </a:p>
+            </p:txBody>
+          </p:sp>
+        </mc:Fallback>
+      </mc:AlternateContent>
       <p:sp>
         <p:nvSpPr>
           <p:cNvPr id="51" name="TextBox 50"/>
@@ -17187,7 +17295,7 @@
         </p:nvSpPr>
         <p:spPr>
           <a:xfrm>
-            <a:off x="6133399" y="5223744"/>
+            <a:off x="6133399" y="5516735"/>
             <a:ext cx="1995602" cy="461665"/>
           </a:xfrm>
           <a:prstGeom prst="rect">
@@ -17216,15 +17324,14 @@
         <p:nvCxnSpPr>
           <p:cNvPr id="52" name="Straight Arrow Connector 51"/>
           <p:cNvCxnSpPr>
-            <a:stCxn id="9" idx="2"/>
             <a:endCxn id="51" idx="0"/>
           </p:cNvCxnSpPr>
           <p:nvPr/>
         </p:nvCxnSpPr>
         <p:spPr>
-          <a:xfrm>
-            <a:off x="7118884" y="4366943"/>
-            <a:ext cx="12316" cy="856801"/>
+          <a:xfrm flipH="1">
+            <a:off x="7131200" y="4764309"/>
+            <a:ext cx="1443702" cy="752426"/>
           </a:xfrm>
           <a:prstGeom prst="straightConnector1">
             <a:avLst/>
@@ -17251,36 +17358,6 @@
           </a:fontRef>
         </p:style>
       </p:cxnSp>
-      <p:sp>
-        <p:nvSpPr>
-          <p:cNvPr id="54" name="TextBox 53"/>
-          <p:cNvSpPr txBox="1"/>
-          <p:nvPr/>
-        </p:nvSpPr>
-        <p:spPr>
-          <a:xfrm>
-            <a:off x="6219222" y="4537549"/>
-            <a:ext cx="1874231" cy="400110"/>
-          </a:xfrm>
-          <a:prstGeom prst="rect">
-            <a:avLst/>
-          </a:prstGeom>
-          <a:noFill/>
-        </p:spPr>
-        <p:txBody>
-          <a:bodyPr wrap="none" rtlCol="0">
-            <a:spAutoFit/>
-          </a:bodyPr>
-          <a:lstStyle/>
-          <a:p>
-            <a:r>
-              <a:rPr lang="en-US" sz="2000" dirty="0" smtClean="0"/>
-              <a:t>IA-UNKNOWN</a:t>
-            </a:r>
-            <a:endParaRPr lang="en-US" dirty="0"/>
-          </a:p>
-        </p:txBody>
-      </p:sp>
       <p:cxnSp>
         <p:nvCxnSpPr>
           <p:cNvPr id="57" name="Straight Arrow Connector 56"/>
@@ -17289,8 +17366,8 @@
         </p:nvCxnSpPr>
         <p:spPr>
           <a:xfrm>
-            <a:off x="7788882" y="3997611"/>
-            <a:ext cx="3434794" cy="1479987"/>
+            <a:off x="8657758" y="4764309"/>
+            <a:ext cx="2567636" cy="724089"/>
           </a:xfrm>
           <a:prstGeom prst="straightConnector1">
             <a:avLst/>
@@ -17325,7 +17402,7 @@
         </p:nvSpPr>
         <p:spPr>
           <a:xfrm>
-            <a:off x="11218960" y="5282573"/>
+            <a:off x="11235626" y="5339731"/>
             <a:ext cx="782587" cy="523220"/>
           </a:xfrm>
           <a:prstGeom prst="rect">
@@ -17355,44 +17432,124 @@
           </a:p>
         </p:txBody>
       </p:sp>
-      <p:sp>
-        <p:nvSpPr>
-          <p:cNvPr id="61" name="TextBox 60"/>
-          <p:cNvSpPr txBox="1"/>
-          <p:nvPr/>
-        </p:nvSpPr>
-        <p:spPr>
-          <a:xfrm rot="1326222">
-            <a:off x="8942968" y="4428701"/>
-            <a:ext cx="1252266" cy="400110"/>
-          </a:xfrm>
-          <a:prstGeom prst="rect">
-            <a:avLst/>
-          </a:prstGeom>
-          <a:noFill/>
-        </p:spPr>
-        <p:txBody>
-          <a:bodyPr wrap="none" rtlCol="0">
-            <a:spAutoFit/>
-          </a:bodyPr>
-          <a:lstStyle/>
-          <a:p>
-            <a:r>
-              <a:rPr lang="en-US" sz="2000" dirty="0" smtClean="0">
-                <a:solidFill>
-                  <a:srgbClr val="00B050"/>
-                </a:solidFill>
-              </a:rPr>
-              <a:t>IA-VALID</a:t>
-            </a:r>
-            <a:endParaRPr lang="en-US" sz="2000" dirty="0">
-              <a:solidFill>
-                <a:srgbClr val="00B050"/>
-              </a:solidFill>
-            </a:endParaRPr>
-          </a:p>
-        </p:txBody>
-      </p:sp>
+      <mc:AlternateContent xmlns:mc="http://schemas.openxmlformats.org/markup-compatibility/2006">
+        <mc:Choice xmlns:a14="http://schemas.microsoft.com/office/drawing/2010/main" Requires="a14">
+          <p:sp>
+            <p:nvSpPr>
+              <p:cNvPr id="61" name="TextBox 60"/>
+              <p:cNvSpPr txBox="1"/>
+              <p:nvPr/>
+            </p:nvSpPr>
+            <p:spPr>
+              <a:xfrm rot="964349">
+                <a:off x="9167927" y="4708867"/>
+                <a:ext cx="1359796" cy="401135"/>
+              </a:xfrm>
+              <a:prstGeom prst="rect">
+                <a:avLst/>
+              </a:prstGeom>
+              <a:noFill/>
+            </p:spPr>
+            <p:txBody>
+              <a:bodyPr wrap="none" rtlCol="0">
+                <a:spAutoFit/>
+              </a:bodyPr>
+              <a:lstStyle/>
+              <a:p>
+                <a14:m>
+                  <m:oMath xmlns:m="http://schemas.openxmlformats.org/officeDocument/2006/math">
+                    <m:sSup>
+                      <m:sSupPr>
+                        <m:ctrlPr>
+                          <a:rPr lang="en-US" sz="2000" i="1" smtClean="0">
+                            <a:solidFill>
+                              <a:srgbClr val="00B050"/>
+                            </a:solidFill>
+                            <a:latin typeface="Cambria Math" panose="02040503050406030204" pitchFamily="18" charset="0"/>
+                          </a:rPr>
+                        </m:ctrlPr>
+                      </m:sSupPr>
+                      <m:e>
+                        <m:r>
+                          <a:rPr lang="en-US" sz="2000" b="0" i="1" smtClean="0">
+                            <a:solidFill>
+                              <a:srgbClr val="00B050"/>
+                            </a:solidFill>
+                            <a:latin typeface="Cambria Math" panose="02040503050406030204" pitchFamily="18" charset="0"/>
+                          </a:rPr>
+                          <m:t>𝑇</m:t>
+                        </m:r>
+                      </m:e>
+                      <m:sup>
+                        <m:r>
+                          <a:rPr lang="en-US" sz="2000" b="0" i="1" smtClean="0">
+                            <a:solidFill>
+                              <a:srgbClr val="00B050"/>
+                            </a:solidFill>
+                            <a:latin typeface="Cambria Math" panose="02040503050406030204" pitchFamily="18" charset="0"/>
+                          </a:rPr>
+                          <m:t>𝑂</m:t>
+                        </m:r>
+                      </m:sup>
+                    </m:sSup>
+                  </m:oMath>
+                </a14:m>
+                <a:r>
+                  <a:rPr lang="en-US" sz="2000" dirty="0" smtClean="0">
+                    <a:solidFill>
+                      <a:srgbClr val="00B050"/>
+                    </a:solidFill>
+                  </a:rPr>
+                  <a:t>_VALID</a:t>
+                </a:r>
+                <a:endParaRPr lang="en-US" sz="2000" dirty="0">
+                  <a:solidFill>
+                    <a:srgbClr val="00B050"/>
+                  </a:solidFill>
+                </a:endParaRPr>
+              </a:p>
+            </p:txBody>
+          </p:sp>
+        </mc:Choice>
+        <mc:Fallback>
+          <p:sp>
+            <p:nvSpPr>
+              <p:cNvPr id="61" name="TextBox 60"/>
+              <p:cNvSpPr txBox="1">
+                <a:spLocks noRot="1" noChangeAspect="1" noMove="1" noResize="1" noEditPoints="1" noAdjustHandles="1" noChangeArrowheads="1" noChangeShapeType="1" noTextEdit="1"/>
+              </p:cNvSpPr>
+              <p:nvPr/>
+            </p:nvSpPr>
+            <p:spPr>
+              <a:xfrm rot="964349">
+                <a:off x="9167927" y="4708867"/>
+                <a:ext cx="1359796" cy="401135"/>
+              </a:xfrm>
+              <a:prstGeom prst="rect">
+                <a:avLst/>
+              </a:prstGeom>
+              <a:blipFill rotWithShape="0">
+                <a:blip r:embed="rId4"/>
+                <a:stretch>
+                  <a:fillRect r="-3863" b="-15079"/>
+                </a:stretch>
+              </a:blipFill>
+            </p:spPr>
+            <p:txBody>
+              <a:bodyPr/>
+              <a:lstStyle/>
+              <a:p>
+                <a:r>
+                  <a:rPr lang="en-US">
+                    <a:noFill/>
+                  </a:rPr>
+                  <a:t> </a:t>
+                </a:r>
+              </a:p>
+            </p:txBody>
+          </p:sp>
+        </mc:Fallback>
+      </mc:AlternateContent>
       <p:cxnSp>
         <p:nvCxnSpPr>
           <p:cNvPr id="62" name="Straight Arrow Connector 61"/>
@@ -17401,7 +17558,7 @@
         </p:nvCxnSpPr>
         <p:spPr>
           <a:xfrm flipV="1">
-            <a:off x="8118088" y="5544183"/>
+            <a:off x="8167535" y="5725084"/>
             <a:ext cx="3105588" cy="22186"/>
           </a:xfrm>
           <a:prstGeom prst="straightConnector1">
@@ -17429,44 +17586,124 @@
           </a:fontRef>
         </p:style>
       </p:cxnSp>
-      <p:sp>
-        <p:nvSpPr>
-          <p:cNvPr id="65" name="TextBox 64"/>
-          <p:cNvSpPr txBox="1"/>
-          <p:nvPr/>
-        </p:nvSpPr>
-        <p:spPr>
-          <a:xfrm>
-            <a:off x="8998122" y="5198436"/>
-            <a:ext cx="1180131" cy="400110"/>
-          </a:xfrm>
-          <a:prstGeom prst="rect">
-            <a:avLst/>
-          </a:prstGeom>
-          <a:noFill/>
-        </p:spPr>
-        <p:txBody>
-          <a:bodyPr wrap="none" rtlCol="0">
-            <a:spAutoFit/>
-          </a:bodyPr>
-          <a:lstStyle/>
-          <a:p>
-            <a:r>
-              <a:rPr lang="en-US" sz="2000" dirty="0" smtClean="0">
-                <a:solidFill>
-                  <a:srgbClr val="00B050"/>
-                </a:solidFill>
-              </a:rPr>
-              <a:t>TEST-SAT</a:t>
-            </a:r>
-            <a:endParaRPr lang="en-US" dirty="0">
-              <a:solidFill>
-                <a:srgbClr val="00B050"/>
-              </a:solidFill>
-            </a:endParaRPr>
-          </a:p>
-        </p:txBody>
-      </p:sp>
+      <mc:AlternateContent xmlns:mc="http://schemas.openxmlformats.org/markup-compatibility/2006">
+        <mc:Choice xmlns:a14="http://schemas.microsoft.com/office/drawing/2010/main" Requires="a14">
+          <p:sp>
+            <p:nvSpPr>
+              <p:cNvPr id="65" name="TextBox 64"/>
+              <p:cNvSpPr txBox="1"/>
+              <p:nvPr/>
+            </p:nvSpPr>
+            <p:spPr>
+              <a:xfrm>
+                <a:off x="8792408" y="5339731"/>
+                <a:ext cx="1055417" cy="400110"/>
+              </a:xfrm>
+              <a:prstGeom prst="rect">
+                <a:avLst/>
+              </a:prstGeom>
+              <a:noFill/>
+            </p:spPr>
+            <p:txBody>
+              <a:bodyPr wrap="none" rtlCol="0">
+                <a:spAutoFit/>
+              </a:bodyPr>
+              <a:lstStyle/>
+              <a:p>
+                <a14:m>
+                  <m:oMath xmlns:m="http://schemas.openxmlformats.org/officeDocument/2006/math">
+                    <m:sSup>
+                      <m:sSupPr>
+                        <m:ctrlPr>
+                          <a:rPr lang="en-US" sz="2000" i="1" smtClean="0">
+                            <a:solidFill>
+                              <a:srgbClr val="00B050"/>
+                            </a:solidFill>
+                            <a:latin typeface="Cambria Math" panose="02040503050406030204" pitchFamily="18" charset="0"/>
+                          </a:rPr>
+                        </m:ctrlPr>
+                      </m:sSupPr>
+                      <m:e>
+                        <m:r>
+                          <a:rPr lang="en-US" sz="2000" b="0" i="1" smtClean="0">
+                            <a:solidFill>
+                              <a:srgbClr val="00B050"/>
+                            </a:solidFill>
+                            <a:latin typeface="Cambria Math" panose="02040503050406030204" pitchFamily="18" charset="0"/>
+                          </a:rPr>
+                          <m:t>𝑇</m:t>
+                        </m:r>
+                      </m:e>
+                      <m:sup>
+                        <m:r>
+                          <a:rPr lang="en-US" sz="2000" b="0" i="1" smtClean="0">
+                            <a:solidFill>
+                              <a:srgbClr val="00B050"/>
+                            </a:solidFill>
+                            <a:latin typeface="Cambria Math" panose="02040503050406030204" pitchFamily="18" charset="0"/>
+                          </a:rPr>
+                          <m:t>𝑈</m:t>
+                        </m:r>
+                      </m:sup>
+                    </m:sSup>
+                  </m:oMath>
+                </a14:m>
+                <a:r>
+                  <a:rPr lang="en-US" sz="2000" dirty="0" smtClean="0">
+                    <a:solidFill>
+                      <a:srgbClr val="00B050"/>
+                    </a:solidFill>
+                  </a:rPr>
+                  <a:t>_SAT</a:t>
+                </a:r>
+                <a:endParaRPr lang="en-US" dirty="0">
+                  <a:solidFill>
+                    <a:srgbClr val="00B050"/>
+                  </a:solidFill>
+                </a:endParaRPr>
+              </a:p>
+            </p:txBody>
+          </p:sp>
+        </mc:Choice>
+        <mc:Fallback>
+          <p:sp>
+            <p:nvSpPr>
+              <p:cNvPr id="65" name="TextBox 64"/>
+              <p:cNvSpPr txBox="1">
+                <a:spLocks noRot="1" noChangeAspect="1" noMove="1" noResize="1" noEditPoints="1" noAdjustHandles="1" noChangeArrowheads="1" noChangeShapeType="1" noTextEdit="1"/>
+              </p:cNvSpPr>
+              <p:nvPr/>
+            </p:nvSpPr>
+            <p:spPr>
+              <a:xfrm>
+                <a:off x="8792408" y="5339731"/>
+                <a:ext cx="1055417" cy="400110"/>
+              </a:xfrm>
+              <a:prstGeom prst="rect">
+                <a:avLst/>
+              </a:prstGeom>
+              <a:blipFill rotWithShape="0">
+                <a:blip r:embed="rId5"/>
+                <a:stretch>
+                  <a:fillRect t="-9091" r="-4624" b="-25758"/>
+                </a:stretch>
+              </a:blipFill>
+            </p:spPr>
+            <p:txBody>
+              <a:bodyPr/>
+              <a:lstStyle/>
+              <a:p>
+                <a:r>
+                  <a:rPr lang="en-US">
+                    <a:noFill/>
+                  </a:rPr>
+                  <a:t> </a:t>
+                </a:r>
+              </a:p>
+            </p:txBody>
+          </p:sp>
+        </mc:Fallback>
+      </mc:AlternateContent>
       <p:sp>
         <p:nvSpPr>
           <p:cNvPr id="66" name="TextBox 65"/>
@@ -17512,7 +17749,7 @@
         <p:spPr>
           <a:xfrm flipH="1" flipV="1">
             <a:off x="4148881" y="4579169"/>
-            <a:ext cx="1984518" cy="875408"/>
+            <a:ext cx="1984518" cy="1168399"/>
           </a:xfrm>
           <a:prstGeom prst="straightConnector1">
             <a:avLst/>
@@ -17536,44 +17773,6 @@
           </a:fontRef>
         </p:style>
       </p:cxnSp>
-      <p:sp>
-        <p:nvSpPr>
-          <p:cNvPr id="70" name="TextBox 69"/>
-          <p:cNvSpPr txBox="1"/>
-          <p:nvPr/>
-        </p:nvSpPr>
-        <p:spPr>
-          <a:xfrm rot="1586950">
-            <a:off x="4375451" y="5059542"/>
-            <a:ext cx="1515158" cy="400110"/>
-          </a:xfrm>
-          <a:prstGeom prst="rect">
-            <a:avLst/>
-          </a:prstGeom>
-          <a:noFill/>
-        </p:spPr>
-        <p:txBody>
-          <a:bodyPr wrap="none" rtlCol="0">
-            <a:spAutoFit/>
-          </a:bodyPr>
-          <a:lstStyle/>
-          <a:p>
-            <a:r>
-              <a:rPr lang="en-US" sz="2000" dirty="0" smtClean="0">
-                <a:solidFill>
-                  <a:schemeClr val="accent1"/>
-                </a:solidFill>
-              </a:rPr>
-              <a:t>Test-UNSAT</a:t>
-            </a:r>
-            <a:endParaRPr lang="en-US" sz="2000" dirty="0">
-              <a:solidFill>
-                <a:schemeClr val="accent1"/>
-              </a:solidFill>
-            </a:endParaRPr>
-          </a:p>
-        </p:txBody>
-      </p:sp>
       <p:cxnSp>
         <p:nvCxnSpPr>
           <p:cNvPr id="71" name="Straight Arrow Connector 70"/>
@@ -17620,8 +17819,8 @@
         </p:nvSpPr>
         <p:spPr>
           <a:xfrm rot="19285774">
-            <a:off x="4313602" y="2606975"/>
-            <a:ext cx="2225721" cy="400110"/>
+            <a:off x="4679831" y="2772389"/>
+            <a:ext cx="1069247" cy="400110"/>
           </a:xfrm>
           <a:prstGeom prst="rect">
             <a:avLst/>
@@ -17640,7 +17839,7 @@
                   <a:srgbClr val="00B050"/>
                 </a:solidFill>
               </a:rPr>
-              <a:t>Refined clauses</a:t>
+              <a:t>REFINE</a:t>
             </a:r>
             <a:endParaRPr lang="en-US" sz="2000" dirty="0">
               <a:solidFill>
@@ -17764,41 +17963,8 @@
           </a:p>
         </p:txBody>
       </p:sp>
-      <p:sp>
-        <p:nvSpPr>
-          <p:cNvPr id="110" name="TextBox 109"/>
-          <p:cNvSpPr txBox="1"/>
-          <p:nvPr/>
-        </p:nvSpPr>
-        <p:spPr>
-          <a:xfrm>
-            <a:off x="9370233" y="3535945"/>
-            <a:ext cx="1316749" cy="400110"/>
-          </a:xfrm>
-          <a:prstGeom prst="rect">
-            <a:avLst/>
-          </a:prstGeom>
-          <a:solidFill>
-            <a:srgbClr val="00B050"/>
-          </a:solidFill>
-        </p:spPr>
-        <p:txBody>
-          <a:bodyPr wrap="square" rtlCol="0">
-            <a:spAutoFit/>
-          </a:bodyPr>
-          <a:lstStyle/>
-          <a:p>
-            <a:pPr algn="ctr"/>
-            <a:r>
-              <a:rPr lang="en-US" sz="2000" dirty="0" smtClean="0"/>
-              <a:t>US Core</a:t>
-            </a:r>
-            <a:endParaRPr lang="en-US" sz="2000" dirty="0"/>
-          </a:p>
-        </p:txBody>
-      </p:sp>
-      <mc:AlternateContent xmlns:mc="http://schemas.openxmlformats.org/markup-compatibility/2006">
-        <mc:Choice xmlns:a14="http://schemas.microsoft.com/office/drawing/2010/main" Requires="a14">
+      <mc:AlternateContent xmlns:mc="http://schemas.openxmlformats.org/markup-compatibility/2006" xmlns:a14="http://schemas.microsoft.com/office/drawing/2010/main">
+        <mc:Choice Requires="a14">
           <p:sp>
             <p:nvSpPr>
               <p:cNvPr id="113" name="TextBox 112"/>
@@ -17842,7 +18008,7 @@
             </p:txBody>
           </p:sp>
         </mc:Choice>
-        <mc:Fallback>
+        <mc:Fallback xmlns="">
           <p:sp>
             <p:nvSpPr>
               <p:cNvPr id="113" name="TextBox 112"/>
@@ -17860,7 +18026,7 @@
                 <a:avLst/>
               </a:prstGeom>
               <a:blipFill rotWithShape="0">
-                <a:blip r:embed="rId2"/>
+                <a:blip r:embed="rId6"/>
                 <a:stretch>
                   <a:fillRect/>
                 </a:stretch>
@@ -17944,6 +18110,622 @@
           </a:p>
         </p:txBody>
       </p:sp>
+      <mc:AlternateContent xmlns:mc="http://schemas.openxmlformats.org/markup-compatibility/2006">
+        <mc:Choice xmlns:a14="http://schemas.microsoft.com/office/drawing/2010/main" Requires="a14">
+          <p:sp>
+            <p:nvSpPr>
+              <p:cNvPr id="5" name="TextBox 4"/>
+              <p:cNvSpPr txBox="1"/>
+              <p:nvPr/>
+            </p:nvSpPr>
+            <p:spPr>
+              <a:xfrm>
+                <a:off x="8475021" y="1372262"/>
+                <a:ext cx="1303562" cy="453137"/>
+              </a:xfrm>
+              <a:prstGeom prst="rect">
+                <a:avLst/>
+              </a:prstGeom>
+              <a:noFill/>
+            </p:spPr>
+            <p:txBody>
+              <a:bodyPr wrap="none" rtlCol="0">
+                <a:spAutoFit/>
+              </a:bodyPr>
+              <a:lstStyle/>
+              <a:p>
+                <a14:m>
+                  <m:oMath xmlns:m="http://schemas.openxmlformats.org/officeDocument/2006/math">
+                    <m:r>
+                      <m:rPr>
+                        <m:sty m:val="p"/>
+                      </m:rPr>
+                      <a:rPr lang="el-GR" sz="2400" i="1" smtClean="0">
+                        <a:solidFill>
+                          <a:srgbClr val="FF0000"/>
+                        </a:solidFill>
+                        <a:latin typeface="Cambria Math" panose="02040503050406030204" pitchFamily="18" charset="0"/>
+                        <a:ea typeface="Cambria Math" panose="02040503050406030204" pitchFamily="18" charset="0"/>
+                      </a:rPr>
+                      <m:t>Π</m:t>
+                    </m:r>
+                  </m:oMath>
+                </a14:m>
+                <a:r>
+                  <a:rPr lang="en-US" sz="2000" dirty="0" smtClean="0">
+                    <a:solidFill>
+                      <a:srgbClr val="FF0000"/>
+                    </a:solidFill>
+                  </a:rPr>
+                  <a:t>_UNSAT</a:t>
+                </a:r>
+                <a:endParaRPr lang="en-US" sz="2000" dirty="0">
+                  <a:solidFill>
+                    <a:srgbClr val="FF0000"/>
+                  </a:solidFill>
+                </a:endParaRPr>
+              </a:p>
+            </p:txBody>
+          </p:sp>
+        </mc:Choice>
+        <mc:Fallback>
+          <p:sp>
+            <p:nvSpPr>
+              <p:cNvPr id="5" name="TextBox 4"/>
+              <p:cNvSpPr txBox="1">
+                <a:spLocks noRot="1" noChangeAspect="1" noMove="1" noResize="1" noEditPoints="1" noAdjustHandles="1" noChangeArrowheads="1" noChangeShapeType="1" noTextEdit="1"/>
+              </p:cNvSpPr>
+              <p:nvPr/>
+            </p:nvSpPr>
+            <p:spPr>
+              <a:xfrm>
+                <a:off x="8475021" y="1372262"/>
+                <a:ext cx="1303562" cy="453137"/>
+              </a:xfrm>
+              <a:prstGeom prst="rect">
+                <a:avLst/>
+              </a:prstGeom>
+              <a:blipFill rotWithShape="0">
+                <a:blip r:embed="rId7"/>
+                <a:stretch>
+                  <a:fillRect l="-935" r="-4206" b="-21622"/>
+                </a:stretch>
+              </a:blipFill>
+            </p:spPr>
+            <p:txBody>
+              <a:bodyPr/>
+              <a:lstStyle/>
+              <a:p>
+                <a:r>
+                  <a:rPr lang="en-US">
+                    <a:noFill/>
+                  </a:rPr>
+                  <a:t> </a:t>
+                </a:r>
+              </a:p>
+            </p:txBody>
+          </p:sp>
+        </mc:Fallback>
+      </mc:AlternateContent>
+      <mc:AlternateContent xmlns:mc="http://schemas.openxmlformats.org/markup-compatibility/2006">
+        <mc:Choice xmlns:a14="http://schemas.microsoft.com/office/drawing/2010/main" Requires="a14">
+          <p:sp>
+            <p:nvSpPr>
+              <p:cNvPr id="38" name="TextBox 37"/>
+              <p:cNvSpPr txBox="1"/>
+              <p:nvPr/>
+            </p:nvSpPr>
+            <p:spPr>
+              <a:xfrm rot="5400000">
+                <a:off x="6849804" y="2373471"/>
+                <a:ext cx="946093" cy="453137"/>
+              </a:xfrm>
+              <a:prstGeom prst="rect">
+                <a:avLst/>
+              </a:prstGeom>
+              <a:noFill/>
+            </p:spPr>
+            <p:txBody>
+              <a:bodyPr wrap="none" rtlCol="0">
+                <a:spAutoFit/>
+              </a:bodyPr>
+              <a:lstStyle/>
+              <a:p>
+                <a14:m>
+                  <m:oMath xmlns:m="http://schemas.openxmlformats.org/officeDocument/2006/math">
+                    <m:r>
+                      <m:rPr>
+                        <m:sty m:val="p"/>
+                      </m:rPr>
+                      <a:rPr lang="el-GR" sz="2400" i="1" smtClean="0">
+                        <a:solidFill>
+                          <a:srgbClr val="00B050"/>
+                        </a:solidFill>
+                        <a:latin typeface="Cambria Math" panose="02040503050406030204" pitchFamily="18" charset="0"/>
+                        <a:ea typeface="Cambria Math" panose="02040503050406030204" pitchFamily="18" charset="0"/>
+                      </a:rPr>
+                      <m:t>Π</m:t>
+                    </m:r>
+                  </m:oMath>
+                </a14:m>
+                <a:r>
+                  <a:rPr lang="en-US" sz="2000" dirty="0" smtClean="0">
+                    <a:solidFill>
+                      <a:srgbClr val="00B050"/>
+                    </a:solidFill>
+                  </a:rPr>
+                  <a:t>_SAT</a:t>
+                </a:r>
+                <a:endParaRPr lang="en-US" sz="2000" dirty="0">
+                  <a:solidFill>
+                    <a:srgbClr val="00B050"/>
+                  </a:solidFill>
+                </a:endParaRPr>
+              </a:p>
+            </p:txBody>
+          </p:sp>
+        </mc:Choice>
+        <mc:Fallback>
+          <p:sp>
+            <p:nvSpPr>
+              <p:cNvPr id="38" name="TextBox 37"/>
+              <p:cNvSpPr txBox="1">
+                <a:spLocks noRot="1" noChangeAspect="1" noMove="1" noResize="1" noEditPoints="1" noAdjustHandles="1" noChangeArrowheads="1" noChangeShapeType="1" noTextEdit="1"/>
+              </p:cNvSpPr>
+              <p:nvPr/>
+            </p:nvSpPr>
+            <p:spPr>
+              <a:xfrm rot="5400000">
+                <a:off x="6849804" y="2373471"/>
+                <a:ext cx="946093" cy="453137"/>
+              </a:xfrm>
+              <a:prstGeom prst="rect">
+                <a:avLst/>
+              </a:prstGeom>
+              <a:blipFill rotWithShape="0">
+                <a:blip r:embed="rId8"/>
+                <a:stretch>
+                  <a:fillRect l="-21622" t="-1935" b="-5161"/>
+                </a:stretch>
+              </a:blipFill>
+            </p:spPr>
+            <p:txBody>
+              <a:bodyPr/>
+              <a:lstStyle/>
+              <a:p>
+                <a:r>
+                  <a:rPr lang="en-US">
+                    <a:noFill/>
+                  </a:rPr>
+                  <a:t> </a:t>
+                </a:r>
+              </a:p>
+            </p:txBody>
+          </p:sp>
+        </mc:Fallback>
+      </mc:AlternateContent>
+      <p:cxnSp>
+        <p:nvCxnSpPr>
+          <p:cNvPr id="24" name="Straight Arrow Connector 23"/>
+          <p:cNvCxnSpPr/>
+          <p:nvPr/>
+        </p:nvCxnSpPr>
+        <p:spPr>
+          <a:xfrm>
+            <a:off x="7156337" y="3937442"/>
+            <a:ext cx="1491189" cy="792898"/>
+          </a:xfrm>
+          <a:prstGeom prst="straightConnector1">
+            <a:avLst/>
+          </a:prstGeom>
+          <a:ln w="28575">
+            <a:solidFill>
+              <a:srgbClr val="0E0977"/>
+            </a:solidFill>
+            <a:tailEnd type="triangle"/>
+          </a:ln>
+        </p:spPr>
+        <p:style>
+          <a:lnRef idx="1">
+            <a:schemeClr val="accent1"/>
+          </a:lnRef>
+          <a:fillRef idx="0">
+            <a:schemeClr val="accent1"/>
+          </a:fillRef>
+          <a:effectRef idx="0">
+            <a:schemeClr val="accent1"/>
+          </a:effectRef>
+          <a:fontRef idx="minor">
+            <a:schemeClr val="tx1"/>
+          </a:fontRef>
+        </p:style>
+      </p:cxnSp>
+      <mc:AlternateContent xmlns:mc="http://schemas.openxmlformats.org/markup-compatibility/2006">
+        <mc:Choice xmlns:a14="http://schemas.microsoft.com/office/drawing/2010/main" Requires="a14">
+          <p:sp>
+            <p:nvSpPr>
+              <p:cNvPr id="31" name="TextBox 30"/>
+              <p:cNvSpPr txBox="1"/>
+              <p:nvPr/>
+            </p:nvSpPr>
+            <p:spPr>
+              <a:xfrm rot="1797449">
+                <a:off x="7642327" y="4063738"/>
+                <a:ext cx="1050416" cy="401135"/>
+              </a:xfrm>
+              <a:prstGeom prst="rect">
+                <a:avLst/>
+              </a:prstGeom>
+              <a:noFill/>
+            </p:spPr>
+            <p:txBody>
+              <a:bodyPr wrap="none" rtlCol="0">
+                <a:spAutoFit/>
+              </a:bodyPr>
+              <a:lstStyle/>
+              <a:p>
+                <a14:m>
+                  <m:oMath xmlns:m="http://schemas.openxmlformats.org/officeDocument/2006/math">
+                    <m:sSup>
+                      <m:sSupPr>
+                        <m:ctrlPr>
+                          <a:rPr lang="en-US" sz="2000" i="1" smtClean="0">
+                            <a:solidFill>
+                              <a:srgbClr val="3312AE"/>
+                            </a:solidFill>
+                            <a:latin typeface="Cambria Math" panose="02040503050406030204" pitchFamily="18" charset="0"/>
+                          </a:rPr>
+                        </m:ctrlPr>
+                      </m:sSupPr>
+                      <m:e>
+                        <m:r>
+                          <a:rPr lang="en-US" sz="2000" b="0" i="1" smtClean="0">
+                            <a:solidFill>
+                              <a:srgbClr val="3312AE"/>
+                            </a:solidFill>
+                            <a:latin typeface="Cambria Math" panose="02040503050406030204" pitchFamily="18" charset="0"/>
+                          </a:rPr>
+                          <m:t>𝑇</m:t>
+                        </m:r>
+                      </m:e>
+                      <m:sup>
+                        <m:r>
+                          <a:rPr lang="en-US" sz="2000" b="0" i="1" smtClean="0">
+                            <a:solidFill>
+                              <a:srgbClr val="3312AE"/>
+                            </a:solidFill>
+                            <a:latin typeface="Cambria Math" panose="02040503050406030204" pitchFamily="18" charset="0"/>
+                          </a:rPr>
+                          <m:t>𝑂</m:t>
+                        </m:r>
+                      </m:sup>
+                    </m:sSup>
+                  </m:oMath>
+                </a14:m>
+                <a:r>
+                  <a:rPr lang="en-US" sz="2000" dirty="0" smtClean="0">
+                    <a:solidFill>
+                      <a:srgbClr val="3312AE"/>
+                    </a:solidFill>
+                  </a:rPr>
+                  <a:t>_SAT</a:t>
+                </a:r>
+                <a:endParaRPr lang="en-US" sz="2000" dirty="0">
+                  <a:solidFill>
+                    <a:srgbClr val="3312AE"/>
+                  </a:solidFill>
+                </a:endParaRPr>
+              </a:p>
+            </p:txBody>
+          </p:sp>
+        </mc:Choice>
+        <mc:Fallback>
+          <p:sp>
+            <p:nvSpPr>
+              <p:cNvPr id="31" name="TextBox 30"/>
+              <p:cNvSpPr txBox="1">
+                <a:spLocks noRot="1" noChangeAspect="1" noMove="1" noResize="1" noEditPoints="1" noAdjustHandles="1" noChangeArrowheads="1" noChangeShapeType="1" noTextEdit="1"/>
+              </p:cNvSpPr>
+              <p:nvPr/>
+            </p:nvSpPr>
+            <p:spPr>
+              <a:xfrm rot="1797449">
+                <a:off x="7642327" y="4063738"/>
+                <a:ext cx="1050416" cy="401135"/>
+              </a:xfrm>
+              <a:prstGeom prst="rect">
+                <a:avLst/>
+              </a:prstGeom>
+              <a:blipFill rotWithShape="0">
+                <a:blip r:embed="rId9"/>
+                <a:stretch>
+                  <a:fillRect r="-5464" b="-12414"/>
+                </a:stretch>
+              </a:blipFill>
+            </p:spPr>
+            <p:txBody>
+              <a:bodyPr/>
+              <a:lstStyle/>
+              <a:p>
+                <a:r>
+                  <a:rPr lang="en-US">
+                    <a:noFill/>
+                  </a:rPr>
+                  <a:t> </a:t>
+                </a:r>
+              </a:p>
+            </p:txBody>
+          </p:sp>
+        </mc:Fallback>
+      </mc:AlternateContent>
+      <mc:AlternateContent xmlns:mc="http://schemas.openxmlformats.org/markup-compatibility/2006">
+        <mc:Choice xmlns:a14="http://schemas.microsoft.com/office/drawing/2010/main" Requires="a14">
+          <p:sp>
+            <p:nvSpPr>
+              <p:cNvPr id="63" name="TextBox 62"/>
+              <p:cNvSpPr txBox="1"/>
+              <p:nvPr/>
+            </p:nvSpPr>
+            <p:spPr>
+              <a:xfrm rot="19917408">
+                <a:off x="6645999" y="4803510"/>
+                <a:ext cx="1842299" cy="401135"/>
+              </a:xfrm>
+              <a:prstGeom prst="rect">
+                <a:avLst/>
+              </a:prstGeom>
+              <a:noFill/>
+            </p:spPr>
+            <p:txBody>
+              <a:bodyPr wrap="none" rtlCol="0">
+                <a:spAutoFit/>
+              </a:bodyPr>
+              <a:lstStyle/>
+              <a:p>
+                <a:r>
+                  <a:rPr lang="en-US" sz="2000" dirty="0" smtClean="0">
+                    <a:solidFill>
+                      <a:schemeClr val="tx1"/>
+                    </a:solidFill>
+                  </a:rPr>
+                  <a:t>n</a:t>
+                </a:r>
+                <a:r>
+                  <a:rPr lang="en-US" sz="2000" dirty="0" smtClean="0">
+                    <a:solidFill>
+                      <a:schemeClr val="tx1"/>
+                    </a:solidFill>
+                  </a:rPr>
+                  <a:t>ot </a:t>
+                </a:r>
+                <a14:m>
+                  <m:oMath xmlns:m="http://schemas.openxmlformats.org/officeDocument/2006/math">
+                    <m:sSup>
+                      <m:sSupPr>
+                        <m:ctrlPr>
+                          <a:rPr lang="en-US" sz="2000" i="1" smtClean="0">
+                            <a:solidFill>
+                              <a:schemeClr val="tx1"/>
+                            </a:solidFill>
+                            <a:latin typeface="Cambria Math" panose="02040503050406030204" pitchFamily="18" charset="0"/>
+                          </a:rPr>
+                        </m:ctrlPr>
+                      </m:sSupPr>
+                      <m:e>
+                        <m:r>
+                          <a:rPr lang="en-US" sz="2000" b="0" i="1" smtClean="0">
+                            <a:solidFill>
+                              <a:schemeClr val="tx1"/>
+                            </a:solidFill>
+                            <a:latin typeface="Cambria Math" panose="02040503050406030204" pitchFamily="18" charset="0"/>
+                          </a:rPr>
+                          <m:t>𝑇</m:t>
+                        </m:r>
+                      </m:e>
+                      <m:sup>
+                        <m:r>
+                          <a:rPr lang="en-US" sz="2000" b="0" i="1" smtClean="0">
+                            <a:solidFill>
+                              <a:schemeClr val="tx1"/>
+                            </a:solidFill>
+                            <a:latin typeface="Cambria Math" panose="02040503050406030204" pitchFamily="18" charset="0"/>
+                          </a:rPr>
+                          <m:t>𝑂</m:t>
+                        </m:r>
+                      </m:sup>
+                    </m:sSup>
+                  </m:oMath>
+                </a14:m>
+                <a:r>
+                  <a:rPr lang="en-US" sz="2000" dirty="0" smtClean="0">
+                    <a:solidFill>
+                      <a:schemeClr val="tx1"/>
+                    </a:solidFill>
+                  </a:rPr>
+                  <a:t>_VALID</a:t>
+                </a:r>
+                <a:endParaRPr lang="en-US" sz="2000" dirty="0">
+                  <a:solidFill>
+                    <a:schemeClr val="tx1"/>
+                  </a:solidFill>
+                </a:endParaRPr>
+              </a:p>
+            </p:txBody>
+          </p:sp>
+        </mc:Choice>
+        <mc:Fallback>
+          <p:sp>
+            <p:nvSpPr>
+              <p:cNvPr id="63" name="TextBox 62"/>
+              <p:cNvSpPr txBox="1">
+                <a:spLocks noRot="1" noChangeAspect="1" noMove="1" noResize="1" noEditPoints="1" noAdjustHandles="1" noChangeArrowheads="1" noChangeShapeType="1" noTextEdit="1"/>
+              </p:cNvSpPr>
+              <p:nvPr/>
+            </p:nvSpPr>
+            <p:spPr>
+              <a:xfrm rot="19917408">
+                <a:off x="6645999" y="4803510"/>
+                <a:ext cx="1842299" cy="401135"/>
+              </a:xfrm>
+              <a:prstGeom prst="rect">
+                <a:avLst/>
+              </a:prstGeom>
+              <a:blipFill rotWithShape="0">
+                <a:blip r:embed="rId10"/>
+                <a:stretch>
+                  <a:fillRect l="-3679" t="-3483" r="-4682" b="-9950"/>
+                </a:stretch>
+              </a:blipFill>
+            </p:spPr>
+            <p:txBody>
+              <a:bodyPr/>
+              <a:lstStyle/>
+              <a:p>
+                <a:r>
+                  <a:rPr lang="en-US">
+                    <a:noFill/>
+                  </a:rPr>
+                  <a:t> </a:t>
+                </a:r>
+              </a:p>
+            </p:txBody>
+          </p:sp>
+        </mc:Fallback>
+      </mc:AlternateContent>
+      <mc:AlternateContent xmlns:mc="http://schemas.openxmlformats.org/markup-compatibility/2006">
+        <mc:Choice xmlns:a14="http://schemas.microsoft.com/office/drawing/2010/main" Requires="a14">
+          <p:sp>
+            <p:nvSpPr>
+              <p:cNvPr id="64" name="TextBox 63"/>
+              <p:cNvSpPr txBox="1"/>
+              <p:nvPr/>
+            </p:nvSpPr>
+            <p:spPr>
+              <a:xfrm rot="1859584">
+                <a:off x="4694620" y="4888614"/>
+                <a:ext cx="1537922" cy="400110"/>
+              </a:xfrm>
+              <a:prstGeom prst="rect">
+                <a:avLst/>
+              </a:prstGeom>
+              <a:noFill/>
+            </p:spPr>
+            <p:txBody>
+              <a:bodyPr wrap="none" rtlCol="0">
+                <a:spAutoFit/>
+              </a:bodyPr>
+              <a:lstStyle/>
+              <a:p>
+                <a:r>
+                  <a:rPr lang="en-US" sz="2000" dirty="0">
+                    <a:solidFill>
+                      <a:srgbClr val="00B050"/>
+                    </a:solidFill>
+                  </a:rPr>
+                  <a:t>n</a:t>
+                </a:r>
+                <a:r>
+                  <a:rPr lang="en-US" sz="2000" dirty="0" smtClean="0">
+                    <a:solidFill>
+                      <a:srgbClr val="00B050"/>
+                    </a:solidFill>
+                  </a:rPr>
+                  <a:t>ot </a:t>
+                </a:r>
+                <a14:m>
+                  <m:oMath xmlns:m="http://schemas.openxmlformats.org/officeDocument/2006/math">
+                    <m:sSup>
+                      <m:sSupPr>
+                        <m:ctrlPr>
+                          <a:rPr lang="en-US" sz="2000" i="1" smtClean="0">
+                            <a:solidFill>
+                              <a:srgbClr val="00B050"/>
+                            </a:solidFill>
+                            <a:latin typeface="Cambria Math" panose="02040503050406030204" pitchFamily="18" charset="0"/>
+                          </a:rPr>
+                        </m:ctrlPr>
+                      </m:sSupPr>
+                      <m:e>
+                        <m:r>
+                          <a:rPr lang="en-US" sz="2000" b="0" i="1" smtClean="0">
+                            <a:solidFill>
+                              <a:srgbClr val="00B050"/>
+                            </a:solidFill>
+                            <a:latin typeface="Cambria Math" panose="02040503050406030204" pitchFamily="18" charset="0"/>
+                          </a:rPr>
+                          <m:t>𝑇</m:t>
+                        </m:r>
+                      </m:e>
+                      <m:sup>
+                        <m:r>
+                          <a:rPr lang="en-US" sz="2000" b="0" i="1" smtClean="0">
+                            <a:solidFill>
+                              <a:srgbClr val="00B050"/>
+                            </a:solidFill>
+                            <a:latin typeface="Cambria Math" panose="02040503050406030204" pitchFamily="18" charset="0"/>
+                          </a:rPr>
+                          <m:t>𝑈</m:t>
+                        </m:r>
+                      </m:sup>
+                    </m:sSup>
+                  </m:oMath>
+                </a14:m>
+                <a:r>
+                  <a:rPr lang="en-US" sz="2000" dirty="0" smtClean="0">
+                    <a:solidFill>
+                      <a:srgbClr val="00B050"/>
+                    </a:solidFill>
+                  </a:rPr>
+                  <a:t>_SAT</a:t>
+                </a:r>
+                <a:endParaRPr lang="en-US" dirty="0">
+                  <a:solidFill>
+                    <a:srgbClr val="00B050"/>
+                  </a:solidFill>
+                </a:endParaRPr>
+              </a:p>
+            </p:txBody>
+          </p:sp>
+        </mc:Choice>
+        <mc:Fallback>
+          <p:sp>
+            <p:nvSpPr>
+              <p:cNvPr id="64" name="TextBox 63"/>
+              <p:cNvSpPr txBox="1">
+                <a:spLocks noRot="1" noChangeAspect="1" noMove="1" noResize="1" noEditPoints="1" noAdjustHandles="1" noChangeArrowheads="1" noChangeShapeType="1" noTextEdit="1"/>
+              </p:cNvSpPr>
+              <p:nvPr/>
+            </p:nvSpPr>
+            <p:spPr>
+              <a:xfrm rot="1859584">
+                <a:off x="4694620" y="4888614"/>
+                <a:ext cx="1537922" cy="400110"/>
+              </a:xfrm>
+              <a:prstGeom prst="rect">
+                <a:avLst/>
+              </a:prstGeom>
+              <a:blipFill rotWithShape="0">
+                <a:blip r:embed="rId11"/>
+                <a:stretch>
+                  <a:fillRect l="-7171" t="-4813" r="-2789" b="-9626"/>
+                </a:stretch>
+              </a:blipFill>
+            </p:spPr>
+            <p:txBody>
+              <a:bodyPr/>
+              <a:lstStyle/>
+              <a:p>
+                <a:r>
+                  <a:rPr lang="en-US">
+                    <a:noFill/>
+                  </a:rPr>
+                  <a:t> </a:t>
+                </a:r>
+              </a:p>
+            </p:txBody>
+          </p:sp>
+        </mc:Fallback>
+      </mc:AlternateContent>
     </p:spTree>
     <p:extLst>
       <p:ext uri="{BB962C8B-B14F-4D97-AF65-F5344CB8AC3E}">
@@ -22900,7 +23682,7 @@
 <file path=ppt/theme/theme1.xml><?xml version="1.0" encoding="utf-8"?>
 <a:theme xmlns:a="http://schemas.openxmlformats.org/drawingml/2006/main" name="Wisp">
   <a:themeElements>
-    <a:clrScheme name="Wisp">
+    <a:clrScheme name="Custom 2">
       <a:dk1>
         <a:sysClr val="windowText" lastClr="000000"/>
       </a:dk1>
@@ -22908,10 +23690,10 @@
         <a:sysClr val="window" lastClr="FFFFFF"/>
       </a:lt1>
       <a:dk2>
-        <a:srgbClr val="766F54"/>
+        <a:srgbClr val="FFFFFF"/>
       </a:dk2>
       <a:lt2>
-        <a:srgbClr val="E3EACF"/>
+        <a:srgbClr val="FFFFFF"/>
       </a:lt2>
       <a:accent1>
         <a:srgbClr val="A53010"/>

--- a/report/2014-11-04.pptx
+++ b/report/2014-11-04.pptx
@@ -247,7 +247,7 @@
           <a:p>
             <a:fld id="{53DF2DCF-DB06-4254-A49F-002D5F827FF4}" type="datetimeFigureOut">
               <a:rPr kumimoji="1" lang="ja-JP" altLang="en-US" smtClean="0"/>
-              <a:t>2015/1/6</a:t>
+              <a:t>2015/2/16</a:t>
             </a:fld>
             <a:endParaRPr kumimoji="1" lang="ja-JP" altLang="en-US"/>
           </a:p>
@@ -412,7 +412,7 @@
           <a:p>
             <a:fld id="{A7B3912A-A208-42D9-A720-8DE28239B8A7}" type="datetimeFigureOut">
               <a:rPr lang="en-US" smtClean="0"/>
-              <a:t>6/1/2015</a:t>
+              <a:t>16/2/2015</a:t>
             </a:fld>
             <a:endParaRPr lang="en-US"/>
           </a:p>
@@ -952,7 +952,7 @@
           <a:p>
             <a:fld id="{7FC51BC0-5CD8-4890-A623-D66634BB65F3}" type="datetime1">
               <a:rPr lang="en-US" smtClean="0"/>
-              <a:t>6/1/2015</a:t>
+              <a:t>16/2/2015</a:t>
             </a:fld>
             <a:endParaRPr lang="en-US"/>
           </a:p>
@@ -1290,7 +1290,7 @@
           <a:p>
             <a:fld id="{AE02F185-A3BE-472A-9684-02EC53B78E9C}" type="datetime1">
               <a:rPr lang="en-US" smtClean="0"/>
-              <a:t>6/1/2015</a:t>
+              <a:t>16/2/2015</a:t>
             </a:fld>
             <a:endParaRPr lang="en-US"/>
           </a:p>
@@ -1691,7 +1691,7 @@
           <a:p>
             <a:fld id="{5621C072-7611-44F1-8610-08EC694A07F0}" type="datetime1">
               <a:rPr lang="en-US" smtClean="0"/>
-              <a:t>6/1/2015</a:t>
+              <a:t>16/2/2015</a:t>
             </a:fld>
             <a:endParaRPr lang="en-US"/>
           </a:p>
@@ -2027,7 +2027,7 @@
           <a:p>
             <a:fld id="{6D7964BB-9B41-4DDB-8F12-C699973B51D9}" type="datetime1">
               <a:rPr lang="en-US" smtClean="0"/>
-              <a:t>6/1/2015</a:t>
+              <a:t>16/2/2015</a:t>
             </a:fld>
             <a:endParaRPr lang="en-US"/>
           </a:p>
@@ -2347,7 +2347,7 @@
           <a:p>
             <a:fld id="{32713E24-E9F9-4D7D-AA60-094D056CDCCC}" type="datetime1">
               <a:rPr lang="en-US" smtClean="0"/>
-              <a:t>6/1/2015</a:t>
+              <a:t>16/2/2015</a:t>
             </a:fld>
             <a:endParaRPr lang="en-US"/>
           </a:p>
@@ -2743,7 +2743,7 @@
           <a:p>
             <a:fld id="{E3DDF059-9ED2-4DE0-9CE9-79B3768F8997}" type="datetime1">
               <a:rPr lang="en-US" smtClean="0"/>
-              <a:t>6/1/2015</a:t>
+              <a:t>16/2/2015</a:t>
             </a:fld>
             <a:endParaRPr lang="en-US"/>
           </a:p>
@@ -3000,7 +3000,7 @@
           <a:p>
             <a:fld id="{97ABA458-ED39-4ADA-96F0-D6B8F204BA60}" type="datetime1">
               <a:rPr lang="en-US" smtClean="0"/>
-              <a:t>6/1/2015</a:t>
+              <a:t>16/2/2015</a:t>
             </a:fld>
             <a:endParaRPr lang="en-US"/>
           </a:p>
@@ -3262,7 +3262,7 @@
           <a:p>
             <a:fld id="{08444B18-DB90-41A6-9235-464ECA7F10A4}" type="datetime1">
               <a:rPr lang="en-US" smtClean="0"/>
-              <a:t>6/1/2015</a:t>
+              <a:t>16/2/2015</a:t>
             </a:fld>
             <a:endParaRPr lang="en-US"/>
           </a:p>
@@ -3524,7 +3524,7 @@
           <a:p>
             <a:fld id="{D375DF81-F5DA-44FE-9562-697A179B7B0A}" type="datetime1">
               <a:rPr lang="en-US" smtClean="0"/>
-              <a:t>6/1/2015</a:t>
+              <a:t>16/2/2015</a:t>
             </a:fld>
             <a:endParaRPr lang="en-US"/>
           </a:p>
@@ -3853,7 +3853,7 @@
           <a:p>
             <a:fld id="{574A4FCE-4BC4-48F1-BAFC-21B3F6D1AE28}" type="datetime1">
               <a:rPr lang="en-US" smtClean="0"/>
-              <a:t>6/1/2015</a:t>
+              <a:t>16/2/2015</a:t>
             </a:fld>
             <a:endParaRPr lang="en-US"/>
           </a:p>
@@ -4176,7 +4176,7 @@
           <a:p>
             <a:fld id="{E9A4F337-B4F3-41ED-A235-1EB8E27F4ADC}" type="datetime1">
               <a:rPr lang="en-US" smtClean="0"/>
-              <a:t>6/1/2015</a:t>
+              <a:t>16/2/2015</a:t>
             </a:fld>
             <a:endParaRPr lang="en-US"/>
           </a:p>
@@ -4633,7 +4633,7 @@
           <a:p>
             <a:fld id="{042D7D94-FFAA-495D-AC0F-ABD4E676F73C}" type="datetime1">
               <a:rPr lang="en-US" smtClean="0"/>
-              <a:t>6/1/2015</a:t>
+              <a:t>16/2/2015</a:t>
             </a:fld>
             <a:endParaRPr lang="en-US"/>
           </a:p>
@@ -4838,7 +4838,7 @@
           <a:p>
             <a:fld id="{446193CF-BB28-48CF-8B44-80D6F3490EEE}" type="datetime1">
               <a:rPr lang="en-US" smtClean="0"/>
-              <a:t>6/1/2015</a:t>
+              <a:t>16/2/2015</a:t>
             </a:fld>
             <a:endParaRPr lang="en-US"/>
           </a:p>
@@ -5015,7 +5015,7 @@
           <a:p>
             <a:fld id="{5F7300D2-0E83-4CFE-91DB-6D88FAA3DB5C}" type="datetime1">
               <a:rPr lang="en-US" smtClean="0"/>
-              <a:t>6/1/2015</a:t>
+              <a:t>16/2/2015</a:t>
             </a:fld>
             <a:endParaRPr lang="en-US"/>
           </a:p>
@@ -5348,7 +5348,7 @@
           <a:p>
             <a:fld id="{8CC331A5-A2E0-4093-B454-C6FF04ED1192}" type="datetime1">
               <a:rPr lang="en-US" smtClean="0"/>
-              <a:t>6/1/2015</a:t>
+              <a:t>16/2/2015</a:t>
             </a:fld>
             <a:endParaRPr lang="en-US"/>
           </a:p>
@@ -5693,7 +5693,7 @@
           <a:p>
             <a:fld id="{65369091-B738-4B29-8138-F2365DA6C833}" type="datetime1">
               <a:rPr lang="en-US" smtClean="0"/>
-              <a:t>6/1/2015</a:t>
+              <a:t>16/2/2015</a:t>
             </a:fld>
             <a:endParaRPr lang="en-US"/>
           </a:p>
@@ -7810,7 +7810,7 @@
           <a:p>
             <a:fld id="{0F7C4A8F-7631-40DF-9D95-F8A285B7E60E}" type="datetime1">
               <a:rPr lang="en-US" smtClean="0"/>
-              <a:t>6/1/2015</a:t>
+              <a:t>16/2/2015</a:t>
             </a:fld>
             <a:endParaRPr lang="en-US"/>
           </a:p>
@@ -11147,38 +11147,6 @@
           </a:prstGeom>
         </p:spPr>
       </p:pic>
-      <p:sp>
-        <p:nvSpPr>
-          <p:cNvPr id="8" name="TextBox 7"/>
-          <p:cNvSpPr txBox="1"/>
-          <p:nvPr/>
-        </p:nvSpPr>
-        <p:spPr>
-          <a:xfrm>
-            <a:off x="2848975" y="4901174"/>
-            <a:ext cx="3445174" cy="461665"/>
-          </a:xfrm>
-          <a:prstGeom prst="rect">
-            <a:avLst/>
-          </a:prstGeom>
-          <a:noFill/>
-        </p:spPr>
-        <p:txBody>
-          <a:bodyPr wrap="none" rtlCol="0">
-            <a:spAutoFit/>
-          </a:bodyPr>
-          <a:lstStyle/>
-          <a:p>
-            <a:r>
-              <a:rPr lang="en-US" sz="2400" dirty="0" smtClean="0">
-                <a:sym typeface="Wingdings" panose="05000000000000000000" pitchFamily="2" charset="2"/>
-              </a:rPr>
-              <a:t> Fair decomposition</a:t>
-            </a:r>
-            <a:endParaRPr lang="en-US" sz="2400" dirty="0"/>
-          </a:p>
-        </p:txBody>
-      </p:sp>
     </p:spTree>
     <p:extLst>
       <p:ext uri="{BB962C8B-B14F-4D97-AF65-F5344CB8AC3E}">
@@ -16708,8 +16676,8 @@
           <a:chExt cx="0" cy="0"/>
         </a:xfrm>
       </p:grpSpPr>
-      <mc:AlternateContent xmlns:mc="http://schemas.openxmlformats.org/markup-compatibility/2006">
-        <mc:Choice xmlns:a14="http://schemas.microsoft.com/office/drawing/2010/main" Requires="a14">
+      <mc:AlternateContent xmlns:mc="http://schemas.openxmlformats.org/markup-compatibility/2006" xmlns:a14="http://schemas.microsoft.com/office/drawing/2010/main">
+        <mc:Choice Requires="a14">
           <p:sp>
             <p:nvSpPr>
               <p:cNvPr id="4" name="Rectangle 3"/>
@@ -16805,7 +16773,7 @@
             </p:txBody>
           </p:sp>
         </mc:Choice>
-        <mc:Fallback>
+        <mc:Fallback xmlns="">
           <p:sp>
             <p:nvSpPr>
               <p:cNvPr id="4" name="Rectangle 3"/>
@@ -17169,8 +17137,8 @@
           </a:fontRef>
         </p:style>
       </p:cxnSp>
-      <mc:AlternateContent xmlns:mc="http://schemas.openxmlformats.org/markup-compatibility/2006">
-        <mc:Choice xmlns:a14="http://schemas.microsoft.com/office/drawing/2010/main" Requires="a14">
+      <mc:AlternateContent xmlns:mc="http://schemas.openxmlformats.org/markup-compatibility/2006" xmlns:a14="http://schemas.microsoft.com/office/drawing/2010/main">
+        <mc:Choice Requires="a14">
           <p:sp>
             <p:nvSpPr>
               <p:cNvPr id="49" name="TextBox 48"/>
@@ -17248,7 +17216,7 @@
             </p:txBody>
           </p:sp>
         </mc:Choice>
-        <mc:Fallback>
+        <mc:Fallback xmlns="">
           <p:sp>
             <p:nvSpPr>
               <p:cNvPr id="49" name="TextBox 48"/>
@@ -17432,8 +17400,8 @@
           </a:p>
         </p:txBody>
       </p:sp>
-      <mc:AlternateContent xmlns:mc="http://schemas.openxmlformats.org/markup-compatibility/2006">
-        <mc:Choice xmlns:a14="http://schemas.microsoft.com/office/drawing/2010/main" Requires="a14">
+      <mc:AlternateContent xmlns:mc="http://schemas.openxmlformats.org/markup-compatibility/2006" xmlns:a14="http://schemas.microsoft.com/office/drawing/2010/main">
+        <mc:Choice Requires="a14">
           <p:sp>
             <p:nvSpPr>
               <p:cNvPr id="61" name="TextBox 60"/>
@@ -17511,7 +17479,7 @@
             </p:txBody>
           </p:sp>
         </mc:Choice>
-        <mc:Fallback>
+        <mc:Fallback xmlns="">
           <p:sp>
             <p:nvSpPr>
               <p:cNvPr id="61" name="TextBox 60"/>
@@ -17586,8 +17554,8 @@
           </a:fontRef>
         </p:style>
       </p:cxnSp>
-      <mc:AlternateContent xmlns:mc="http://schemas.openxmlformats.org/markup-compatibility/2006">
-        <mc:Choice xmlns:a14="http://schemas.microsoft.com/office/drawing/2010/main" Requires="a14">
+      <mc:AlternateContent xmlns:mc="http://schemas.openxmlformats.org/markup-compatibility/2006" xmlns:a14="http://schemas.microsoft.com/office/drawing/2010/main">
+        <mc:Choice Requires="a14">
           <p:sp>
             <p:nvSpPr>
               <p:cNvPr id="65" name="TextBox 64"/>
@@ -17665,7 +17633,7 @@
             </p:txBody>
           </p:sp>
         </mc:Choice>
-        <mc:Fallback>
+        <mc:Fallback xmlns="">
           <p:sp>
             <p:nvSpPr>
               <p:cNvPr id="65" name="TextBox 64"/>
@@ -18110,8 +18078,8 @@
           </a:p>
         </p:txBody>
       </p:sp>
-      <mc:AlternateContent xmlns:mc="http://schemas.openxmlformats.org/markup-compatibility/2006">
-        <mc:Choice xmlns:a14="http://schemas.microsoft.com/office/drawing/2010/main" Requires="a14">
+      <mc:AlternateContent xmlns:mc="http://schemas.openxmlformats.org/markup-compatibility/2006" xmlns:a14="http://schemas.microsoft.com/office/drawing/2010/main">
+        <mc:Choice Requires="a14">
           <p:sp>
             <p:nvSpPr>
               <p:cNvPr id="5" name="TextBox 4"/>
@@ -18168,7 +18136,7 @@
             </p:txBody>
           </p:sp>
         </mc:Choice>
-        <mc:Fallback>
+        <mc:Fallback xmlns="">
           <p:sp>
             <p:nvSpPr>
               <p:cNvPr id="5" name="TextBox 4"/>
@@ -18207,8 +18175,8 @@
           </p:sp>
         </mc:Fallback>
       </mc:AlternateContent>
-      <mc:AlternateContent xmlns:mc="http://schemas.openxmlformats.org/markup-compatibility/2006">
-        <mc:Choice xmlns:a14="http://schemas.microsoft.com/office/drawing/2010/main" Requires="a14">
+      <mc:AlternateContent xmlns:mc="http://schemas.openxmlformats.org/markup-compatibility/2006" xmlns:a14="http://schemas.microsoft.com/office/drawing/2010/main">
+        <mc:Choice Requires="a14">
           <p:sp>
             <p:nvSpPr>
               <p:cNvPr id="38" name="TextBox 37"/>
@@ -18265,7 +18233,7 @@
             </p:txBody>
           </p:sp>
         </mc:Choice>
-        <mc:Fallback>
+        <mc:Fallback xmlns="">
           <p:sp>
             <p:nvSpPr>
               <p:cNvPr id="38" name="TextBox 37"/>
@@ -18340,8 +18308,8 @@
           </a:fontRef>
         </p:style>
       </p:cxnSp>
-      <mc:AlternateContent xmlns:mc="http://schemas.openxmlformats.org/markup-compatibility/2006">
-        <mc:Choice xmlns:a14="http://schemas.microsoft.com/office/drawing/2010/main" Requires="a14">
+      <mc:AlternateContent xmlns:mc="http://schemas.openxmlformats.org/markup-compatibility/2006" xmlns:a14="http://schemas.microsoft.com/office/drawing/2010/main">
+        <mc:Choice Requires="a14">
           <p:sp>
             <p:nvSpPr>
               <p:cNvPr id="31" name="TextBox 30"/>
@@ -18419,7 +18387,7 @@
             </p:txBody>
           </p:sp>
         </mc:Choice>
-        <mc:Fallback>
+        <mc:Fallback xmlns="">
           <p:sp>
             <p:nvSpPr>
               <p:cNvPr id="31" name="TextBox 30"/>
@@ -18458,8 +18426,8 @@
           </p:sp>
         </mc:Fallback>
       </mc:AlternateContent>
-      <mc:AlternateContent xmlns:mc="http://schemas.openxmlformats.org/markup-compatibility/2006">
-        <mc:Choice xmlns:a14="http://schemas.microsoft.com/office/drawing/2010/main" Requires="a14">
+      <mc:AlternateContent xmlns:mc="http://schemas.openxmlformats.org/markup-compatibility/2006" xmlns:a14="http://schemas.microsoft.com/office/drawing/2010/main">
+        <mc:Choice Requires="a14">
           <p:sp>
             <p:nvSpPr>
               <p:cNvPr id="63" name="TextBox 62"/>
@@ -18488,15 +18456,7 @@
                       <a:schemeClr val="tx1"/>
                     </a:solidFill>
                   </a:rPr>
-                  <a:t>n</a:t>
-                </a:r>
-                <a:r>
-                  <a:rPr lang="en-US" sz="2000" dirty="0" smtClean="0">
-                    <a:solidFill>
-                      <a:schemeClr val="tx1"/>
-                    </a:solidFill>
-                  </a:rPr>
-                  <a:t>ot </a:t>
+                  <a:t>not </a:t>
                 </a:r>
                 <a14:m>
                   <m:oMath xmlns:m="http://schemas.openxmlformats.org/officeDocument/2006/math">
@@ -18553,7 +18513,7 @@
             </p:txBody>
           </p:sp>
         </mc:Choice>
-        <mc:Fallback>
+        <mc:Fallback xmlns="">
           <p:sp>
             <p:nvSpPr>
               <p:cNvPr id="63" name="TextBox 62"/>
@@ -18592,8 +18552,8 @@
           </p:sp>
         </mc:Fallback>
       </mc:AlternateContent>
-      <mc:AlternateContent xmlns:mc="http://schemas.openxmlformats.org/markup-compatibility/2006">
-        <mc:Choice xmlns:a14="http://schemas.microsoft.com/office/drawing/2010/main" Requires="a14">
+      <mc:AlternateContent xmlns:mc="http://schemas.openxmlformats.org/markup-compatibility/2006" xmlns:a14="http://schemas.microsoft.com/office/drawing/2010/main">
+        <mc:Choice Requires="a14">
           <p:sp>
             <p:nvSpPr>
               <p:cNvPr id="64" name="TextBox 63"/>
@@ -18687,7 +18647,7 @@
             </p:txBody>
           </p:sp>
         </mc:Choice>
-        <mc:Fallback>
+        <mc:Fallback xmlns="">
           <p:sp>
             <p:nvSpPr>
               <p:cNvPr id="64" name="TextBox 63"/>
